--- a/Topic 1 - The Input Assembler.pptx
+++ b/Topic 1 - The Input Assembler.pptx
@@ -5,10 +5,10 @@
     <p:sldMasterId id="2147483648" r:id="rId1"/>
   </p:sldMasterIdLst>
   <p:notesMasterIdLst>
-    <p:notesMasterId r:id="rId50"/>
+    <p:notesMasterId r:id="rId51"/>
   </p:notesMasterIdLst>
   <p:handoutMasterIdLst>
-    <p:handoutMasterId r:id="rId51"/>
+    <p:handoutMasterId r:id="rId52"/>
   </p:handoutMasterIdLst>
   <p:sldIdLst>
     <p:sldId id="468" r:id="rId2"/>
@@ -59,27 +59,28 @@
     <p:sldId id="438" r:id="rId47"/>
     <p:sldId id="439" r:id="rId48"/>
     <p:sldId id="481" r:id="rId49"/>
+    <p:sldId id="489" r:id="rId50"/>
   </p:sldIdLst>
   <p:sldSz cx="12192000" cy="6858000"/>
   <p:notesSz cx="6794500" cy="9906000"/>
   <p:embeddedFontLst>
     <p:embeddedFont>
       <p:font typeface="Candara" panose="020E0502030303020204" pitchFamily="34" charset="0"/>
-      <p:regular r:id="rId52"/>
-      <p:bold r:id="rId53"/>
-      <p:italic r:id="rId54"/>
-      <p:boldItalic r:id="rId55"/>
+      <p:regular r:id="rId53"/>
+      <p:bold r:id="rId54"/>
+      <p:italic r:id="rId55"/>
+      <p:boldItalic r:id="rId56"/>
     </p:embeddedFont>
     <p:embeddedFont>
       <p:font typeface="Consolas" panose="020B0609020204030204" pitchFamily="49" charset="0"/>
-      <p:regular r:id="rId56"/>
-      <p:bold r:id="rId57"/>
-      <p:italic r:id="rId58"/>
-      <p:boldItalic r:id="rId59"/>
+      <p:regular r:id="rId57"/>
+      <p:bold r:id="rId58"/>
+      <p:italic r:id="rId59"/>
+      <p:boldItalic r:id="rId60"/>
     </p:embeddedFont>
     <p:embeddedFont>
       <p:font typeface="Magik" panose="020B0604020202020204"/>
-      <p:regular r:id="rId60"/>
+      <p:regular r:id="rId61"/>
     </p:embeddedFont>
   </p:embeddedFontLst>
   <p:defaultTextStyle>
@@ -27811,6 +27812,72 @@
           </a:p>
         </p:txBody>
       </p:sp>
+      <p:sp>
+        <p:nvSpPr>
+          <p:cNvPr id="73" name="Rounded Rectangular Callout 4">
+            <a:extLst>
+              <a:ext uri="{FF2B5EF4-FFF2-40B4-BE49-F238E27FC236}">
+                <a16:creationId xmlns:a16="http://schemas.microsoft.com/office/drawing/2014/main" id="{9ABDF7EF-3D02-4DDE-B61F-883E976B7639}"/>
+              </a:ext>
+            </a:extLst>
+          </p:cNvPr>
+          <p:cNvSpPr/>
+          <p:nvPr/>
+        </p:nvSpPr>
+        <p:spPr>
+          <a:xfrm>
+            <a:off x="234679" y="3673584"/>
+            <a:ext cx="2892102" cy="625128"/>
+          </a:xfrm>
+          <a:prstGeom prst="wedgeRoundRectCallout">
+            <a:avLst>
+              <a:gd name="adj1" fmla="val -6207"/>
+              <a:gd name="adj2" fmla="val 97328"/>
+              <a:gd name="adj3" fmla="val 16667"/>
+            </a:avLst>
+          </a:prstGeom>
+          <a:solidFill>
+            <a:schemeClr val="accent3"/>
+          </a:solidFill>
+          <a:ln>
+            <a:solidFill>
+              <a:schemeClr val="tx2"/>
+            </a:solidFill>
+          </a:ln>
+        </p:spPr>
+        <p:style>
+          <a:lnRef idx="2">
+            <a:schemeClr val="accent1">
+              <a:shade val="50000"/>
+            </a:schemeClr>
+          </a:lnRef>
+          <a:fillRef idx="1">
+            <a:schemeClr val="accent1"/>
+          </a:fillRef>
+          <a:effectRef idx="0">
+            <a:schemeClr val="accent1"/>
+          </a:effectRef>
+          <a:fontRef idx="minor">
+            <a:schemeClr val="lt1"/>
+          </a:fontRef>
+        </p:style>
+        <p:txBody>
+          <a:bodyPr rtlCol="0" anchor="ctr"/>
+          <a:lstStyle/>
+          <a:p>
+            <a:pPr marL="0" lvl="2" algn="ctr"/>
+            <a:r>
+              <a:rPr lang="en-GB" dirty="0">
+                <a:solidFill>
+                  <a:schemeClr val="tx1"/>
+                </a:solidFill>
+              </a:rPr>
+              <a:t>See note on final slide!</a:t>
+            </a:r>
+            <a:endParaRPr lang="en-GB" dirty="0"/>
+          </a:p>
+        </p:txBody>
+      </p:sp>
     </p:spTree>
   </p:cSld>
   <p:clrMapOvr>
@@ -31875,6 +31942,72 @@
               <a:t> face outwards. It doesn’t make a big difference in this example as back-face culling is turned off, but it may come back to haunt you later if you expand on this tutorial</a:t>
             </a:r>
             <a:endParaRPr lang="en-GB" sz="1800" dirty="0"/>
+          </a:p>
+        </p:txBody>
+      </p:sp>
+      <p:sp>
+        <p:nvSpPr>
+          <p:cNvPr id="72" name="Rounded Rectangular Callout 4">
+            <a:extLst>
+              <a:ext uri="{FF2B5EF4-FFF2-40B4-BE49-F238E27FC236}">
+                <a16:creationId xmlns:a16="http://schemas.microsoft.com/office/drawing/2014/main" id="{D8996723-B05A-4AF4-A256-ED220AD27C64}"/>
+              </a:ext>
+            </a:extLst>
+          </p:cNvPr>
+          <p:cNvSpPr/>
+          <p:nvPr/>
+        </p:nvSpPr>
+        <p:spPr>
+          <a:xfrm>
+            <a:off x="234679" y="3673584"/>
+            <a:ext cx="2892102" cy="625128"/>
+          </a:xfrm>
+          <a:prstGeom prst="wedgeRoundRectCallout">
+            <a:avLst>
+              <a:gd name="adj1" fmla="val -6207"/>
+              <a:gd name="adj2" fmla="val 97328"/>
+              <a:gd name="adj3" fmla="val 16667"/>
+            </a:avLst>
+          </a:prstGeom>
+          <a:solidFill>
+            <a:schemeClr val="accent3"/>
+          </a:solidFill>
+          <a:ln>
+            <a:solidFill>
+              <a:schemeClr val="tx2"/>
+            </a:solidFill>
+          </a:ln>
+        </p:spPr>
+        <p:style>
+          <a:lnRef idx="2">
+            <a:schemeClr val="accent1">
+              <a:shade val="50000"/>
+            </a:schemeClr>
+          </a:lnRef>
+          <a:fillRef idx="1">
+            <a:schemeClr val="accent1"/>
+          </a:fillRef>
+          <a:effectRef idx="0">
+            <a:schemeClr val="accent1"/>
+          </a:effectRef>
+          <a:fontRef idx="minor">
+            <a:schemeClr val="lt1"/>
+          </a:fontRef>
+        </p:style>
+        <p:txBody>
+          <a:bodyPr rtlCol="0" anchor="ctr"/>
+          <a:lstStyle/>
+          <a:p>
+            <a:pPr marL="0" lvl="2" algn="ctr"/>
+            <a:r>
+              <a:rPr lang="en-GB" dirty="0">
+                <a:solidFill>
+                  <a:schemeClr val="tx1"/>
+                </a:solidFill>
+              </a:rPr>
+              <a:t>See note on final slide!</a:t>
+            </a:r>
+            <a:endParaRPr lang="en-GB" dirty="0"/>
           </a:p>
         </p:txBody>
       </p:sp>
@@ -39761,6 +39894,72 @@
           </p:txBody>
         </p:sp>
       </p:grpSp>
+      <p:sp>
+        <p:nvSpPr>
+          <p:cNvPr id="144" name="Rounded Rectangular Callout 4">
+            <a:extLst>
+              <a:ext uri="{FF2B5EF4-FFF2-40B4-BE49-F238E27FC236}">
+                <a16:creationId xmlns:a16="http://schemas.microsoft.com/office/drawing/2014/main" id="{2212D257-DF29-4452-9C78-164600604906}"/>
+              </a:ext>
+            </a:extLst>
+          </p:cNvPr>
+          <p:cNvSpPr/>
+          <p:nvPr/>
+        </p:nvSpPr>
+        <p:spPr>
+          <a:xfrm>
+            <a:off x="114969" y="4992360"/>
+            <a:ext cx="2892102" cy="625128"/>
+          </a:xfrm>
+          <a:prstGeom prst="wedgeRoundRectCallout">
+            <a:avLst>
+              <a:gd name="adj1" fmla="val 24035"/>
+              <a:gd name="adj2" fmla="val 97328"/>
+              <a:gd name="adj3" fmla="val 16667"/>
+            </a:avLst>
+          </a:prstGeom>
+          <a:solidFill>
+            <a:schemeClr val="accent3"/>
+          </a:solidFill>
+          <a:ln>
+            <a:solidFill>
+              <a:schemeClr val="tx2"/>
+            </a:solidFill>
+          </a:ln>
+        </p:spPr>
+        <p:style>
+          <a:lnRef idx="2">
+            <a:schemeClr val="accent1">
+              <a:shade val="50000"/>
+            </a:schemeClr>
+          </a:lnRef>
+          <a:fillRef idx="1">
+            <a:schemeClr val="accent1"/>
+          </a:fillRef>
+          <a:effectRef idx="0">
+            <a:schemeClr val="accent1"/>
+          </a:effectRef>
+          <a:fontRef idx="minor">
+            <a:schemeClr val="lt1"/>
+          </a:fontRef>
+        </p:style>
+        <p:txBody>
+          <a:bodyPr rtlCol="0" anchor="ctr"/>
+          <a:lstStyle/>
+          <a:p>
+            <a:pPr marL="0" lvl="2" algn="ctr"/>
+            <a:r>
+              <a:rPr lang="en-GB" dirty="0">
+                <a:solidFill>
+                  <a:schemeClr val="tx1"/>
+                </a:solidFill>
+              </a:rPr>
+              <a:t>See note on final slide!</a:t>
+            </a:r>
+            <a:endParaRPr lang="en-GB" dirty="0"/>
+          </a:p>
+        </p:txBody>
+      </p:sp>
     </p:spTree>
   </p:cSld>
   <p:clrMapOvr>
@@ -41790,7 +41989,10 @@
           </a:p>
           <a:p>
             <a:pPr lvl="2"/>
-            <a:endParaRPr lang="en-GB" dirty="0"/>
+            <a:r>
+              <a:rPr lang="en-GB" dirty="0"/>
+              <a:t>Adjacent strip lengths need to blend smoothly:  </a:t>
+            </a:r>
           </a:p>
           <a:p>
             <a:pPr lvl="2"/>
@@ -42687,6 +42889,12 @@
             <a:p>
               <a:r>
                 <a:rPr lang="en-GB" dirty="0">
+                  <a:solidFill>
+                    <a:schemeClr val="accent6">
+                      <a:lumMod val="60000"/>
+                      <a:lumOff val="40000"/>
+                    </a:schemeClr>
+                  </a:solidFill>
                   <a:latin typeface="Candara" pitchFamily="34" charset="0"/>
                 </a:rPr>
                 <a:t>5</a:t>
@@ -42872,6 +43080,12 @@
             <a:p>
               <a:r>
                 <a:rPr lang="en-GB" dirty="0">
+                  <a:solidFill>
+                    <a:schemeClr val="accent6">
+                      <a:lumMod val="60000"/>
+                      <a:lumOff val="40000"/>
+                    </a:schemeClr>
+                  </a:solidFill>
                   <a:latin typeface="Candara" pitchFamily="34" charset="0"/>
                 </a:rPr>
                 <a:t>10</a:t>
@@ -43057,6 +43271,12 @@
             <a:p>
               <a:r>
                 <a:rPr lang="en-GB" dirty="0">
+                  <a:solidFill>
+                    <a:schemeClr val="accent6">
+                      <a:lumMod val="60000"/>
+                      <a:lumOff val="40000"/>
+                    </a:schemeClr>
+                  </a:solidFill>
                   <a:latin typeface="Candara" pitchFamily="34" charset="0"/>
                 </a:rPr>
                 <a:t>15</a:t>
@@ -43242,6 +43462,12 @@
             <a:p>
               <a:r>
                 <a:rPr lang="en-GB" dirty="0">
+                  <a:solidFill>
+                    <a:schemeClr val="accent6">
+                      <a:lumMod val="60000"/>
+                      <a:lumOff val="40000"/>
+                    </a:schemeClr>
+                  </a:solidFill>
                   <a:latin typeface="Candara" pitchFamily="34" charset="0"/>
                 </a:rPr>
                 <a:t>20</a:t>
@@ -43279,6 +43505,9 @@
             <a:p>
               <a:r>
                 <a:rPr lang="en-GB" dirty="0">
+                  <a:solidFill>
+                    <a:srgbClr val="C00000"/>
+                  </a:solidFill>
                   <a:latin typeface="Candara" pitchFamily="34" charset="0"/>
                 </a:rPr>
                 <a:t>21</a:t>
@@ -43316,6 +43545,9 @@
             <a:p>
               <a:r>
                 <a:rPr lang="en-GB" dirty="0">
+                  <a:solidFill>
+                    <a:srgbClr val="C00000"/>
+                  </a:solidFill>
                   <a:latin typeface="Candara" pitchFamily="34" charset="0"/>
                 </a:rPr>
                 <a:t>22</a:t>
@@ -43353,6 +43585,9 @@
             <a:p>
               <a:r>
                 <a:rPr lang="en-GB" dirty="0">
+                  <a:solidFill>
+                    <a:srgbClr val="C00000"/>
+                  </a:solidFill>
                   <a:latin typeface="Candara" pitchFamily="34" charset="0"/>
                 </a:rPr>
                 <a:t>23</a:t>
@@ -43390,6 +43625,9 @@
             <a:p>
               <a:r>
                 <a:rPr lang="en-GB" dirty="0">
+                  <a:solidFill>
+                    <a:srgbClr val="C00000"/>
+                  </a:solidFill>
                   <a:latin typeface="Candara" pitchFamily="34" charset="0"/>
                 </a:rPr>
                 <a:t>24</a:t>
@@ -43427,6 +43665,9 @@
             <a:p>
               <a:r>
                 <a:rPr lang="en-GB" dirty="0">
+                  <a:solidFill>
+                    <a:srgbClr val="C00000"/>
+                  </a:solidFill>
                   <a:latin typeface="Candara" pitchFamily="34" charset="0"/>
                 </a:rPr>
                 <a:t>0</a:t>
@@ -43570,7 +43811,7 @@
         </p:nvSpPr>
         <p:spPr>
           <a:xfrm>
-            <a:off x="9525001" y="3209925"/>
+            <a:off x="9523096" y="3209455"/>
             <a:ext cx="619125" cy="590550"/>
           </a:xfrm>
           <a:prstGeom prst="rect">
@@ -44090,7 +44331,7 @@
         </p:nvSpPr>
         <p:spPr>
           <a:xfrm>
-            <a:off x="7657961" y="3124171"/>
+            <a:off x="7686188" y="3417345"/>
             <a:ext cx="533539" cy="400110"/>
           </a:xfrm>
           <a:prstGeom prst="rect">
@@ -44121,7 +44362,7 @@
         </p:nvSpPr>
         <p:spPr>
           <a:xfrm>
-            <a:off x="7991336" y="3448021"/>
+            <a:off x="7935979" y="3130562"/>
             <a:ext cx="533539" cy="400110"/>
           </a:xfrm>
           <a:prstGeom prst="rect">
@@ -44152,7 +44393,7 @@
         </p:nvSpPr>
         <p:spPr>
           <a:xfrm>
-            <a:off x="8258036" y="3143221"/>
+            <a:off x="8272805" y="3409229"/>
             <a:ext cx="533539" cy="400110"/>
           </a:xfrm>
           <a:prstGeom prst="rect">
@@ -44183,7 +44424,7 @@
         </p:nvSpPr>
         <p:spPr>
           <a:xfrm>
-            <a:off x="8591411" y="3467071"/>
+            <a:off x="8563385" y="3162196"/>
             <a:ext cx="533539" cy="400110"/>
           </a:xfrm>
           <a:prstGeom prst="rect">
@@ -44214,7 +44455,7 @@
         </p:nvSpPr>
         <p:spPr>
           <a:xfrm>
-            <a:off x="8848586" y="3133696"/>
+            <a:off x="8877231" y="3371776"/>
             <a:ext cx="533539" cy="400110"/>
           </a:xfrm>
           <a:prstGeom prst="rect">
@@ -44245,7 +44486,7 @@
         </p:nvSpPr>
         <p:spPr>
           <a:xfrm>
-            <a:off x="9181961" y="3457546"/>
+            <a:off x="9190791" y="3130562"/>
             <a:ext cx="533539" cy="400110"/>
           </a:xfrm>
           <a:prstGeom prst="rect">
@@ -44276,7 +44517,7 @@
         </p:nvSpPr>
         <p:spPr>
           <a:xfrm>
-            <a:off x="9477236" y="3143221"/>
+            <a:off x="9486491" y="3450228"/>
             <a:ext cx="533539" cy="400110"/>
           </a:xfrm>
           <a:prstGeom prst="rect">
@@ -44307,7 +44548,7 @@
         </p:nvSpPr>
         <p:spPr>
           <a:xfrm>
-            <a:off x="9810611" y="3467071"/>
+            <a:off x="9802097" y="3177481"/>
             <a:ext cx="533539" cy="400110"/>
           </a:xfrm>
           <a:prstGeom prst="rect">
@@ -44333,13 +44574,15 @@
       <p:cxnSp>
         <p:nvCxnSpPr>
           <p:cNvPr id="242" name="Straight Connector 241"/>
-          <p:cNvCxnSpPr/>
+          <p:cNvCxnSpPr>
+            <a:cxnSpLocks/>
+          </p:cNvCxnSpPr>
           <p:nvPr/>
         </p:nvCxnSpPr>
         <p:spPr>
-          <a:xfrm flipV="1">
-            <a:off x="7677150" y="3209926"/>
-            <a:ext cx="628650" cy="600074"/>
+          <a:xfrm flipH="1" flipV="1">
+            <a:off x="7693614" y="3217258"/>
+            <a:ext cx="580956" cy="623950"/>
           </a:xfrm>
           <a:prstGeom prst="line">
             <a:avLst/>
@@ -44365,16 +44608,1437 @@
           </a:fontRef>
         </p:style>
       </p:cxnSp>
+      <p:sp>
+        <p:nvSpPr>
+          <p:cNvPr id="248" name="Rectangle 247"/>
+          <p:cNvSpPr/>
+          <p:nvPr/>
+        </p:nvSpPr>
+        <p:spPr>
+          <a:xfrm>
+            <a:off x="7658101" y="3800475"/>
+            <a:ext cx="619125" cy="590550"/>
+          </a:xfrm>
+          <a:prstGeom prst="rect">
+            <a:avLst/>
+          </a:prstGeom>
+        </p:spPr>
+        <p:style>
+          <a:lnRef idx="2">
+            <a:schemeClr val="accent1">
+              <a:shade val="50000"/>
+            </a:schemeClr>
+          </a:lnRef>
+          <a:fillRef idx="1">
+            <a:schemeClr val="accent1"/>
+          </a:fillRef>
+          <a:effectRef idx="0">
+            <a:schemeClr val="accent1"/>
+          </a:effectRef>
+          <a:fontRef idx="minor">
+            <a:schemeClr val="lt1"/>
+          </a:fontRef>
+        </p:style>
+        <p:txBody>
+          <a:bodyPr rtlCol="0" anchor="ctr"/>
+          <a:lstStyle/>
+          <a:p>
+            <a:pPr algn="ctr"/>
+            <a:endParaRPr lang="en-GB"/>
+          </a:p>
+        </p:txBody>
+      </p:sp>
+      <p:sp>
+        <p:nvSpPr>
+          <p:cNvPr id="249" name="Rectangle 248"/>
+          <p:cNvSpPr/>
+          <p:nvPr/>
+        </p:nvSpPr>
+        <p:spPr>
+          <a:xfrm>
+            <a:off x="8277226" y="3800475"/>
+            <a:ext cx="619125" cy="590550"/>
+          </a:xfrm>
+          <a:prstGeom prst="rect">
+            <a:avLst/>
+          </a:prstGeom>
+        </p:spPr>
+        <p:style>
+          <a:lnRef idx="2">
+            <a:schemeClr val="accent1">
+              <a:shade val="50000"/>
+            </a:schemeClr>
+          </a:lnRef>
+          <a:fillRef idx="1">
+            <a:schemeClr val="accent1"/>
+          </a:fillRef>
+          <a:effectRef idx="0">
+            <a:schemeClr val="accent1"/>
+          </a:effectRef>
+          <a:fontRef idx="minor">
+            <a:schemeClr val="lt1"/>
+          </a:fontRef>
+        </p:style>
+        <p:txBody>
+          <a:bodyPr rtlCol="0" anchor="ctr"/>
+          <a:lstStyle/>
+          <a:p>
+            <a:pPr algn="ctr"/>
+            <a:endParaRPr lang="en-GB"/>
+          </a:p>
+        </p:txBody>
+      </p:sp>
+      <p:sp>
+        <p:nvSpPr>
+          <p:cNvPr id="250" name="Rectangle 249"/>
+          <p:cNvSpPr/>
+          <p:nvPr/>
+        </p:nvSpPr>
+        <p:spPr>
+          <a:xfrm>
+            <a:off x="8896351" y="3800475"/>
+            <a:ext cx="619125" cy="590550"/>
+          </a:xfrm>
+          <a:prstGeom prst="rect">
+            <a:avLst/>
+          </a:prstGeom>
+        </p:spPr>
+        <p:style>
+          <a:lnRef idx="2">
+            <a:schemeClr val="accent1">
+              <a:shade val="50000"/>
+            </a:schemeClr>
+          </a:lnRef>
+          <a:fillRef idx="1">
+            <a:schemeClr val="accent1"/>
+          </a:fillRef>
+          <a:effectRef idx="0">
+            <a:schemeClr val="accent1"/>
+          </a:effectRef>
+          <a:fontRef idx="minor">
+            <a:schemeClr val="lt1"/>
+          </a:fontRef>
+        </p:style>
+        <p:txBody>
+          <a:bodyPr rtlCol="0" anchor="ctr"/>
+          <a:lstStyle/>
+          <a:p>
+            <a:pPr algn="ctr"/>
+            <a:endParaRPr lang="en-GB"/>
+          </a:p>
+        </p:txBody>
+      </p:sp>
+      <p:sp>
+        <p:nvSpPr>
+          <p:cNvPr id="251" name="Rectangle 250"/>
+          <p:cNvSpPr/>
+          <p:nvPr/>
+        </p:nvSpPr>
+        <p:spPr>
+          <a:xfrm>
+            <a:off x="9515476" y="3800475"/>
+            <a:ext cx="619125" cy="590550"/>
+          </a:xfrm>
+          <a:prstGeom prst="rect">
+            <a:avLst/>
+          </a:prstGeom>
+        </p:spPr>
+        <p:style>
+          <a:lnRef idx="2">
+            <a:schemeClr val="accent1">
+              <a:shade val="50000"/>
+            </a:schemeClr>
+          </a:lnRef>
+          <a:fillRef idx="1">
+            <a:schemeClr val="accent1"/>
+          </a:fillRef>
+          <a:effectRef idx="0">
+            <a:schemeClr val="accent1"/>
+          </a:effectRef>
+          <a:fontRef idx="minor">
+            <a:schemeClr val="lt1"/>
+          </a:fontRef>
+        </p:style>
+        <p:txBody>
+          <a:bodyPr rtlCol="0" anchor="ctr"/>
+          <a:lstStyle/>
+          <a:p>
+            <a:pPr algn="ctr"/>
+            <a:endParaRPr lang="en-GB"/>
+          </a:p>
+        </p:txBody>
+      </p:sp>
+      <p:sp>
+        <p:nvSpPr>
+          <p:cNvPr id="252" name="Rectangle 251"/>
+          <p:cNvSpPr/>
+          <p:nvPr/>
+        </p:nvSpPr>
+        <p:spPr>
+          <a:xfrm>
+            <a:off x="7648436" y="3988845"/>
+            <a:ext cx="533539" cy="400110"/>
+          </a:xfrm>
+          <a:prstGeom prst="rect">
+            <a:avLst/>
+          </a:prstGeom>
+        </p:spPr>
+        <p:txBody>
+          <a:bodyPr wrap="square">
+            <a:spAutoFit/>
+          </a:bodyPr>
+          <a:lstStyle/>
+          <a:p>
+            <a:r>
+              <a:rPr lang="en-GB" dirty="0">
+                <a:latin typeface="Candara" pitchFamily="34" charset="0"/>
+              </a:rPr>
+              <a:t>8</a:t>
+            </a:r>
+            <a:endParaRPr lang="en-GB" sz="4400" dirty="0"/>
+          </a:p>
+        </p:txBody>
+      </p:sp>
+      <p:sp>
+        <p:nvSpPr>
+          <p:cNvPr id="253" name="Rectangle 252"/>
+          <p:cNvSpPr/>
+          <p:nvPr/>
+        </p:nvSpPr>
+        <p:spPr>
+          <a:xfrm>
+            <a:off x="7962336" y="3749782"/>
+            <a:ext cx="600075" cy="400110"/>
+          </a:xfrm>
+          <a:prstGeom prst="rect">
+            <a:avLst/>
+          </a:prstGeom>
+        </p:spPr>
+        <p:txBody>
+          <a:bodyPr wrap="square">
+            <a:spAutoFit/>
+          </a:bodyPr>
+          <a:lstStyle/>
+          <a:p>
+            <a:r>
+              <a:rPr lang="en-GB" dirty="0">
+                <a:latin typeface="Candara" pitchFamily="34" charset="0"/>
+              </a:rPr>
+              <a:t>9</a:t>
+            </a:r>
+            <a:endParaRPr lang="en-GB" sz="4400" dirty="0"/>
+          </a:p>
+        </p:txBody>
+      </p:sp>
+      <p:sp>
+        <p:nvSpPr>
+          <p:cNvPr id="254" name="Rectangle 253"/>
+          <p:cNvSpPr/>
+          <p:nvPr/>
+        </p:nvSpPr>
+        <p:spPr>
+          <a:xfrm>
+            <a:off x="8216529" y="3986079"/>
+            <a:ext cx="533539" cy="400110"/>
+          </a:xfrm>
+          <a:prstGeom prst="rect">
+            <a:avLst/>
+          </a:prstGeom>
+        </p:spPr>
+        <p:txBody>
+          <a:bodyPr wrap="square">
+            <a:spAutoFit/>
+          </a:bodyPr>
+          <a:lstStyle/>
+          <a:p>
+            <a:r>
+              <a:rPr lang="en-GB" dirty="0">
+                <a:latin typeface="Candara" pitchFamily="34" charset="0"/>
+              </a:rPr>
+              <a:t>10</a:t>
+            </a:r>
+            <a:endParaRPr lang="en-GB" sz="4400" dirty="0"/>
+          </a:p>
+        </p:txBody>
+      </p:sp>
+      <p:sp>
+        <p:nvSpPr>
+          <p:cNvPr id="255" name="Rectangle 254"/>
+          <p:cNvSpPr/>
+          <p:nvPr/>
+        </p:nvSpPr>
+        <p:spPr>
+          <a:xfrm>
+            <a:off x="8513714" y="3720064"/>
+            <a:ext cx="571499" cy="400110"/>
+          </a:xfrm>
+          <a:prstGeom prst="rect">
+            <a:avLst/>
+          </a:prstGeom>
+        </p:spPr>
+        <p:txBody>
+          <a:bodyPr wrap="square">
+            <a:spAutoFit/>
+          </a:bodyPr>
+          <a:lstStyle/>
+          <a:p>
+            <a:r>
+              <a:rPr lang="en-GB" dirty="0">
+                <a:latin typeface="Candara" pitchFamily="34" charset="0"/>
+              </a:rPr>
+              <a:t>11</a:t>
+            </a:r>
+            <a:endParaRPr lang="en-GB" sz="4400" dirty="0"/>
+          </a:p>
+        </p:txBody>
+      </p:sp>
+      <p:sp>
+        <p:nvSpPr>
+          <p:cNvPr id="256" name="Rectangle 255"/>
+          <p:cNvSpPr/>
+          <p:nvPr/>
+        </p:nvSpPr>
+        <p:spPr>
+          <a:xfrm>
+            <a:off x="8845660" y="4005814"/>
+            <a:ext cx="533539" cy="400110"/>
+          </a:xfrm>
+          <a:prstGeom prst="rect">
+            <a:avLst/>
+          </a:prstGeom>
+        </p:spPr>
+        <p:txBody>
+          <a:bodyPr wrap="square">
+            <a:spAutoFit/>
+          </a:bodyPr>
+          <a:lstStyle/>
+          <a:p>
+            <a:r>
+              <a:rPr lang="en-GB" dirty="0">
+                <a:latin typeface="Candara" pitchFamily="34" charset="0"/>
+              </a:rPr>
+              <a:t>12</a:t>
+            </a:r>
+            <a:endParaRPr lang="en-GB" sz="4400" dirty="0"/>
+          </a:p>
+        </p:txBody>
+      </p:sp>
+      <p:sp>
+        <p:nvSpPr>
+          <p:cNvPr id="257" name="Rectangle 256"/>
+          <p:cNvSpPr/>
+          <p:nvPr/>
+        </p:nvSpPr>
+        <p:spPr>
+          <a:xfrm>
+            <a:off x="9159242" y="3737409"/>
+            <a:ext cx="561974" cy="400110"/>
+          </a:xfrm>
+          <a:prstGeom prst="rect">
+            <a:avLst/>
+          </a:prstGeom>
+        </p:spPr>
+        <p:txBody>
+          <a:bodyPr wrap="square">
+            <a:spAutoFit/>
+          </a:bodyPr>
+          <a:lstStyle/>
+          <a:p>
+            <a:r>
+              <a:rPr lang="en-GB" dirty="0">
+                <a:latin typeface="Candara" pitchFamily="34" charset="0"/>
+              </a:rPr>
+              <a:t>13</a:t>
+            </a:r>
+            <a:endParaRPr lang="en-GB" sz="4400" dirty="0"/>
+          </a:p>
+        </p:txBody>
+      </p:sp>
+      <p:sp>
+        <p:nvSpPr>
+          <p:cNvPr id="258" name="Rectangle 257"/>
+          <p:cNvSpPr/>
+          <p:nvPr/>
+        </p:nvSpPr>
+        <p:spPr>
+          <a:xfrm>
+            <a:off x="9459962" y="4038437"/>
+            <a:ext cx="533539" cy="400110"/>
+          </a:xfrm>
+          <a:prstGeom prst="rect">
+            <a:avLst/>
+          </a:prstGeom>
+        </p:spPr>
+        <p:txBody>
+          <a:bodyPr wrap="square">
+            <a:spAutoFit/>
+          </a:bodyPr>
+          <a:lstStyle/>
+          <a:p>
+            <a:r>
+              <a:rPr lang="en-GB" dirty="0">
+                <a:latin typeface="Candara" pitchFamily="34" charset="0"/>
+              </a:rPr>
+              <a:t>14</a:t>
+            </a:r>
+            <a:endParaRPr lang="en-GB" sz="4400" dirty="0"/>
+          </a:p>
+        </p:txBody>
+      </p:sp>
+      <p:sp>
+        <p:nvSpPr>
+          <p:cNvPr id="259" name="Rectangle 258"/>
+          <p:cNvSpPr/>
+          <p:nvPr/>
+        </p:nvSpPr>
+        <p:spPr>
+          <a:xfrm>
+            <a:off x="9731151" y="3767629"/>
+            <a:ext cx="533539" cy="400110"/>
+          </a:xfrm>
+          <a:prstGeom prst="rect">
+            <a:avLst/>
+          </a:prstGeom>
+        </p:spPr>
+        <p:txBody>
+          <a:bodyPr wrap="square">
+            <a:spAutoFit/>
+          </a:bodyPr>
+          <a:lstStyle/>
+          <a:p>
+            <a:r>
+              <a:rPr lang="en-GB" dirty="0">
+                <a:latin typeface="Candara" pitchFamily="34" charset="0"/>
+              </a:rPr>
+              <a:t>15</a:t>
+            </a:r>
+            <a:endParaRPr lang="en-GB" sz="4400" dirty="0"/>
+          </a:p>
+        </p:txBody>
+      </p:sp>
+      <p:sp>
+        <p:nvSpPr>
+          <p:cNvPr id="264" name="Rectangle 263"/>
+          <p:cNvSpPr/>
+          <p:nvPr/>
+        </p:nvSpPr>
+        <p:spPr>
+          <a:xfrm>
+            <a:off x="7658101" y="4410075"/>
+            <a:ext cx="619125" cy="590550"/>
+          </a:xfrm>
+          <a:prstGeom prst="rect">
+            <a:avLst/>
+          </a:prstGeom>
+        </p:spPr>
+        <p:style>
+          <a:lnRef idx="2">
+            <a:schemeClr val="accent1">
+              <a:shade val="50000"/>
+            </a:schemeClr>
+          </a:lnRef>
+          <a:fillRef idx="1">
+            <a:schemeClr val="accent1"/>
+          </a:fillRef>
+          <a:effectRef idx="0">
+            <a:schemeClr val="accent1"/>
+          </a:effectRef>
+          <a:fontRef idx="minor">
+            <a:schemeClr val="lt1"/>
+          </a:fontRef>
+        </p:style>
+        <p:txBody>
+          <a:bodyPr rtlCol="0" anchor="ctr"/>
+          <a:lstStyle/>
+          <a:p>
+            <a:pPr algn="ctr"/>
+            <a:endParaRPr lang="en-GB"/>
+          </a:p>
+        </p:txBody>
+      </p:sp>
+      <p:sp>
+        <p:nvSpPr>
+          <p:cNvPr id="265" name="Rectangle 264"/>
+          <p:cNvSpPr/>
+          <p:nvPr/>
+        </p:nvSpPr>
+        <p:spPr>
+          <a:xfrm>
+            <a:off x="8277226" y="4410075"/>
+            <a:ext cx="619125" cy="590550"/>
+          </a:xfrm>
+          <a:prstGeom prst="rect">
+            <a:avLst/>
+          </a:prstGeom>
+        </p:spPr>
+        <p:style>
+          <a:lnRef idx="2">
+            <a:schemeClr val="accent1">
+              <a:shade val="50000"/>
+            </a:schemeClr>
+          </a:lnRef>
+          <a:fillRef idx="1">
+            <a:schemeClr val="accent1"/>
+          </a:fillRef>
+          <a:effectRef idx="0">
+            <a:schemeClr val="accent1"/>
+          </a:effectRef>
+          <a:fontRef idx="minor">
+            <a:schemeClr val="lt1"/>
+          </a:fontRef>
+        </p:style>
+        <p:txBody>
+          <a:bodyPr rtlCol="0" anchor="ctr"/>
+          <a:lstStyle/>
+          <a:p>
+            <a:pPr algn="ctr"/>
+            <a:endParaRPr lang="en-GB"/>
+          </a:p>
+        </p:txBody>
+      </p:sp>
+      <p:sp>
+        <p:nvSpPr>
+          <p:cNvPr id="266" name="Rectangle 265"/>
+          <p:cNvSpPr/>
+          <p:nvPr/>
+        </p:nvSpPr>
+        <p:spPr>
+          <a:xfrm>
+            <a:off x="8896351" y="4410075"/>
+            <a:ext cx="619125" cy="590550"/>
+          </a:xfrm>
+          <a:prstGeom prst="rect">
+            <a:avLst/>
+          </a:prstGeom>
+        </p:spPr>
+        <p:style>
+          <a:lnRef idx="2">
+            <a:schemeClr val="accent1">
+              <a:shade val="50000"/>
+            </a:schemeClr>
+          </a:lnRef>
+          <a:fillRef idx="1">
+            <a:schemeClr val="accent1"/>
+          </a:fillRef>
+          <a:effectRef idx="0">
+            <a:schemeClr val="accent1"/>
+          </a:effectRef>
+          <a:fontRef idx="minor">
+            <a:schemeClr val="lt1"/>
+          </a:fontRef>
+        </p:style>
+        <p:txBody>
+          <a:bodyPr rtlCol="0" anchor="ctr"/>
+          <a:lstStyle/>
+          <a:p>
+            <a:pPr algn="ctr"/>
+            <a:endParaRPr lang="en-GB"/>
+          </a:p>
+        </p:txBody>
+      </p:sp>
+      <p:sp>
+        <p:nvSpPr>
+          <p:cNvPr id="267" name="Rectangle 266"/>
+          <p:cNvSpPr/>
+          <p:nvPr/>
+        </p:nvSpPr>
+        <p:spPr>
+          <a:xfrm>
+            <a:off x="9515476" y="4410075"/>
+            <a:ext cx="619125" cy="590550"/>
+          </a:xfrm>
+          <a:prstGeom prst="rect">
+            <a:avLst/>
+          </a:prstGeom>
+        </p:spPr>
+        <p:style>
+          <a:lnRef idx="2">
+            <a:schemeClr val="accent1">
+              <a:shade val="50000"/>
+            </a:schemeClr>
+          </a:lnRef>
+          <a:fillRef idx="1">
+            <a:schemeClr val="accent1"/>
+          </a:fillRef>
+          <a:effectRef idx="0">
+            <a:schemeClr val="accent1"/>
+          </a:effectRef>
+          <a:fontRef idx="minor">
+            <a:schemeClr val="lt1"/>
+          </a:fontRef>
+        </p:style>
+        <p:txBody>
+          <a:bodyPr rtlCol="0" anchor="ctr"/>
+          <a:lstStyle/>
+          <a:p>
+            <a:pPr algn="ctr"/>
+            <a:endParaRPr lang="en-GB"/>
+          </a:p>
+        </p:txBody>
+      </p:sp>
+      <p:sp>
+        <p:nvSpPr>
+          <p:cNvPr id="268" name="Rectangle 267"/>
+          <p:cNvSpPr/>
+          <p:nvPr/>
+        </p:nvSpPr>
+        <p:spPr>
+          <a:xfrm>
+            <a:off x="7617893" y="4581465"/>
+            <a:ext cx="533539" cy="400110"/>
+          </a:xfrm>
+          <a:prstGeom prst="rect">
+            <a:avLst/>
+          </a:prstGeom>
+        </p:spPr>
+        <p:txBody>
+          <a:bodyPr wrap="square">
+            <a:spAutoFit/>
+          </a:bodyPr>
+          <a:lstStyle/>
+          <a:p>
+            <a:r>
+              <a:rPr lang="en-GB" dirty="0">
+                <a:latin typeface="Candara" pitchFamily="34" charset="0"/>
+              </a:rPr>
+              <a:t>16</a:t>
+            </a:r>
+            <a:endParaRPr lang="en-GB" sz="4400" dirty="0"/>
+          </a:p>
+        </p:txBody>
+      </p:sp>
+      <p:sp>
+        <p:nvSpPr>
+          <p:cNvPr id="269" name="Rectangle 268"/>
+          <p:cNvSpPr/>
+          <p:nvPr/>
+        </p:nvSpPr>
+        <p:spPr>
+          <a:xfrm>
+            <a:off x="7917050" y="4335465"/>
+            <a:ext cx="590549" cy="400110"/>
+          </a:xfrm>
+          <a:prstGeom prst="rect">
+            <a:avLst/>
+          </a:prstGeom>
+        </p:spPr>
+        <p:txBody>
+          <a:bodyPr wrap="square">
+            <a:spAutoFit/>
+          </a:bodyPr>
+          <a:lstStyle/>
+          <a:p>
+            <a:r>
+              <a:rPr lang="en-GB" dirty="0">
+                <a:latin typeface="Candara" pitchFamily="34" charset="0"/>
+              </a:rPr>
+              <a:t>17</a:t>
+            </a:r>
+            <a:endParaRPr lang="en-GB" sz="4400" dirty="0"/>
+          </a:p>
+        </p:txBody>
+      </p:sp>
+      <p:sp>
+        <p:nvSpPr>
+          <p:cNvPr id="270" name="Rectangle 269"/>
+          <p:cNvSpPr/>
+          <p:nvPr/>
+        </p:nvSpPr>
+        <p:spPr>
+          <a:xfrm>
+            <a:off x="8233575" y="4616521"/>
+            <a:ext cx="533539" cy="400110"/>
+          </a:xfrm>
+          <a:prstGeom prst="rect">
+            <a:avLst/>
+          </a:prstGeom>
+        </p:spPr>
+        <p:txBody>
+          <a:bodyPr wrap="square">
+            <a:spAutoFit/>
+          </a:bodyPr>
+          <a:lstStyle/>
+          <a:p>
+            <a:r>
+              <a:rPr lang="en-GB" dirty="0">
+                <a:latin typeface="Candara" pitchFamily="34" charset="0"/>
+              </a:rPr>
+              <a:t>18</a:t>
+            </a:r>
+            <a:endParaRPr lang="en-GB" sz="4400" dirty="0"/>
+          </a:p>
+        </p:txBody>
+      </p:sp>
+      <p:sp>
+        <p:nvSpPr>
+          <p:cNvPr id="271" name="Rectangle 270"/>
+          <p:cNvSpPr/>
+          <p:nvPr/>
+        </p:nvSpPr>
+        <p:spPr>
+          <a:xfrm>
+            <a:off x="8516984" y="4329693"/>
+            <a:ext cx="581024" cy="400110"/>
+          </a:xfrm>
+          <a:prstGeom prst="rect">
+            <a:avLst/>
+          </a:prstGeom>
+        </p:spPr>
+        <p:txBody>
+          <a:bodyPr wrap="square">
+            <a:spAutoFit/>
+          </a:bodyPr>
+          <a:lstStyle/>
+          <a:p>
+            <a:r>
+              <a:rPr lang="en-GB" dirty="0">
+                <a:latin typeface="Candara" pitchFamily="34" charset="0"/>
+              </a:rPr>
+              <a:t>19</a:t>
+            </a:r>
+            <a:endParaRPr lang="en-GB" sz="4400" dirty="0"/>
+          </a:p>
+        </p:txBody>
+      </p:sp>
+      <p:sp>
+        <p:nvSpPr>
+          <p:cNvPr id="272" name="Rectangle 271"/>
+          <p:cNvSpPr/>
+          <p:nvPr/>
+        </p:nvSpPr>
+        <p:spPr>
+          <a:xfrm>
+            <a:off x="8853959" y="4603554"/>
+            <a:ext cx="533539" cy="400110"/>
+          </a:xfrm>
+          <a:prstGeom prst="rect">
+            <a:avLst/>
+          </a:prstGeom>
+        </p:spPr>
+        <p:txBody>
+          <a:bodyPr wrap="square">
+            <a:spAutoFit/>
+          </a:bodyPr>
+          <a:lstStyle/>
+          <a:p>
+            <a:r>
+              <a:rPr lang="en-GB" dirty="0">
+                <a:latin typeface="Candara" pitchFamily="34" charset="0"/>
+              </a:rPr>
+              <a:t>20</a:t>
+            </a:r>
+            <a:endParaRPr lang="en-GB" sz="4400" dirty="0"/>
+          </a:p>
+        </p:txBody>
+      </p:sp>
+      <p:sp>
+        <p:nvSpPr>
+          <p:cNvPr id="273" name="Rectangle 272"/>
+          <p:cNvSpPr/>
+          <p:nvPr/>
+        </p:nvSpPr>
+        <p:spPr>
+          <a:xfrm>
+            <a:off x="9176394" y="4330781"/>
+            <a:ext cx="590549" cy="400110"/>
+          </a:xfrm>
+          <a:prstGeom prst="rect">
+            <a:avLst/>
+          </a:prstGeom>
+        </p:spPr>
+        <p:txBody>
+          <a:bodyPr wrap="square">
+            <a:spAutoFit/>
+          </a:bodyPr>
+          <a:lstStyle/>
+          <a:p>
+            <a:r>
+              <a:rPr lang="en-GB" dirty="0">
+                <a:latin typeface="Candara" pitchFamily="34" charset="0"/>
+              </a:rPr>
+              <a:t>21</a:t>
+            </a:r>
+            <a:endParaRPr lang="en-GB" sz="4400" dirty="0"/>
+          </a:p>
+        </p:txBody>
+      </p:sp>
+      <p:sp>
+        <p:nvSpPr>
+          <p:cNvPr id="274" name="Rectangle 273"/>
+          <p:cNvSpPr/>
+          <p:nvPr/>
+        </p:nvSpPr>
+        <p:spPr>
+          <a:xfrm>
+            <a:off x="9475139" y="4603554"/>
+            <a:ext cx="533539" cy="400110"/>
+          </a:xfrm>
+          <a:prstGeom prst="rect">
+            <a:avLst/>
+          </a:prstGeom>
+        </p:spPr>
+        <p:txBody>
+          <a:bodyPr wrap="square">
+            <a:spAutoFit/>
+          </a:bodyPr>
+          <a:lstStyle/>
+          <a:p>
+            <a:r>
+              <a:rPr lang="en-GB" dirty="0">
+                <a:latin typeface="Candara" pitchFamily="34" charset="0"/>
+              </a:rPr>
+              <a:t>22</a:t>
+            </a:r>
+            <a:endParaRPr lang="en-GB" sz="4400" dirty="0"/>
+          </a:p>
+        </p:txBody>
+      </p:sp>
+      <p:sp>
+        <p:nvSpPr>
+          <p:cNvPr id="275" name="Rectangle 274"/>
+          <p:cNvSpPr/>
+          <p:nvPr/>
+        </p:nvSpPr>
+        <p:spPr>
+          <a:xfrm>
+            <a:off x="9763195" y="4340306"/>
+            <a:ext cx="533539" cy="400110"/>
+          </a:xfrm>
+          <a:prstGeom prst="rect">
+            <a:avLst/>
+          </a:prstGeom>
+        </p:spPr>
+        <p:txBody>
+          <a:bodyPr wrap="square">
+            <a:spAutoFit/>
+          </a:bodyPr>
+          <a:lstStyle/>
+          <a:p>
+            <a:r>
+              <a:rPr lang="en-GB" dirty="0">
+                <a:latin typeface="Candara" pitchFamily="34" charset="0"/>
+              </a:rPr>
+              <a:t>23</a:t>
+            </a:r>
+            <a:endParaRPr lang="en-GB" sz="4400" dirty="0"/>
+          </a:p>
+        </p:txBody>
+      </p:sp>
+      <p:sp>
+        <p:nvSpPr>
+          <p:cNvPr id="280" name="Rectangle 279"/>
+          <p:cNvSpPr/>
+          <p:nvPr/>
+        </p:nvSpPr>
+        <p:spPr>
+          <a:xfrm>
+            <a:off x="7667626" y="4981575"/>
+            <a:ext cx="619125" cy="590550"/>
+          </a:xfrm>
+          <a:prstGeom prst="rect">
+            <a:avLst/>
+          </a:prstGeom>
+        </p:spPr>
+        <p:style>
+          <a:lnRef idx="2">
+            <a:schemeClr val="accent1">
+              <a:shade val="50000"/>
+            </a:schemeClr>
+          </a:lnRef>
+          <a:fillRef idx="1">
+            <a:schemeClr val="accent1"/>
+          </a:fillRef>
+          <a:effectRef idx="0">
+            <a:schemeClr val="accent1"/>
+          </a:effectRef>
+          <a:fontRef idx="minor">
+            <a:schemeClr val="lt1"/>
+          </a:fontRef>
+        </p:style>
+        <p:txBody>
+          <a:bodyPr rtlCol="0" anchor="ctr"/>
+          <a:lstStyle/>
+          <a:p>
+            <a:pPr algn="ctr"/>
+            <a:endParaRPr lang="en-GB"/>
+          </a:p>
+        </p:txBody>
+      </p:sp>
+      <p:sp>
+        <p:nvSpPr>
+          <p:cNvPr id="281" name="Rectangle 280"/>
+          <p:cNvSpPr/>
+          <p:nvPr/>
+        </p:nvSpPr>
+        <p:spPr>
+          <a:xfrm>
+            <a:off x="8286751" y="4981575"/>
+            <a:ext cx="619125" cy="590550"/>
+          </a:xfrm>
+          <a:prstGeom prst="rect">
+            <a:avLst/>
+          </a:prstGeom>
+        </p:spPr>
+        <p:style>
+          <a:lnRef idx="2">
+            <a:schemeClr val="accent1">
+              <a:shade val="50000"/>
+            </a:schemeClr>
+          </a:lnRef>
+          <a:fillRef idx="1">
+            <a:schemeClr val="accent1"/>
+          </a:fillRef>
+          <a:effectRef idx="0">
+            <a:schemeClr val="accent1"/>
+          </a:effectRef>
+          <a:fontRef idx="minor">
+            <a:schemeClr val="lt1"/>
+          </a:fontRef>
+        </p:style>
+        <p:txBody>
+          <a:bodyPr rtlCol="0" anchor="ctr"/>
+          <a:lstStyle/>
+          <a:p>
+            <a:pPr algn="ctr"/>
+            <a:endParaRPr lang="en-GB"/>
+          </a:p>
+        </p:txBody>
+      </p:sp>
+      <p:sp>
+        <p:nvSpPr>
+          <p:cNvPr id="282" name="Rectangle 281"/>
+          <p:cNvSpPr/>
+          <p:nvPr/>
+        </p:nvSpPr>
+        <p:spPr>
+          <a:xfrm>
+            <a:off x="8905876" y="4981575"/>
+            <a:ext cx="619125" cy="590550"/>
+          </a:xfrm>
+          <a:prstGeom prst="rect">
+            <a:avLst/>
+          </a:prstGeom>
+        </p:spPr>
+        <p:style>
+          <a:lnRef idx="2">
+            <a:schemeClr val="accent1">
+              <a:shade val="50000"/>
+            </a:schemeClr>
+          </a:lnRef>
+          <a:fillRef idx="1">
+            <a:schemeClr val="accent1"/>
+          </a:fillRef>
+          <a:effectRef idx="0">
+            <a:schemeClr val="accent1"/>
+          </a:effectRef>
+          <a:fontRef idx="minor">
+            <a:schemeClr val="lt1"/>
+          </a:fontRef>
+        </p:style>
+        <p:txBody>
+          <a:bodyPr rtlCol="0" anchor="ctr"/>
+          <a:lstStyle/>
+          <a:p>
+            <a:pPr algn="ctr"/>
+            <a:endParaRPr lang="en-GB"/>
+          </a:p>
+        </p:txBody>
+      </p:sp>
+      <p:sp>
+        <p:nvSpPr>
+          <p:cNvPr id="283" name="Rectangle 282"/>
+          <p:cNvSpPr/>
+          <p:nvPr/>
+        </p:nvSpPr>
+        <p:spPr>
+          <a:xfrm>
+            <a:off x="9525001" y="4981575"/>
+            <a:ext cx="619125" cy="590550"/>
+          </a:xfrm>
+          <a:prstGeom prst="rect">
+            <a:avLst/>
+          </a:prstGeom>
+        </p:spPr>
+        <p:style>
+          <a:lnRef idx="2">
+            <a:schemeClr val="accent1">
+              <a:shade val="50000"/>
+            </a:schemeClr>
+          </a:lnRef>
+          <a:fillRef idx="1">
+            <a:schemeClr val="accent1"/>
+          </a:fillRef>
+          <a:effectRef idx="0">
+            <a:schemeClr val="accent1"/>
+          </a:effectRef>
+          <a:fontRef idx="minor">
+            <a:schemeClr val="lt1"/>
+          </a:fontRef>
+        </p:style>
+        <p:txBody>
+          <a:bodyPr rtlCol="0" anchor="ctr"/>
+          <a:lstStyle/>
+          <a:p>
+            <a:pPr algn="ctr"/>
+            <a:endParaRPr lang="en-GB"/>
+          </a:p>
+        </p:txBody>
+      </p:sp>
+      <p:sp>
+        <p:nvSpPr>
+          <p:cNvPr id="284" name="Rectangle 283"/>
+          <p:cNvSpPr/>
+          <p:nvPr/>
+        </p:nvSpPr>
+        <p:spPr>
+          <a:xfrm>
+            <a:off x="7614784" y="5200621"/>
+            <a:ext cx="533539" cy="400110"/>
+          </a:xfrm>
+          <a:prstGeom prst="rect">
+            <a:avLst/>
+          </a:prstGeom>
+        </p:spPr>
+        <p:txBody>
+          <a:bodyPr wrap="square">
+            <a:spAutoFit/>
+          </a:bodyPr>
+          <a:lstStyle/>
+          <a:p>
+            <a:r>
+              <a:rPr lang="en-GB" dirty="0">
+                <a:latin typeface="Candara" pitchFamily="34" charset="0"/>
+              </a:rPr>
+              <a:t>24</a:t>
+            </a:r>
+            <a:endParaRPr lang="en-GB" sz="4400" dirty="0"/>
+          </a:p>
+        </p:txBody>
+      </p:sp>
+      <p:sp>
+        <p:nvSpPr>
+          <p:cNvPr id="285" name="Rectangle 284"/>
+          <p:cNvSpPr/>
+          <p:nvPr/>
+        </p:nvSpPr>
+        <p:spPr>
+          <a:xfrm>
+            <a:off x="7890665" y="4906929"/>
+            <a:ext cx="609599" cy="400110"/>
+          </a:xfrm>
+          <a:prstGeom prst="rect">
+            <a:avLst/>
+          </a:prstGeom>
+        </p:spPr>
+        <p:txBody>
+          <a:bodyPr wrap="square">
+            <a:spAutoFit/>
+          </a:bodyPr>
+          <a:lstStyle/>
+          <a:p>
+            <a:r>
+              <a:rPr lang="en-GB" dirty="0">
+                <a:latin typeface="Candara" pitchFamily="34" charset="0"/>
+              </a:rPr>
+              <a:t>25</a:t>
+            </a:r>
+            <a:endParaRPr lang="en-GB" sz="4400" dirty="0"/>
+          </a:p>
+        </p:txBody>
+      </p:sp>
+      <p:sp>
+        <p:nvSpPr>
+          <p:cNvPr id="286" name="Rectangle 285"/>
+          <p:cNvSpPr/>
+          <p:nvPr/>
+        </p:nvSpPr>
+        <p:spPr>
+          <a:xfrm>
+            <a:off x="8235753" y="5220196"/>
+            <a:ext cx="533539" cy="400110"/>
+          </a:xfrm>
+          <a:prstGeom prst="rect">
+            <a:avLst/>
+          </a:prstGeom>
+        </p:spPr>
+        <p:txBody>
+          <a:bodyPr wrap="square">
+            <a:spAutoFit/>
+          </a:bodyPr>
+          <a:lstStyle/>
+          <a:p>
+            <a:r>
+              <a:rPr lang="en-GB" dirty="0">
+                <a:latin typeface="Candara" pitchFamily="34" charset="0"/>
+              </a:rPr>
+              <a:t>26</a:t>
+            </a:r>
+            <a:endParaRPr lang="en-GB" sz="4400" dirty="0"/>
+          </a:p>
+        </p:txBody>
+      </p:sp>
+      <p:sp>
+        <p:nvSpPr>
+          <p:cNvPr id="287" name="Rectangle 286"/>
+          <p:cNvSpPr/>
+          <p:nvPr/>
+        </p:nvSpPr>
+        <p:spPr>
+          <a:xfrm>
+            <a:off x="8550114" y="4954483"/>
+            <a:ext cx="590549" cy="400110"/>
+          </a:xfrm>
+          <a:prstGeom prst="rect">
+            <a:avLst/>
+          </a:prstGeom>
+        </p:spPr>
+        <p:txBody>
+          <a:bodyPr wrap="square">
+            <a:spAutoFit/>
+          </a:bodyPr>
+          <a:lstStyle/>
+          <a:p>
+            <a:r>
+              <a:rPr lang="en-GB" dirty="0">
+                <a:latin typeface="Candara" pitchFamily="34" charset="0"/>
+              </a:rPr>
+              <a:t>27</a:t>
+            </a:r>
+            <a:endParaRPr lang="en-GB" sz="4400" dirty="0"/>
+          </a:p>
+        </p:txBody>
+      </p:sp>
+      <p:sp>
+        <p:nvSpPr>
+          <p:cNvPr id="288" name="Rectangle 287"/>
+          <p:cNvSpPr/>
+          <p:nvPr/>
+        </p:nvSpPr>
+        <p:spPr>
+          <a:xfrm>
+            <a:off x="8853959" y="5192301"/>
+            <a:ext cx="533539" cy="400110"/>
+          </a:xfrm>
+          <a:prstGeom prst="rect">
+            <a:avLst/>
+          </a:prstGeom>
+        </p:spPr>
+        <p:txBody>
+          <a:bodyPr wrap="square">
+            <a:spAutoFit/>
+          </a:bodyPr>
+          <a:lstStyle/>
+          <a:p>
+            <a:r>
+              <a:rPr lang="en-GB" dirty="0">
+                <a:latin typeface="Candara" pitchFamily="34" charset="0"/>
+              </a:rPr>
+              <a:t>28</a:t>
+            </a:r>
+            <a:endParaRPr lang="en-GB" sz="4400" dirty="0"/>
+          </a:p>
+        </p:txBody>
+      </p:sp>
+      <p:sp>
+        <p:nvSpPr>
+          <p:cNvPr id="289" name="Rectangle 288"/>
+          <p:cNvSpPr/>
+          <p:nvPr/>
+        </p:nvSpPr>
+        <p:spPr>
+          <a:xfrm>
+            <a:off x="9096986" y="4918099"/>
+            <a:ext cx="581024" cy="400110"/>
+          </a:xfrm>
+          <a:prstGeom prst="rect">
+            <a:avLst/>
+          </a:prstGeom>
+        </p:spPr>
+        <p:txBody>
+          <a:bodyPr wrap="square">
+            <a:spAutoFit/>
+          </a:bodyPr>
+          <a:lstStyle/>
+          <a:p>
+            <a:r>
+              <a:rPr lang="en-GB" dirty="0">
+                <a:latin typeface="Candara" pitchFamily="34" charset="0"/>
+              </a:rPr>
+              <a:t>29</a:t>
+            </a:r>
+            <a:endParaRPr lang="en-GB" sz="4400" dirty="0"/>
+          </a:p>
+        </p:txBody>
+      </p:sp>
+      <p:sp>
+        <p:nvSpPr>
+          <p:cNvPr id="290" name="Rectangle 289"/>
+          <p:cNvSpPr/>
+          <p:nvPr/>
+        </p:nvSpPr>
+        <p:spPr>
+          <a:xfrm>
+            <a:off x="9463307" y="5183943"/>
+            <a:ext cx="533539" cy="400110"/>
+          </a:xfrm>
+          <a:prstGeom prst="rect">
+            <a:avLst/>
+          </a:prstGeom>
+        </p:spPr>
+        <p:txBody>
+          <a:bodyPr wrap="square">
+            <a:spAutoFit/>
+          </a:bodyPr>
+          <a:lstStyle/>
+          <a:p>
+            <a:r>
+              <a:rPr lang="en-GB" dirty="0">
+                <a:latin typeface="Candara" pitchFamily="34" charset="0"/>
+              </a:rPr>
+              <a:t>30</a:t>
+            </a:r>
+            <a:endParaRPr lang="en-GB" sz="4400" dirty="0"/>
+          </a:p>
+        </p:txBody>
+      </p:sp>
+      <p:sp>
+        <p:nvSpPr>
+          <p:cNvPr id="291" name="Rectangle 290"/>
+          <p:cNvSpPr/>
+          <p:nvPr/>
+        </p:nvSpPr>
+        <p:spPr>
+          <a:xfrm>
+            <a:off x="9771836" y="4904895"/>
+            <a:ext cx="571499" cy="400110"/>
+          </a:xfrm>
+          <a:prstGeom prst="rect">
+            <a:avLst/>
+          </a:prstGeom>
+        </p:spPr>
+        <p:txBody>
+          <a:bodyPr wrap="square">
+            <a:spAutoFit/>
+          </a:bodyPr>
+          <a:lstStyle/>
+          <a:p>
+            <a:r>
+              <a:rPr lang="en-GB" dirty="0">
+                <a:latin typeface="Candara" pitchFamily="34" charset="0"/>
+              </a:rPr>
+              <a:t>31</a:t>
+            </a:r>
+            <a:endParaRPr lang="en-GB" sz="4400" dirty="0"/>
+          </a:p>
+        </p:txBody>
+      </p:sp>
+      <p:sp>
+        <p:nvSpPr>
+          <p:cNvPr id="296" name="Rectangle 295"/>
+          <p:cNvSpPr/>
+          <p:nvPr/>
+        </p:nvSpPr>
+        <p:spPr>
+          <a:xfrm>
+            <a:off x="3733118" y="5972145"/>
+            <a:ext cx="2801032" cy="707886"/>
+          </a:xfrm>
+          <a:prstGeom prst="rect">
+            <a:avLst/>
+          </a:prstGeom>
+        </p:spPr>
+        <p:txBody>
+          <a:bodyPr wrap="square">
+            <a:spAutoFit/>
+          </a:bodyPr>
+          <a:lstStyle/>
+          <a:p>
+            <a:r>
+              <a:rPr lang="en-GB" dirty="0"/>
+              <a:t>Map vertex to triangle:</a:t>
+            </a:r>
+          </a:p>
+          <a:p>
+            <a:r>
+              <a:rPr lang="en-GB" dirty="0"/>
+              <a:t>(2*(vertex – row))-1</a:t>
+            </a:r>
+          </a:p>
+        </p:txBody>
+      </p:sp>
+      <p:sp>
+        <p:nvSpPr>
+          <p:cNvPr id="297" name="Rectangle 296"/>
+          <p:cNvSpPr/>
+          <p:nvPr/>
+        </p:nvSpPr>
+        <p:spPr>
+          <a:xfrm>
+            <a:off x="6834610" y="3047880"/>
+            <a:ext cx="533539" cy="400110"/>
+          </a:xfrm>
+          <a:prstGeom prst="rect">
+            <a:avLst/>
+          </a:prstGeom>
+        </p:spPr>
+        <p:txBody>
+          <a:bodyPr wrap="square">
+            <a:spAutoFit/>
+          </a:bodyPr>
+          <a:lstStyle/>
+          <a:p>
+            <a:r>
+              <a:rPr lang="en-GB" dirty="0">
+                <a:latin typeface="Candara" pitchFamily="34" charset="0"/>
+              </a:rPr>
+              <a:t>0</a:t>
+            </a:r>
+            <a:endParaRPr lang="en-GB" sz="4400" dirty="0"/>
+          </a:p>
+        </p:txBody>
+      </p:sp>
+      <p:sp>
+        <p:nvSpPr>
+          <p:cNvPr id="298" name="Rectangle 297"/>
+          <p:cNvSpPr/>
+          <p:nvPr/>
+        </p:nvSpPr>
+        <p:spPr>
+          <a:xfrm>
+            <a:off x="6839098" y="3621111"/>
+            <a:ext cx="533539" cy="400110"/>
+          </a:xfrm>
+          <a:prstGeom prst="rect">
+            <a:avLst/>
+          </a:prstGeom>
+        </p:spPr>
+        <p:txBody>
+          <a:bodyPr wrap="square">
+            <a:spAutoFit/>
+          </a:bodyPr>
+          <a:lstStyle/>
+          <a:p>
+            <a:r>
+              <a:rPr lang="en-GB" dirty="0">
+                <a:latin typeface="Candara" pitchFamily="34" charset="0"/>
+              </a:rPr>
+              <a:t>1</a:t>
+            </a:r>
+            <a:endParaRPr lang="en-GB" sz="4400" dirty="0"/>
+          </a:p>
+        </p:txBody>
+      </p:sp>
+      <p:sp>
+        <p:nvSpPr>
+          <p:cNvPr id="299" name="Rectangle 298"/>
+          <p:cNvSpPr/>
+          <p:nvPr/>
+        </p:nvSpPr>
+        <p:spPr>
+          <a:xfrm>
+            <a:off x="6813722" y="4175505"/>
+            <a:ext cx="533539" cy="400110"/>
+          </a:xfrm>
+          <a:prstGeom prst="rect">
+            <a:avLst/>
+          </a:prstGeom>
+        </p:spPr>
+        <p:txBody>
+          <a:bodyPr wrap="square">
+            <a:spAutoFit/>
+          </a:bodyPr>
+          <a:lstStyle/>
+          <a:p>
+            <a:r>
+              <a:rPr lang="en-GB" dirty="0">
+                <a:latin typeface="Candara" pitchFamily="34" charset="0"/>
+              </a:rPr>
+              <a:t>2</a:t>
+            </a:r>
+            <a:endParaRPr lang="en-GB" sz="4400" dirty="0"/>
+          </a:p>
+        </p:txBody>
+      </p:sp>
+      <p:sp>
+        <p:nvSpPr>
+          <p:cNvPr id="300" name="Rectangle 299"/>
+          <p:cNvSpPr/>
+          <p:nvPr/>
+        </p:nvSpPr>
+        <p:spPr>
+          <a:xfrm>
+            <a:off x="6817504" y="4735575"/>
+            <a:ext cx="533539" cy="400110"/>
+          </a:xfrm>
+          <a:prstGeom prst="rect">
+            <a:avLst/>
+          </a:prstGeom>
+        </p:spPr>
+        <p:txBody>
+          <a:bodyPr wrap="square">
+            <a:spAutoFit/>
+          </a:bodyPr>
+          <a:lstStyle/>
+          <a:p>
+            <a:r>
+              <a:rPr lang="en-GB" dirty="0">
+                <a:latin typeface="Candara" pitchFamily="34" charset="0"/>
+              </a:rPr>
+              <a:t>3</a:t>
+            </a:r>
+            <a:endParaRPr lang="en-GB" sz="4400" dirty="0"/>
+          </a:p>
+        </p:txBody>
+      </p:sp>
+      <p:sp>
+        <p:nvSpPr>
+          <p:cNvPr id="301" name="Rectangle 300"/>
+          <p:cNvSpPr/>
+          <p:nvPr/>
+        </p:nvSpPr>
+        <p:spPr>
+          <a:xfrm>
+            <a:off x="6671862" y="5870889"/>
+            <a:ext cx="724040" cy="400110"/>
+          </a:xfrm>
+          <a:prstGeom prst="rect">
+            <a:avLst/>
+          </a:prstGeom>
+        </p:spPr>
+        <p:txBody>
+          <a:bodyPr wrap="square">
+            <a:spAutoFit/>
+          </a:bodyPr>
+          <a:lstStyle/>
+          <a:p>
+            <a:r>
+              <a:rPr lang="en-GB" dirty="0">
+                <a:latin typeface="Candara" pitchFamily="34" charset="0"/>
+              </a:rPr>
+              <a:t>row</a:t>
+            </a:r>
+            <a:endParaRPr lang="en-GB" sz="4400" dirty="0"/>
+          </a:p>
+        </p:txBody>
+      </p:sp>
       <p:cxnSp>
         <p:nvCxnSpPr>
-          <p:cNvPr id="245" name="Straight Connector 244"/>
-          <p:cNvCxnSpPr/>
+          <p:cNvPr id="148" name="Straight Connector 147">
+            <a:extLst>
+              <a:ext uri="{FF2B5EF4-FFF2-40B4-BE49-F238E27FC236}">
+                <a16:creationId xmlns:a16="http://schemas.microsoft.com/office/drawing/2014/main" id="{514BB365-A59B-4BAC-AAAC-DF4EB37D648D}"/>
+              </a:ext>
+            </a:extLst>
+          </p:cNvPr>
+          <p:cNvCxnSpPr>
+            <a:cxnSpLocks/>
+          </p:cNvCxnSpPr>
           <p:nvPr/>
         </p:nvCxnSpPr>
         <p:spPr>
-          <a:xfrm flipV="1">
-            <a:off x="8286750" y="3219451"/>
-            <a:ext cx="628650" cy="600074"/>
+          <a:xfrm flipH="1" flipV="1">
+            <a:off x="8298103" y="3211560"/>
+            <a:ext cx="580956" cy="623950"/>
           </a:xfrm>
           <a:prstGeom prst="line">
             <a:avLst/>
@@ -44402,14 +46066,22 @@
       </p:cxnSp>
       <p:cxnSp>
         <p:nvCxnSpPr>
-          <p:cNvPr id="246" name="Straight Connector 245"/>
-          <p:cNvCxnSpPr/>
+          <p:cNvPr id="149" name="Straight Connector 148">
+            <a:extLst>
+              <a:ext uri="{FF2B5EF4-FFF2-40B4-BE49-F238E27FC236}">
+                <a16:creationId xmlns:a16="http://schemas.microsoft.com/office/drawing/2014/main" id="{8ACB396D-7294-43F8-8192-3F7CE8E6D48C}"/>
+              </a:ext>
+            </a:extLst>
+          </p:cNvPr>
+          <p:cNvCxnSpPr>
+            <a:cxnSpLocks/>
+          </p:cNvCxnSpPr>
           <p:nvPr/>
         </p:nvCxnSpPr>
         <p:spPr>
-          <a:xfrm flipV="1">
-            <a:off x="8915400" y="3209926"/>
-            <a:ext cx="628650" cy="600074"/>
+          <a:xfrm flipH="1" flipV="1">
+            <a:off x="8907581" y="3210868"/>
+            <a:ext cx="580956" cy="623950"/>
           </a:xfrm>
           <a:prstGeom prst="line">
             <a:avLst/>
@@ -44437,14 +46109,22 @@
       </p:cxnSp>
       <p:cxnSp>
         <p:nvCxnSpPr>
-          <p:cNvPr id="247" name="Straight Connector 246"/>
-          <p:cNvCxnSpPr/>
+          <p:cNvPr id="150" name="Straight Connector 149">
+            <a:extLst>
+              <a:ext uri="{FF2B5EF4-FFF2-40B4-BE49-F238E27FC236}">
+                <a16:creationId xmlns:a16="http://schemas.microsoft.com/office/drawing/2014/main" id="{C7D452B3-90A7-4D89-8E60-77EBF9414DAE}"/>
+              </a:ext>
+            </a:extLst>
+          </p:cNvPr>
+          <p:cNvCxnSpPr>
+            <a:cxnSpLocks/>
+          </p:cNvCxnSpPr>
           <p:nvPr/>
         </p:nvCxnSpPr>
         <p:spPr>
-          <a:xfrm flipV="1">
-            <a:off x="9525000" y="3209926"/>
-            <a:ext cx="628650" cy="600074"/>
+          <a:xfrm flipH="1" flipV="1">
+            <a:off x="9534256" y="3211560"/>
+            <a:ext cx="580956" cy="623950"/>
           </a:xfrm>
           <a:prstGeom prst="line">
             <a:avLst/>
@@ -44470,424 +46150,24 @@
           </a:fontRef>
         </p:style>
       </p:cxnSp>
-      <p:sp>
-        <p:nvSpPr>
-          <p:cNvPr id="248" name="Rectangle 247"/>
-          <p:cNvSpPr/>
-          <p:nvPr/>
-        </p:nvSpPr>
-        <p:spPr>
-          <a:xfrm>
-            <a:off x="7658101" y="3800475"/>
-            <a:ext cx="619125" cy="590550"/>
-          </a:xfrm>
-          <a:prstGeom prst="rect">
-            <a:avLst/>
-          </a:prstGeom>
-        </p:spPr>
-        <p:style>
-          <a:lnRef idx="2">
-            <a:schemeClr val="accent1">
-              <a:shade val="50000"/>
-            </a:schemeClr>
-          </a:lnRef>
-          <a:fillRef idx="1">
-            <a:schemeClr val="accent1"/>
-          </a:fillRef>
-          <a:effectRef idx="0">
-            <a:schemeClr val="accent1"/>
-          </a:effectRef>
-          <a:fontRef idx="minor">
-            <a:schemeClr val="lt1"/>
-          </a:fontRef>
-        </p:style>
-        <p:txBody>
-          <a:bodyPr rtlCol="0" anchor="ctr"/>
-          <a:lstStyle/>
-          <a:p>
-            <a:pPr algn="ctr"/>
-            <a:endParaRPr lang="en-GB"/>
-          </a:p>
-        </p:txBody>
-      </p:sp>
-      <p:sp>
-        <p:nvSpPr>
-          <p:cNvPr id="249" name="Rectangle 248"/>
-          <p:cNvSpPr/>
-          <p:nvPr/>
-        </p:nvSpPr>
-        <p:spPr>
-          <a:xfrm>
-            <a:off x="8277226" y="3800475"/>
-            <a:ext cx="619125" cy="590550"/>
-          </a:xfrm>
-          <a:prstGeom prst="rect">
-            <a:avLst/>
-          </a:prstGeom>
-        </p:spPr>
-        <p:style>
-          <a:lnRef idx="2">
-            <a:schemeClr val="accent1">
-              <a:shade val="50000"/>
-            </a:schemeClr>
-          </a:lnRef>
-          <a:fillRef idx="1">
-            <a:schemeClr val="accent1"/>
-          </a:fillRef>
-          <a:effectRef idx="0">
-            <a:schemeClr val="accent1"/>
-          </a:effectRef>
-          <a:fontRef idx="minor">
-            <a:schemeClr val="lt1"/>
-          </a:fontRef>
-        </p:style>
-        <p:txBody>
-          <a:bodyPr rtlCol="0" anchor="ctr"/>
-          <a:lstStyle/>
-          <a:p>
-            <a:pPr algn="ctr"/>
-            <a:endParaRPr lang="en-GB"/>
-          </a:p>
-        </p:txBody>
-      </p:sp>
-      <p:sp>
-        <p:nvSpPr>
-          <p:cNvPr id="250" name="Rectangle 249"/>
-          <p:cNvSpPr/>
-          <p:nvPr/>
-        </p:nvSpPr>
-        <p:spPr>
-          <a:xfrm>
-            <a:off x="8896351" y="3800475"/>
-            <a:ext cx="619125" cy="590550"/>
-          </a:xfrm>
-          <a:prstGeom prst="rect">
-            <a:avLst/>
-          </a:prstGeom>
-        </p:spPr>
-        <p:style>
-          <a:lnRef idx="2">
-            <a:schemeClr val="accent1">
-              <a:shade val="50000"/>
-            </a:schemeClr>
-          </a:lnRef>
-          <a:fillRef idx="1">
-            <a:schemeClr val="accent1"/>
-          </a:fillRef>
-          <a:effectRef idx="0">
-            <a:schemeClr val="accent1"/>
-          </a:effectRef>
-          <a:fontRef idx="minor">
-            <a:schemeClr val="lt1"/>
-          </a:fontRef>
-        </p:style>
-        <p:txBody>
-          <a:bodyPr rtlCol="0" anchor="ctr"/>
-          <a:lstStyle/>
-          <a:p>
-            <a:pPr algn="ctr"/>
-            <a:endParaRPr lang="en-GB"/>
-          </a:p>
-        </p:txBody>
-      </p:sp>
-      <p:sp>
-        <p:nvSpPr>
-          <p:cNvPr id="251" name="Rectangle 250"/>
-          <p:cNvSpPr/>
-          <p:nvPr/>
-        </p:nvSpPr>
-        <p:spPr>
-          <a:xfrm>
-            <a:off x="9515476" y="3800475"/>
-            <a:ext cx="619125" cy="590550"/>
-          </a:xfrm>
-          <a:prstGeom prst="rect">
-            <a:avLst/>
-          </a:prstGeom>
-        </p:spPr>
-        <p:style>
-          <a:lnRef idx="2">
-            <a:schemeClr val="accent1">
-              <a:shade val="50000"/>
-            </a:schemeClr>
-          </a:lnRef>
-          <a:fillRef idx="1">
-            <a:schemeClr val="accent1"/>
-          </a:fillRef>
-          <a:effectRef idx="0">
-            <a:schemeClr val="accent1"/>
-          </a:effectRef>
-          <a:fontRef idx="minor">
-            <a:schemeClr val="lt1"/>
-          </a:fontRef>
-        </p:style>
-        <p:txBody>
-          <a:bodyPr rtlCol="0" anchor="ctr"/>
-          <a:lstStyle/>
-          <a:p>
-            <a:pPr algn="ctr"/>
-            <a:endParaRPr lang="en-GB"/>
-          </a:p>
-        </p:txBody>
-      </p:sp>
-      <p:sp>
-        <p:nvSpPr>
-          <p:cNvPr id="252" name="Rectangle 251"/>
-          <p:cNvSpPr/>
-          <p:nvPr/>
-        </p:nvSpPr>
-        <p:spPr>
-          <a:xfrm>
-            <a:off x="7648436" y="3714721"/>
-            <a:ext cx="533539" cy="400110"/>
-          </a:xfrm>
-          <a:prstGeom prst="rect">
-            <a:avLst/>
-          </a:prstGeom>
-        </p:spPr>
-        <p:txBody>
-          <a:bodyPr wrap="square">
-            <a:spAutoFit/>
-          </a:bodyPr>
-          <a:lstStyle/>
-          <a:p>
-            <a:r>
-              <a:rPr lang="en-GB" dirty="0">
-                <a:latin typeface="Candara" pitchFamily="34" charset="0"/>
-              </a:rPr>
-              <a:t>8</a:t>
-            </a:r>
-            <a:endParaRPr lang="en-GB" sz="4400" dirty="0"/>
-          </a:p>
-        </p:txBody>
-      </p:sp>
-      <p:sp>
-        <p:nvSpPr>
-          <p:cNvPr id="253" name="Rectangle 252"/>
-          <p:cNvSpPr/>
-          <p:nvPr/>
-        </p:nvSpPr>
-        <p:spPr>
-          <a:xfrm>
-            <a:off x="7915276" y="4038571"/>
-            <a:ext cx="600075" cy="400110"/>
-          </a:xfrm>
-          <a:prstGeom prst="rect">
-            <a:avLst/>
-          </a:prstGeom>
-        </p:spPr>
-        <p:txBody>
-          <a:bodyPr wrap="square">
-            <a:spAutoFit/>
-          </a:bodyPr>
-          <a:lstStyle/>
-          <a:p>
-            <a:r>
-              <a:rPr lang="en-GB" dirty="0">
-                <a:latin typeface="Candara" pitchFamily="34" charset="0"/>
-              </a:rPr>
-              <a:t>9</a:t>
-            </a:r>
-            <a:endParaRPr lang="en-GB" sz="4400" dirty="0"/>
-          </a:p>
-        </p:txBody>
-      </p:sp>
-      <p:sp>
-        <p:nvSpPr>
-          <p:cNvPr id="254" name="Rectangle 253"/>
-          <p:cNvSpPr/>
-          <p:nvPr/>
-        </p:nvSpPr>
-        <p:spPr>
-          <a:xfrm>
-            <a:off x="8248511" y="3733771"/>
-            <a:ext cx="533539" cy="400110"/>
-          </a:xfrm>
-          <a:prstGeom prst="rect">
-            <a:avLst/>
-          </a:prstGeom>
-        </p:spPr>
-        <p:txBody>
-          <a:bodyPr wrap="square">
-            <a:spAutoFit/>
-          </a:bodyPr>
-          <a:lstStyle/>
-          <a:p>
-            <a:r>
-              <a:rPr lang="en-GB" dirty="0">
-                <a:latin typeface="Candara" pitchFamily="34" charset="0"/>
-              </a:rPr>
-              <a:t>10</a:t>
-            </a:r>
-            <a:endParaRPr lang="en-GB" sz="4400" dirty="0"/>
-          </a:p>
-        </p:txBody>
-      </p:sp>
-      <p:sp>
-        <p:nvSpPr>
-          <p:cNvPr id="255" name="Rectangle 254"/>
-          <p:cNvSpPr/>
-          <p:nvPr/>
-        </p:nvSpPr>
-        <p:spPr>
-          <a:xfrm>
-            <a:off x="8543926" y="4057621"/>
-            <a:ext cx="571499" cy="400110"/>
-          </a:xfrm>
-          <a:prstGeom prst="rect">
-            <a:avLst/>
-          </a:prstGeom>
-        </p:spPr>
-        <p:txBody>
-          <a:bodyPr wrap="square">
-            <a:spAutoFit/>
-          </a:bodyPr>
-          <a:lstStyle/>
-          <a:p>
-            <a:r>
-              <a:rPr lang="en-GB" dirty="0">
-                <a:latin typeface="Candara" pitchFamily="34" charset="0"/>
-              </a:rPr>
-              <a:t>11</a:t>
-            </a:r>
-            <a:endParaRPr lang="en-GB" sz="4400" dirty="0"/>
-          </a:p>
-        </p:txBody>
-      </p:sp>
-      <p:sp>
-        <p:nvSpPr>
-          <p:cNvPr id="256" name="Rectangle 255"/>
-          <p:cNvSpPr/>
-          <p:nvPr/>
-        </p:nvSpPr>
-        <p:spPr>
-          <a:xfrm>
-            <a:off x="8839061" y="3724246"/>
-            <a:ext cx="533539" cy="400110"/>
-          </a:xfrm>
-          <a:prstGeom prst="rect">
-            <a:avLst/>
-          </a:prstGeom>
-        </p:spPr>
-        <p:txBody>
-          <a:bodyPr wrap="square">
-            <a:spAutoFit/>
-          </a:bodyPr>
-          <a:lstStyle/>
-          <a:p>
-            <a:r>
-              <a:rPr lang="en-GB" dirty="0">
-                <a:latin typeface="Candara" pitchFamily="34" charset="0"/>
-              </a:rPr>
-              <a:t>12</a:t>
-            </a:r>
-            <a:endParaRPr lang="en-GB" sz="4400" dirty="0"/>
-          </a:p>
-        </p:txBody>
-      </p:sp>
-      <p:sp>
-        <p:nvSpPr>
-          <p:cNvPr id="257" name="Rectangle 256"/>
-          <p:cNvSpPr/>
-          <p:nvPr/>
-        </p:nvSpPr>
-        <p:spPr>
-          <a:xfrm>
-            <a:off x="9144001" y="4048096"/>
-            <a:ext cx="561974" cy="400110"/>
-          </a:xfrm>
-          <a:prstGeom prst="rect">
-            <a:avLst/>
-          </a:prstGeom>
-        </p:spPr>
-        <p:txBody>
-          <a:bodyPr wrap="square">
-            <a:spAutoFit/>
-          </a:bodyPr>
-          <a:lstStyle/>
-          <a:p>
-            <a:r>
-              <a:rPr lang="en-GB" dirty="0">
-                <a:latin typeface="Candara" pitchFamily="34" charset="0"/>
-              </a:rPr>
-              <a:t>13</a:t>
-            </a:r>
-            <a:endParaRPr lang="en-GB" sz="4400" dirty="0"/>
-          </a:p>
-        </p:txBody>
-      </p:sp>
-      <p:sp>
-        <p:nvSpPr>
-          <p:cNvPr id="258" name="Rectangle 257"/>
-          <p:cNvSpPr/>
-          <p:nvPr/>
-        </p:nvSpPr>
-        <p:spPr>
-          <a:xfrm>
-            <a:off x="9467711" y="3733771"/>
-            <a:ext cx="533539" cy="400110"/>
-          </a:xfrm>
-          <a:prstGeom prst="rect">
-            <a:avLst/>
-          </a:prstGeom>
-        </p:spPr>
-        <p:txBody>
-          <a:bodyPr wrap="square">
-            <a:spAutoFit/>
-          </a:bodyPr>
-          <a:lstStyle/>
-          <a:p>
-            <a:r>
-              <a:rPr lang="en-GB" dirty="0">
-                <a:latin typeface="Candara" pitchFamily="34" charset="0"/>
-              </a:rPr>
-              <a:t>14</a:t>
-            </a:r>
-            <a:endParaRPr lang="en-GB" sz="4400" dirty="0"/>
-          </a:p>
-        </p:txBody>
-      </p:sp>
-      <p:sp>
-        <p:nvSpPr>
-          <p:cNvPr id="259" name="Rectangle 258"/>
-          <p:cNvSpPr/>
-          <p:nvPr/>
-        </p:nvSpPr>
-        <p:spPr>
-          <a:xfrm>
-            <a:off x="9801086" y="4057621"/>
-            <a:ext cx="533539" cy="400110"/>
-          </a:xfrm>
-          <a:prstGeom prst="rect">
-            <a:avLst/>
-          </a:prstGeom>
-        </p:spPr>
-        <p:txBody>
-          <a:bodyPr wrap="square">
-            <a:spAutoFit/>
-          </a:bodyPr>
-          <a:lstStyle/>
-          <a:p>
-            <a:r>
-              <a:rPr lang="en-GB" dirty="0">
-                <a:latin typeface="Candara" pitchFamily="34" charset="0"/>
-              </a:rPr>
-              <a:t>15</a:t>
-            </a:r>
-            <a:endParaRPr lang="en-GB" sz="4400" dirty="0"/>
-          </a:p>
-        </p:txBody>
-      </p:sp>
       <p:cxnSp>
         <p:nvCxnSpPr>
-          <p:cNvPr id="260" name="Straight Connector 259"/>
-          <p:cNvCxnSpPr/>
+          <p:cNvPr id="152" name="Straight Connector 151">
+            <a:extLst>
+              <a:ext uri="{FF2B5EF4-FFF2-40B4-BE49-F238E27FC236}">
+                <a16:creationId xmlns:a16="http://schemas.microsoft.com/office/drawing/2014/main" id="{1643CFA3-7361-4776-9C98-4F20FC8CE815}"/>
+              </a:ext>
+            </a:extLst>
+          </p:cNvPr>
+          <p:cNvCxnSpPr>
+            <a:cxnSpLocks/>
+          </p:cNvCxnSpPr>
           <p:nvPr/>
         </p:nvCxnSpPr>
         <p:spPr>
-          <a:xfrm flipV="1">
-            <a:off x="7667625" y="3800476"/>
-            <a:ext cx="628650" cy="600074"/>
+          <a:xfrm flipH="1" flipV="1">
+            <a:off x="7676766" y="3793300"/>
+            <a:ext cx="580956" cy="623950"/>
           </a:xfrm>
           <a:prstGeom prst="line">
             <a:avLst/>
@@ -44915,14 +46195,22 @@
       </p:cxnSp>
       <p:cxnSp>
         <p:nvCxnSpPr>
-          <p:cNvPr id="261" name="Straight Connector 260"/>
-          <p:cNvCxnSpPr/>
+          <p:cNvPr id="153" name="Straight Connector 152">
+            <a:extLst>
+              <a:ext uri="{FF2B5EF4-FFF2-40B4-BE49-F238E27FC236}">
+                <a16:creationId xmlns:a16="http://schemas.microsoft.com/office/drawing/2014/main" id="{A668BAE8-CDEA-46E4-9315-7B229EFBA03D}"/>
+              </a:ext>
+            </a:extLst>
+          </p:cNvPr>
+          <p:cNvCxnSpPr>
+            <a:cxnSpLocks/>
+          </p:cNvCxnSpPr>
           <p:nvPr/>
         </p:nvCxnSpPr>
         <p:spPr>
-          <a:xfrm flipV="1">
-            <a:off x="8277225" y="3810001"/>
-            <a:ext cx="628650" cy="600074"/>
+          <a:xfrm flipH="1" flipV="1">
+            <a:off x="8304194" y="3821217"/>
+            <a:ext cx="580956" cy="623950"/>
           </a:xfrm>
           <a:prstGeom prst="line">
             <a:avLst/>
@@ -44950,14 +46238,22 @@
       </p:cxnSp>
       <p:cxnSp>
         <p:nvCxnSpPr>
-          <p:cNvPr id="262" name="Straight Connector 261"/>
-          <p:cNvCxnSpPr/>
+          <p:cNvPr id="155" name="Straight Connector 154">
+            <a:extLst>
+              <a:ext uri="{FF2B5EF4-FFF2-40B4-BE49-F238E27FC236}">
+                <a16:creationId xmlns:a16="http://schemas.microsoft.com/office/drawing/2014/main" id="{1CFD37C5-8A87-431E-94C3-513AFDBA321C}"/>
+              </a:ext>
+            </a:extLst>
+          </p:cNvPr>
+          <p:cNvCxnSpPr>
+            <a:cxnSpLocks/>
+          </p:cNvCxnSpPr>
           <p:nvPr/>
         </p:nvCxnSpPr>
         <p:spPr>
-          <a:xfrm flipV="1">
-            <a:off x="8905875" y="3800476"/>
-            <a:ext cx="628650" cy="600074"/>
+          <a:xfrm flipH="1" flipV="1">
+            <a:off x="8889752" y="3821217"/>
+            <a:ext cx="580956" cy="623950"/>
           </a:xfrm>
           <a:prstGeom prst="line">
             <a:avLst/>
@@ -44985,14 +46281,22 @@
       </p:cxnSp>
       <p:cxnSp>
         <p:nvCxnSpPr>
-          <p:cNvPr id="263" name="Straight Connector 262"/>
-          <p:cNvCxnSpPr/>
+          <p:cNvPr id="156" name="Straight Connector 155">
+            <a:extLst>
+              <a:ext uri="{FF2B5EF4-FFF2-40B4-BE49-F238E27FC236}">
+                <a16:creationId xmlns:a16="http://schemas.microsoft.com/office/drawing/2014/main" id="{2D35EC7E-0A10-4F71-B930-8EB509007D4E}"/>
+              </a:ext>
+            </a:extLst>
+          </p:cNvPr>
+          <p:cNvCxnSpPr>
+            <a:cxnSpLocks/>
+          </p:cNvCxnSpPr>
           <p:nvPr/>
         </p:nvCxnSpPr>
         <p:spPr>
-          <a:xfrm flipV="1">
-            <a:off x="9515475" y="3800476"/>
-            <a:ext cx="628650" cy="600074"/>
+          <a:xfrm flipH="1" flipV="1">
+            <a:off x="9522075" y="3805313"/>
+            <a:ext cx="580956" cy="623950"/>
           </a:xfrm>
           <a:prstGeom prst="line">
             <a:avLst/>
@@ -45018,424 +46322,24 @@
           </a:fontRef>
         </p:style>
       </p:cxnSp>
-      <p:sp>
-        <p:nvSpPr>
-          <p:cNvPr id="264" name="Rectangle 263"/>
-          <p:cNvSpPr/>
-          <p:nvPr/>
-        </p:nvSpPr>
-        <p:spPr>
-          <a:xfrm>
-            <a:off x="7658101" y="4410075"/>
-            <a:ext cx="619125" cy="590550"/>
-          </a:xfrm>
-          <a:prstGeom prst="rect">
-            <a:avLst/>
-          </a:prstGeom>
-        </p:spPr>
-        <p:style>
-          <a:lnRef idx="2">
-            <a:schemeClr val="accent1">
-              <a:shade val="50000"/>
-            </a:schemeClr>
-          </a:lnRef>
-          <a:fillRef idx="1">
-            <a:schemeClr val="accent1"/>
-          </a:fillRef>
-          <a:effectRef idx="0">
-            <a:schemeClr val="accent1"/>
-          </a:effectRef>
-          <a:fontRef idx="minor">
-            <a:schemeClr val="lt1"/>
-          </a:fontRef>
-        </p:style>
-        <p:txBody>
-          <a:bodyPr rtlCol="0" anchor="ctr"/>
-          <a:lstStyle/>
-          <a:p>
-            <a:pPr algn="ctr"/>
-            <a:endParaRPr lang="en-GB"/>
-          </a:p>
-        </p:txBody>
-      </p:sp>
-      <p:sp>
-        <p:nvSpPr>
-          <p:cNvPr id="265" name="Rectangle 264"/>
-          <p:cNvSpPr/>
-          <p:nvPr/>
-        </p:nvSpPr>
-        <p:spPr>
-          <a:xfrm>
-            <a:off x="8277226" y="4410075"/>
-            <a:ext cx="619125" cy="590550"/>
-          </a:xfrm>
-          <a:prstGeom prst="rect">
-            <a:avLst/>
-          </a:prstGeom>
-        </p:spPr>
-        <p:style>
-          <a:lnRef idx="2">
-            <a:schemeClr val="accent1">
-              <a:shade val="50000"/>
-            </a:schemeClr>
-          </a:lnRef>
-          <a:fillRef idx="1">
-            <a:schemeClr val="accent1"/>
-          </a:fillRef>
-          <a:effectRef idx="0">
-            <a:schemeClr val="accent1"/>
-          </a:effectRef>
-          <a:fontRef idx="minor">
-            <a:schemeClr val="lt1"/>
-          </a:fontRef>
-        </p:style>
-        <p:txBody>
-          <a:bodyPr rtlCol="0" anchor="ctr"/>
-          <a:lstStyle/>
-          <a:p>
-            <a:pPr algn="ctr"/>
-            <a:endParaRPr lang="en-GB"/>
-          </a:p>
-        </p:txBody>
-      </p:sp>
-      <p:sp>
-        <p:nvSpPr>
-          <p:cNvPr id="266" name="Rectangle 265"/>
-          <p:cNvSpPr/>
-          <p:nvPr/>
-        </p:nvSpPr>
-        <p:spPr>
-          <a:xfrm>
-            <a:off x="8896351" y="4410075"/>
-            <a:ext cx="619125" cy="590550"/>
-          </a:xfrm>
-          <a:prstGeom prst="rect">
-            <a:avLst/>
-          </a:prstGeom>
-        </p:spPr>
-        <p:style>
-          <a:lnRef idx="2">
-            <a:schemeClr val="accent1">
-              <a:shade val="50000"/>
-            </a:schemeClr>
-          </a:lnRef>
-          <a:fillRef idx="1">
-            <a:schemeClr val="accent1"/>
-          </a:fillRef>
-          <a:effectRef idx="0">
-            <a:schemeClr val="accent1"/>
-          </a:effectRef>
-          <a:fontRef idx="minor">
-            <a:schemeClr val="lt1"/>
-          </a:fontRef>
-        </p:style>
-        <p:txBody>
-          <a:bodyPr rtlCol="0" anchor="ctr"/>
-          <a:lstStyle/>
-          <a:p>
-            <a:pPr algn="ctr"/>
-            <a:endParaRPr lang="en-GB"/>
-          </a:p>
-        </p:txBody>
-      </p:sp>
-      <p:sp>
-        <p:nvSpPr>
-          <p:cNvPr id="267" name="Rectangle 266"/>
-          <p:cNvSpPr/>
-          <p:nvPr/>
-        </p:nvSpPr>
-        <p:spPr>
-          <a:xfrm>
-            <a:off x="9515476" y="4410075"/>
-            <a:ext cx="619125" cy="590550"/>
-          </a:xfrm>
-          <a:prstGeom prst="rect">
-            <a:avLst/>
-          </a:prstGeom>
-        </p:spPr>
-        <p:style>
-          <a:lnRef idx="2">
-            <a:schemeClr val="accent1">
-              <a:shade val="50000"/>
-            </a:schemeClr>
-          </a:lnRef>
-          <a:fillRef idx="1">
-            <a:schemeClr val="accent1"/>
-          </a:fillRef>
-          <a:effectRef idx="0">
-            <a:schemeClr val="accent1"/>
-          </a:effectRef>
-          <a:fontRef idx="minor">
-            <a:schemeClr val="lt1"/>
-          </a:fontRef>
-        </p:style>
-        <p:txBody>
-          <a:bodyPr rtlCol="0" anchor="ctr"/>
-          <a:lstStyle/>
-          <a:p>
-            <a:pPr algn="ctr"/>
-            <a:endParaRPr lang="en-GB"/>
-          </a:p>
-        </p:txBody>
-      </p:sp>
-      <p:sp>
-        <p:nvSpPr>
-          <p:cNvPr id="268" name="Rectangle 267"/>
-          <p:cNvSpPr/>
-          <p:nvPr/>
-        </p:nvSpPr>
-        <p:spPr>
-          <a:xfrm>
-            <a:off x="7648436" y="4324321"/>
-            <a:ext cx="533539" cy="400110"/>
-          </a:xfrm>
-          <a:prstGeom prst="rect">
-            <a:avLst/>
-          </a:prstGeom>
-        </p:spPr>
-        <p:txBody>
-          <a:bodyPr wrap="square">
-            <a:spAutoFit/>
-          </a:bodyPr>
-          <a:lstStyle/>
-          <a:p>
-            <a:r>
-              <a:rPr lang="en-GB" dirty="0">
-                <a:latin typeface="Candara" pitchFamily="34" charset="0"/>
-              </a:rPr>
-              <a:t>16</a:t>
-            </a:r>
-            <a:endParaRPr lang="en-GB" sz="4400" dirty="0"/>
-          </a:p>
-        </p:txBody>
-      </p:sp>
-      <p:sp>
-        <p:nvSpPr>
-          <p:cNvPr id="269" name="Rectangle 268"/>
-          <p:cNvSpPr/>
-          <p:nvPr/>
-        </p:nvSpPr>
-        <p:spPr>
-          <a:xfrm>
-            <a:off x="7924801" y="4648171"/>
-            <a:ext cx="590549" cy="400110"/>
-          </a:xfrm>
-          <a:prstGeom prst="rect">
-            <a:avLst/>
-          </a:prstGeom>
-        </p:spPr>
-        <p:txBody>
-          <a:bodyPr wrap="square">
-            <a:spAutoFit/>
-          </a:bodyPr>
-          <a:lstStyle/>
-          <a:p>
-            <a:r>
-              <a:rPr lang="en-GB" dirty="0">
-                <a:latin typeface="Candara" pitchFamily="34" charset="0"/>
-              </a:rPr>
-              <a:t>17</a:t>
-            </a:r>
-            <a:endParaRPr lang="en-GB" sz="4400" dirty="0"/>
-          </a:p>
-        </p:txBody>
-      </p:sp>
-      <p:sp>
-        <p:nvSpPr>
-          <p:cNvPr id="270" name="Rectangle 269"/>
-          <p:cNvSpPr/>
-          <p:nvPr/>
-        </p:nvSpPr>
-        <p:spPr>
-          <a:xfrm>
-            <a:off x="8248511" y="4343371"/>
-            <a:ext cx="533539" cy="400110"/>
-          </a:xfrm>
-          <a:prstGeom prst="rect">
-            <a:avLst/>
-          </a:prstGeom>
-        </p:spPr>
-        <p:txBody>
-          <a:bodyPr wrap="square">
-            <a:spAutoFit/>
-          </a:bodyPr>
-          <a:lstStyle/>
-          <a:p>
-            <a:r>
-              <a:rPr lang="en-GB" dirty="0">
-                <a:latin typeface="Candara" pitchFamily="34" charset="0"/>
-              </a:rPr>
-              <a:t>18</a:t>
-            </a:r>
-            <a:endParaRPr lang="en-GB" sz="4400" dirty="0"/>
-          </a:p>
-        </p:txBody>
-      </p:sp>
-      <p:sp>
-        <p:nvSpPr>
-          <p:cNvPr id="271" name="Rectangle 270"/>
-          <p:cNvSpPr/>
-          <p:nvPr/>
-        </p:nvSpPr>
-        <p:spPr>
-          <a:xfrm>
-            <a:off x="8524876" y="4619596"/>
-            <a:ext cx="581024" cy="400110"/>
-          </a:xfrm>
-          <a:prstGeom prst="rect">
-            <a:avLst/>
-          </a:prstGeom>
-        </p:spPr>
-        <p:txBody>
-          <a:bodyPr wrap="square">
-            <a:spAutoFit/>
-          </a:bodyPr>
-          <a:lstStyle/>
-          <a:p>
-            <a:r>
-              <a:rPr lang="en-GB" dirty="0">
-                <a:latin typeface="Candara" pitchFamily="34" charset="0"/>
-              </a:rPr>
-              <a:t>19</a:t>
-            </a:r>
-            <a:endParaRPr lang="en-GB" sz="4400" dirty="0"/>
-          </a:p>
-        </p:txBody>
-      </p:sp>
-      <p:sp>
-        <p:nvSpPr>
-          <p:cNvPr id="272" name="Rectangle 271"/>
-          <p:cNvSpPr/>
-          <p:nvPr/>
-        </p:nvSpPr>
-        <p:spPr>
-          <a:xfrm>
-            <a:off x="8839061" y="4333846"/>
-            <a:ext cx="533539" cy="400110"/>
-          </a:xfrm>
-          <a:prstGeom prst="rect">
-            <a:avLst/>
-          </a:prstGeom>
-        </p:spPr>
-        <p:txBody>
-          <a:bodyPr wrap="square">
-            <a:spAutoFit/>
-          </a:bodyPr>
-          <a:lstStyle/>
-          <a:p>
-            <a:r>
-              <a:rPr lang="en-GB" dirty="0">
-                <a:latin typeface="Candara" pitchFamily="34" charset="0"/>
-              </a:rPr>
-              <a:t>20</a:t>
-            </a:r>
-            <a:endParaRPr lang="en-GB" sz="4400" dirty="0"/>
-          </a:p>
-        </p:txBody>
-      </p:sp>
-      <p:sp>
-        <p:nvSpPr>
-          <p:cNvPr id="273" name="Rectangle 272"/>
-          <p:cNvSpPr/>
-          <p:nvPr/>
-        </p:nvSpPr>
-        <p:spPr>
-          <a:xfrm>
-            <a:off x="9115426" y="4657696"/>
-            <a:ext cx="590549" cy="400110"/>
-          </a:xfrm>
-          <a:prstGeom prst="rect">
-            <a:avLst/>
-          </a:prstGeom>
-        </p:spPr>
-        <p:txBody>
-          <a:bodyPr wrap="square">
-            <a:spAutoFit/>
-          </a:bodyPr>
-          <a:lstStyle/>
-          <a:p>
-            <a:r>
-              <a:rPr lang="en-GB" dirty="0">
-                <a:latin typeface="Candara" pitchFamily="34" charset="0"/>
-              </a:rPr>
-              <a:t>21</a:t>
-            </a:r>
-            <a:endParaRPr lang="en-GB" sz="4400" dirty="0"/>
-          </a:p>
-        </p:txBody>
-      </p:sp>
-      <p:sp>
-        <p:nvSpPr>
-          <p:cNvPr id="274" name="Rectangle 273"/>
-          <p:cNvSpPr/>
-          <p:nvPr/>
-        </p:nvSpPr>
-        <p:spPr>
-          <a:xfrm>
-            <a:off x="9467711" y="4343371"/>
-            <a:ext cx="533539" cy="400110"/>
-          </a:xfrm>
-          <a:prstGeom prst="rect">
-            <a:avLst/>
-          </a:prstGeom>
-        </p:spPr>
-        <p:txBody>
-          <a:bodyPr wrap="square">
-            <a:spAutoFit/>
-          </a:bodyPr>
-          <a:lstStyle/>
-          <a:p>
-            <a:r>
-              <a:rPr lang="en-GB" dirty="0">
-                <a:latin typeface="Candara" pitchFamily="34" charset="0"/>
-              </a:rPr>
-              <a:t>22</a:t>
-            </a:r>
-            <a:endParaRPr lang="en-GB" sz="4400" dirty="0"/>
-          </a:p>
-        </p:txBody>
-      </p:sp>
-      <p:sp>
-        <p:nvSpPr>
-          <p:cNvPr id="275" name="Rectangle 274"/>
-          <p:cNvSpPr/>
-          <p:nvPr/>
-        </p:nvSpPr>
-        <p:spPr>
-          <a:xfrm>
-            <a:off x="9762986" y="4629121"/>
-            <a:ext cx="533539" cy="400110"/>
-          </a:xfrm>
-          <a:prstGeom prst="rect">
-            <a:avLst/>
-          </a:prstGeom>
-        </p:spPr>
-        <p:txBody>
-          <a:bodyPr wrap="square">
-            <a:spAutoFit/>
-          </a:bodyPr>
-          <a:lstStyle/>
-          <a:p>
-            <a:r>
-              <a:rPr lang="en-GB" dirty="0">
-                <a:latin typeface="Candara" pitchFamily="34" charset="0"/>
-              </a:rPr>
-              <a:t>23</a:t>
-            </a:r>
-            <a:endParaRPr lang="en-GB" sz="4400" dirty="0"/>
-          </a:p>
-        </p:txBody>
-      </p:sp>
       <p:cxnSp>
         <p:nvCxnSpPr>
-          <p:cNvPr id="276" name="Straight Connector 275"/>
-          <p:cNvCxnSpPr/>
+          <p:cNvPr id="157" name="Straight Connector 156">
+            <a:extLst>
+              <a:ext uri="{FF2B5EF4-FFF2-40B4-BE49-F238E27FC236}">
+                <a16:creationId xmlns:a16="http://schemas.microsoft.com/office/drawing/2014/main" id="{B5881262-8448-43FE-A929-F696A5DDB305}"/>
+              </a:ext>
+            </a:extLst>
+          </p:cNvPr>
+          <p:cNvCxnSpPr>
+            <a:cxnSpLocks/>
+          </p:cNvCxnSpPr>
           <p:nvPr/>
         </p:nvCxnSpPr>
         <p:spPr>
-          <a:xfrm flipV="1">
-            <a:off x="7667625" y="4410076"/>
-            <a:ext cx="628650" cy="600074"/>
+          <a:xfrm flipH="1" flipV="1">
+            <a:off x="7686188" y="4392681"/>
+            <a:ext cx="580956" cy="623950"/>
           </a:xfrm>
           <a:prstGeom prst="line">
             <a:avLst/>
@@ -45463,14 +46367,22 @@
       </p:cxnSp>
       <p:cxnSp>
         <p:nvCxnSpPr>
-          <p:cNvPr id="277" name="Straight Connector 276"/>
-          <p:cNvCxnSpPr/>
+          <p:cNvPr id="158" name="Straight Connector 157">
+            <a:extLst>
+              <a:ext uri="{FF2B5EF4-FFF2-40B4-BE49-F238E27FC236}">
+                <a16:creationId xmlns:a16="http://schemas.microsoft.com/office/drawing/2014/main" id="{AEED7C6D-B727-4C4D-A777-32C927938624}"/>
+              </a:ext>
+            </a:extLst>
+          </p:cNvPr>
+          <p:cNvCxnSpPr>
+            <a:cxnSpLocks/>
+          </p:cNvCxnSpPr>
           <p:nvPr/>
         </p:nvCxnSpPr>
         <p:spPr>
-          <a:xfrm flipV="1">
-            <a:off x="8277225" y="4419601"/>
-            <a:ext cx="628650" cy="600074"/>
+          <a:xfrm flipH="1" flipV="1">
+            <a:off x="8302878" y="4424271"/>
+            <a:ext cx="580956" cy="623950"/>
           </a:xfrm>
           <a:prstGeom prst="line">
             <a:avLst/>
@@ -45498,14 +46410,22 @@
       </p:cxnSp>
       <p:cxnSp>
         <p:nvCxnSpPr>
-          <p:cNvPr id="278" name="Straight Connector 277"/>
-          <p:cNvCxnSpPr/>
+          <p:cNvPr id="159" name="Straight Connector 158">
+            <a:extLst>
+              <a:ext uri="{FF2B5EF4-FFF2-40B4-BE49-F238E27FC236}">
+                <a16:creationId xmlns:a16="http://schemas.microsoft.com/office/drawing/2014/main" id="{37749902-742F-4D9F-9E0A-C9E6D8DA6301}"/>
+              </a:ext>
+            </a:extLst>
+          </p:cNvPr>
+          <p:cNvCxnSpPr>
+            <a:cxnSpLocks/>
+          </p:cNvCxnSpPr>
           <p:nvPr/>
         </p:nvCxnSpPr>
         <p:spPr>
-          <a:xfrm flipV="1">
-            <a:off x="8905875" y="4410076"/>
-            <a:ext cx="628650" cy="600074"/>
+          <a:xfrm flipH="1" flipV="1">
+            <a:off x="8883416" y="4376675"/>
+            <a:ext cx="580956" cy="623950"/>
           </a:xfrm>
           <a:prstGeom prst="line">
             <a:avLst/>
@@ -45533,14 +46453,22 @@
       </p:cxnSp>
       <p:cxnSp>
         <p:nvCxnSpPr>
-          <p:cNvPr id="279" name="Straight Connector 278"/>
-          <p:cNvCxnSpPr/>
+          <p:cNvPr id="160" name="Straight Connector 159">
+            <a:extLst>
+              <a:ext uri="{FF2B5EF4-FFF2-40B4-BE49-F238E27FC236}">
+                <a16:creationId xmlns:a16="http://schemas.microsoft.com/office/drawing/2014/main" id="{9F1E3E8F-F52E-4115-9B4E-03F37270AAE0}"/>
+              </a:ext>
+            </a:extLst>
+          </p:cNvPr>
+          <p:cNvCxnSpPr>
+            <a:cxnSpLocks/>
+          </p:cNvCxnSpPr>
           <p:nvPr/>
         </p:nvCxnSpPr>
         <p:spPr>
-          <a:xfrm flipV="1">
-            <a:off x="9515475" y="4410076"/>
-            <a:ext cx="628650" cy="600074"/>
+          <a:xfrm flipH="1" flipV="1">
+            <a:off x="8296542" y="4979729"/>
+            <a:ext cx="580956" cy="623950"/>
           </a:xfrm>
           <a:prstGeom prst="line">
             <a:avLst/>
@@ -45566,424 +46494,24 @@
           </a:fontRef>
         </p:style>
       </p:cxnSp>
-      <p:sp>
-        <p:nvSpPr>
-          <p:cNvPr id="280" name="Rectangle 279"/>
-          <p:cNvSpPr/>
-          <p:nvPr/>
-        </p:nvSpPr>
-        <p:spPr>
-          <a:xfrm>
-            <a:off x="7667626" y="4981575"/>
-            <a:ext cx="619125" cy="590550"/>
-          </a:xfrm>
-          <a:prstGeom prst="rect">
-            <a:avLst/>
-          </a:prstGeom>
-        </p:spPr>
-        <p:style>
-          <a:lnRef idx="2">
-            <a:schemeClr val="accent1">
-              <a:shade val="50000"/>
-            </a:schemeClr>
-          </a:lnRef>
-          <a:fillRef idx="1">
-            <a:schemeClr val="accent1"/>
-          </a:fillRef>
-          <a:effectRef idx="0">
-            <a:schemeClr val="accent1"/>
-          </a:effectRef>
-          <a:fontRef idx="minor">
-            <a:schemeClr val="lt1"/>
-          </a:fontRef>
-        </p:style>
-        <p:txBody>
-          <a:bodyPr rtlCol="0" anchor="ctr"/>
-          <a:lstStyle/>
-          <a:p>
-            <a:pPr algn="ctr"/>
-            <a:endParaRPr lang="en-GB"/>
-          </a:p>
-        </p:txBody>
-      </p:sp>
-      <p:sp>
-        <p:nvSpPr>
-          <p:cNvPr id="281" name="Rectangle 280"/>
-          <p:cNvSpPr/>
-          <p:nvPr/>
-        </p:nvSpPr>
-        <p:spPr>
-          <a:xfrm>
-            <a:off x="8286751" y="4981575"/>
-            <a:ext cx="619125" cy="590550"/>
-          </a:xfrm>
-          <a:prstGeom prst="rect">
-            <a:avLst/>
-          </a:prstGeom>
-        </p:spPr>
-        <p:style>
-          <a:lnRef idx="2">
-            <a:schemeClr val="accent1">
-              <a:shade val="50000"/>
-            </a:schemeClr>
-          </a:lnRef>
-          <a:fillRef idx="1">
-            <a:schemeClr val="accent1"/>
-          </a:fillRef>
-          <a:effectRef idx="0">
-            <a:schemeClr val="accent1"/>
-          </a:effectRef>
-          <a:fontRef idx="minor">
-            <a:schemeClr val="lt1"/>
-          </a:fontRef>
-        </p:style>
-        <p:txBody>
-          <a:bodyPr rtlCol="0" anchor="ctr"/>
-          <a:lstStyle/>
-          <a:p>
-            <a:pPr algn="ctr"/>
-            <a:endParaRPr lang="en-GB"/>
-          </a:p>
-        </p:txBody>
-      </p:sp>
-      <p:sp>
-        <p:nvSpPr>
-          <p:cNvPr id="282" name="Rectangle 281"/>
-          <p:cNvSpPr/>
-          <p:nvPr/>
-        </p:nvSpPr>
-        <p:spPr>
-          <a:xfrm>
-            <a:off x="8905876" y="4981575"/>
-            <a:ext cx="619125" cy="590550"/>
-          </a:xfrm>
-          <a:prstGeom prst="rect">
-            <a:avLst/>
-          </a:prstGeom>
-        </p:spPr>
-        <p:style>
-          <a:lnRef idx="2">
-            <a:schemeClr val="accent1">
-              <a:shade val="50000"/>
-            </a:schemeClr>
-          </a:lnRef>
-          <a:fillRef idx="1">
-            <a:schemeClr val="accent1"/>
-          </a:fillRef>
-          <a:effectRef idx="0">
-            <a:schemeClr val="accent1"/>
-          </a:effectRef>
-          <a:fontRef idx="minor">
-            <a:schemeClr val="lt1"/>
-          </a:fontRef>
-        </p:style>
-        <p:txBody>
-          <a:bodyPr rtlCol="0" anchor="ctr"/>
-          <a:lstStyle/>
-          <a:p>
-            <a:pPr algn="ctr"/>
-            <a:endParaRPr lang="en-GB"/>
-          </a:p>
-        </p:txBody>
-      </p:sp>
-      <p:sp>
-        <p:nvSpPr>
-          <p:cNvPr id="283" name="Rectangle 282"/>
-          <p:cNvSpPr/>
-          <p:nvPr/>
-        </p:nvSpPr>
-        <p:spPr>
-          <a:xfrm>
-            <a:off x="9525001" y="4981575"/>
-            <a:ext cx="619125" cy="590550"/>
-          </a:xfrm>
-          <a:prstGeom prst="rect">
-            <a:avLst/>
-          </a:prstGeom>
-        </p:spPr>
-        <p:style>
-          <a:lnRef idx="2">
-            <a:schemeClr val="accent1">
-              <a:shade val="50000"/>
-            </a:schemeClr>
-          </a:lnRef>
-          <a:fillRef idx="1">
-            <a:schemeClr val="accent1"/>
-          </a:fillRef>
-          <a:effectRef idx="0">
-            <a:schemeClr val="accent1"/>
-          </a:effectRef>
-          <a:fontRef idx="minor">
-            <a:schemeClr val="lt1"/>
-          </a:fontRef>
-        </p:style>
-        <p:txBody>
-          <a:bodyPr rtlCol="0" anchor="ctr"/>
-          <a:lstStyle/>
-          <a:p>
-            <a:pPr algn="ctr"/>
-            <a:endParaRPr lang="en-GB"/>
-          </a:p>
-        </p:txBody>
-      </p:sp>
-      <p:sp>
-        <p:nvSpPr>
-          <p:cNvPr id="284" name="Rectangle 283"/>
-          <p:cNvSpPr/>
-          <p:nvPr/>
-        </p:nvSpPr>
-        <p:spPr>
-          <a:xfrm>
-            <a:off x="7657961" y="4895821"/>
-            <a:ext cx="533539" cy="400110"/>
-          </a:xfrm>
-          <a:prstGeom prst="rect">
-            <a:avLst/>
-          </a:prstGeom>
-        </p:spPr>
-        <p:txBody>
-          <a:bodyPr wrap="square">
-            <a:spAutoFit/>
-          </a:bodyPr>
-          <a:lstStyle/>
-          <a:p>
-            <a:r>
-              <a:rPr lang="en-GB" dirty="0">
-                <a:latin typeface="Candara" pitchFamily="34" charset="0"/>
-              </a:rPr>
-              <a:t>24</a:t>
-            </a:r>
-            <a:endParaRPr lang="en-GB" sz="4400" dirty="0"/>
-          </a:p>
-        </p:txBody>
-      </p:sp>
-      <p:sp>
-        <p:nvSpPr>
-          <p:cNvPr id="285" name="Rectangle 284"/>
-          <p:cNvSpPr/>
-          <p:nvPr/>
-        </p:nvSpPr>
-        <p:spPr>
-          <a:xfrm>
-            <a:off x="7915276" y="5219671"/>
-            <a:ext cx="609599" cy="400110"/>
-          </a:xfrm>
-          <a:prstGeom prst="rect">
-            <a:avLst/>
-          </a:prstGeom>
-        </p:spPr>
-        <p:txBody>
-          <a:bodyPr wrap="square">
-            <a:spAutoFit/>
-          </a:bodyPr>
-          <a:lstStyle/>
-          <a:p>
-            <a:r>
-              <a:rPr lang="en-GB" dirty="0">
-                <a:latin typeface="Candara" pitchFamily="34" charset="0"/>
-              </a:rPr>
-              <a:t>25</a:t>
-            </a:r>
-            <a:endParaRPr lang="en-GB" sz="4400" dirty="0"/>
-          </a:p>
-        </p:txBody>
-      </p:sp>
-      <p:sp>
-        <p:nvSpPr>
-          <p:cNvPr id="286" name="Rectangle 285"/>
-          <p:cNvSpPr/>
-          <p:nvPr/>
-        </p:nvSpPr>
-        <p:spPr>
-          <a:xfrm>
-            <a:off x="8258036" y="4914871"/>
-            <a:ext cx="533539" cy="400110"/>
-          </a:xfrm>
-          <a:prstGeom prst="rect">
-            <a:avLst/>
-          </a:prstGeom>
-        </p:spPr>
-        <p:txBody>
-          <a:bodyPr wrap="square">
-            <a:spAutoFit/>
-          </a:bodyPr>
-          <a:lstStyle/>
-          <a:p>
-            <a:r>
-              <a:rPr lang="en-GB" dirty="0">
-                <a:latin typeface="Candara" pitchFamily="34" charset="0"/>
-              </a:rPr>
-              <a:t>26</a:t>
-            </a:r>
-            <a:endParaRPr lang="en-GB" sz="4400" dirty="0"/>
-          </a:p>
-        </p:txBody>
-      </p:sp>
-      <p:sp>
-        <p:nvSpPr>
-          <p:cNvPr id="287" name="Rectangle 286"/>
-          <p:cNvSpPr/>
-          <p:nvPr/>
-        </p:nvSpPr>
-        <p:spPr>
-          <a:xfrm>
-            <a:off x="8534401" y="5238721"/>
-            <a:ext cx="590549" cy="400110"/>
-          </a:xfrm>
-          <a:prstGeom prst="rect">
-            <a:avLst/>
-          </a:prstGeom>
-        </p:spPr>
-        <p:txBody>
-          <a:bodyPr wrap="square">
-            <a:spAutoFit/>
-          </a:bodyPr>
-          <a:lstStyle/>
-          <a:p>
-            <a:r>
-              <a:rPr lang="en-GB" dirty="0">
-                <a:latin typeface="Candara" pitchFamily="34" charset="0"/>
-              </a:rPr>
-              <a:t>27</a:t>
-            </a:r>
-            <a:endParaRPr lang="en-GB" sz="4400" dirty="0"/>
-          </a:p>
-        </p:txBody>
-      </p:sp>
-      <p:sp>
-        <p:nvSpPr>
-          <p:cNvPr id="288" name="Rectangle 287"/>
-          <p:cNvSpPr/>
-          <p:nvPr/>
-        </p:nvSpPr>
-        <p:spPr>
-          <a:xfrm>
-            <a:off x="8848586" y="4905346"/>
-            <a:ext cx="533539" cy="400110"/>
-          </a:xfrm>
-          <a:prstGeom prst="rect">
-            <a:avLst/>
-          </a:prstGeom>
-        </p:spPr>
-        <p:txBody>
-          <a:bodyPr wrap="square">
-            <a:spAutoFit/>
-          </a:bodyPr>
-          <a:lstStyle/>
-          <a:p>
-            <a:r>
-              <a:rPr lang="en-GB" dirty="0">
-                <a:latin typeface="Candara" pitchFamily="34" charset="0"/>
-              </a:rPr>
-              <a:t>28</a:t>
-            </a:r>
-            <a:endParaRPr lang="en-GB" sz="4400" dirty="0"/>
-          </a:p>
-        </p:txBody>
-      </p:sp>
-      <p:sp>
-        <p:nvSpPr>
-          <p:cNvPr id="289" name="Rectangle 288"/>
-          <p:cNvSpPr/>
-          <p:nvPr/>
-        </p:nvSpPr>
-        <p:spPr>
-          <a:xfrm>
-            <a:off x="9134476" y="5229196"/>
-            <a:ext cx="581024" cy="400110"/>
-          </a:xfrm>
-          <a:prstGeom prst="rect">
-            <a:avLst/>
-          </a:prstGeom>
-        </p:spPr>
-        <p:txBody>
-          <a:bodyPr wrap="square">
-            <a:spAutoFit/>
-          </a:bodyPr>
-          <a:lstStyle/>
-          <a:p>
-            <a:r>
-              <a:rPr lang="en-GB" dirty="0">
-                <a:latin typeface="Candara" pitchFamily="34" charset="0"/>
-              </a:rPr>
-              <a:t>29</a:t>
-            </a:r>
-            <a:endParaRPr lang="en-GB" sz="4400" dirty="0"/>
-          </a:p>
-        </p:txBody>
-      </p:sp>
-      <p:sp>
-        <p:nvSpPr>
-          <p:cNvPr id="290" name="Rectangle 289"/>
-          <p:cNvSpPr/>
-          <p:nvPr/>
-        </p:nvSpPr>
-        <p:spPr>
-          <a:xfrm>
-            <a:off x="9477236" y="4914871"/>
-            <a:ext cx="533539" cy="400110"/>
-          </a:xfrm>
-          <a:prstGeom prst="rect">
-            <a:avLst/>
-          </a:prstGeom>
-        </p:spPr>
-        <p:txBody>
-          <a:bodyPr wrap="square">
-            <a:spAutoFit/>
-          </a:bodyPr>
-          <a:lstStyle/>
-          <a:p>
-            <a:r>
-              <a:rPr lang="en-GB" dirty="0">
-                <a:latin typeface="Candara" pitchFamily="34" charset="0"/>
-              </a:rPr>
-              <a:t>30</a:t>
-            </a:r>
-            <a:endParaRPr lang="en-GB" sz="4400" dirty="0"/>
-          </a:p>
-        </p:txBody>
-      </p:sp>
-      <p:sp>
-        <p:nvSpPr>
-          <p:cNvPr id="291" name="Rectangle 290"/>
-          <p:cNvSpPr/>
-          <p:nvPr/>
-        </p:nvSpPr>
-        <p:spPr>
-          <a:xfrm>
-            <a:off x="9772651" y="5238721"/>
-            <a:ext cx="571499" cy="400110"/>
-          </a:xfrm>
-          <a:prstGeom prst="rect">
-            <a:avLst/>
-          </a:prstGeom>
-        </p:spPr>
-        <p:txBody>
-          <a:bodyPr wrap="square">
-            <a:spAutoFit/>
-          </a:bodyPr>
-          <a:lstStyle/>
-          <a:p>
-            <a:r>
-              <a:rPr lang="en-GB" dirty="0">
-                <a:latin typeface="Candara" pitchFamily="34" charset="0"/>
-              </a:rPr>
-              <a:t>31</a:t>
-            </a:r>
-            <a:endParaRPr lang="en-GB" sz="4400" dirty="0"/>
-          </a:p>
-        </p:txBody>
-      </p:sp>
       <p:cxnSp>
         <p:nvCxnSpPr>
-          <p:cNvPr id="292" name="Straight Connector 291"/>
-          <p:cNvCxnSpPr/>
+          <p:cNvPr id="161" name="Straight Connector 160">
+            <a:extLst>
+              <a:ext uri="{FF2B5EF4-FFF2-40B4-BE49-F238E27FC236}">
+                <a16:creationId xmlns:a16="http://schemas.microsoft.com/office/drawing/2014/main" id="{D628D1C8-B2CC-4199-A1D7-F746F4BEC11C}"/>
+              </a:ext>
+            </a:extLst>
+          </p:cNvPr>
+          <p:cNvCxnSpPr>
+            <a:cxnSpLocks/>
+          </p:cNvCxnSpPr>
           <p:nvPr/>
         </p:nvCxnSpPr>
         <p:spPr>
-          <a:xfrm flipV="1">
-            <a:off x="7677150" y="4981576"/>
-            <a:ext cx="628650" cy="600074"/>
+          <a:xfrm flipH="1" flipV="1">
+            <a:off x="9506371" y="4415660"/>
+            <a:ext cx="580956" cy="623950"/>
           </a:xfrm>
           <a:prstGeom prst="line">
             <a:avLst/>
@@ -46011,14 +46539,22 @@
       </p:cxnSp>
       <p:cxnSp>
         <p:nvCxnSpPr>
-          <p:cNvPr id="293" name="Straight Connector 292"/>
-          <p:cNvCxnSpPr/>
+          <p:cNvPr id="162" name="Straight Connector 161">
+            <a:extLst>
+              <a:ext uri="{FF2B5EF4-FFF2-40B4-BE49-F238E27FC236}">
+                <a16:creationId xmlns:a16="http://schemas.microsoft.com/office/drawing/2014/main" id="{1E6CF8D0-6E3E-48ED-9E74-EE1147F1792A}"/>
+              </a:ext>
+            </a:extLst>
+          </p:cNvPr>
+          <p:cNvCxnSpPr>
+            <a:cxnSpLocks/>
+          </p:cNvCxnSpPr>
           <p:nvPr/>
         </p:nvCxnSpPr>
         <p:spPr>
-          <a:xfrm flipV="1">
-            <a:off x="8286750" y="4991101"/>
-            <a:ext cx="628650" cy="600074"/>
+          <a:xfrm flipH="1" flipV="1">
+            <a:off x="8883416" y="4972979"/>
+            <a:ext cx="580956" cy="623950"/>
           </a:xfrm>
           <a:prstGeom prst="line">
             <a:avLst/>
@@ -46046,14 +46582,22 @@
       </p:cxnSp>
       <p:cxnSp>
         <p:nvCxnSpPr>
-          <p:cNvPr id="294" name="Straight Connector 293"/>
-          <p:cNvCxnSpPr/>
+          <p:cNvPr id="163" name="Straight Connector 162">
+            <a:extLst>
+              <a:ext uri="{FF2B5EF4-FFF2-40B4-BE49-F238E27FC236}">
+                <a16:creationId xmlns:a16="http://schemas.microsoft.com/office/drawing/2014/main" id="{9F109845-9EE0-4907-B9A1-C458723A0209}"/>
+              </a:ext>
+            </a:extLst>
+          </p:cNvPr>
+          <p:cNvCxnSpPr>
+            <a:cxnSpLocks/>
+          </p:cNvCxnSpPr>
           <p:nvPr/>
         </p:nvCxnSpPr>
         <p:spPr>
-          <a:xfrm flipV="1">
-            <a:off x="8915400" y="4981576"/>
-            <a:ext cx="628650" cy="600074"/>
+          <a:xfrm flipH="1" flipV="1">
+            <a:off x="9509140" y="4950434"/>
+            <a:ext cx="580956" cy="623950"/>
           </a:xfrm>
           <a:prstGeom prst="line">
             <a:avLst/>
@@ -46081,14 +46625,22 @@
       </p:cxnSp>
       <p:cxnSp>
         <p:nvCxnSpPr>
-          <p:cNvPr id="295" name="Straight Connector 294"/>
-          <p:cNvCxnSpPr/>
+          <p:cNvPr id="193" name="Straight Connector 192">
+            <a:extLst>
+              <a:ext uri="{FF2B5EF4-FFF2-40B4-BE49-F238E27FC236}">
+                <a16:creationId xmlns:a16="http://schemas.microsoft.com/office/drawing/2014/main" id="{8E810874-2F0E-48AB-BD56-1DDB91E105EB}"/>
+              </a:ext>
+            </a:extLst>
+          </p:cNvPr>
+          <p:cNvCxnSpPr>
+            <a:cxnSpLocks/>
+          </p:cNvCxnSpPr>
           <p:nvPr/>
         </p:nvCxnSpPr>
         <p:spPr>
-          <a:xfrm flipV="1">
-            <a:off x="9525000" y="4981576"/>
-            <a:ext cx="628650" cy="600074"/>
+          <a:xfrm flipH="1" flipV="1">
+            <a:off x="7693614" y="4987410"/>
+            <a:ext cx="580956" cy="623950"/>
           </a:xfrm>
           <a:prstGeom prst="line">
             <a:avLst/>
@@ -46114,201 +46666,12 @@
           </a:fontRef>
         </p:style>
       </p:cxnSp>
-      <p:sp>
-        <p:nvSpPr>
-          <p:cNvPr id="296" name="Rectangle 295"/>
-          <p:cNvSpPr/>
-          <p:nvPr/>
-        </p:nvSpPr>
-        <p:spPr>
-          <a:xfrm>
-            <a:off x="3733118" y="5972145"/>
-            <a:ext cx="2801032" cy="707886"/>
-          </a:xfrm>
-          <a:prstGeom prst="rect">
-            <a:avLst/>
-          </a:prstGeom>
-        </p:spPr>
-        <p:txBody>
-          <a:bodyPr wrap="square">
-            <a:spAutoFit/>
-          </a:bodyPr>
-          <a:lstStyle/>
-          <a:p>
-            <a:r>
-              <a:rPr lang="en-GB" dirty="0"/>
-              <a:t>Map vertex to triangle:</a:t>
-            </a:r>
-          </a:p>
-          <a:p>
-            <a:r>
-              <a:rPr lang="en-GB" dirty="0"/>
-              <a:t>(vertex – row)*2</a:t>
-            </a:r>
-          </a:p>
-        </p:txBody>
-      </p:sp>
-      <p:sp>
-        <p:nvSpPr>
-          <p:cNvPr id="297" name="Rectangle 296"/>
-          <p:cNvSpPr/>
-          <p:nvPr/>
-        </p:nvSpPr>
-        <p:spPr>
-          <a:xfrm>
-            <a:off x="6810236" y="3305146"/>
-            <a:ext cx="533539" cy="400110"/>
-          </a:xfrm>
-          <a:prstGeom prst="rect">
-            <a:avLst/>
-          </a:prstGeom>
-        </p:spPr>
-        <p:txBody>
-          <a:bodyPr wrap="square">
-            <a:spAutoFit/>
-          </a:bodyPr>
-          <a:lstStyle/>
-          <a:p>
-            <a:r>
-              <a:rPr lang="en-GB" dirty="0">
-                <a:latin typeface="Candara" pitchFamily="34" charset="0"/>
-              </a:rPr>
-              <a:t>0</a:t>
-            </a:r>
-            <a:endParaRPr lang="en-GB" sz="4400" dirty="0"/>
-          </a:p>
-        </p:txBody>
-      </p:sp>
-      <p:sp>
-        <p:nvSpPr>
-          <p:cNvPr id="298" name="Rectangle 297"/>
-          <p:cNvSpPr/>
-          <p:nvPr/>
-        </p:nvSpPr>
-        <p:spPr>
-          <a:xfrm>
-            <a:off x="6838811" y="3943321"/>
-            <a:ext cx="533539" cy="400110"/>
-          </a:xfrm>
-          <a:prstGeom prst="rect">
-            <a:avLst/>
-          </a:prstGeom>
-        </p:spPr>
-        <p:txBody>
-          <a:bodyPr wrap="square">
-            <a:spAutoFit/>
-          </a:bodyPr>
-          <a:lstStyle/>
-          <a:p>
-            <a:r>
-              <a:rPr lang="en-GB" dirty="0">
-                <a:latin typeface="Candara" pitchFamily="34" charset="0"/>
-              </a:rPr>
-              <a:t>1</a:t>
-            </a:r>
-            <a:endParaRPr lang="en-GB" sz="4400" dirty="0"/>
-          </a:p>
-        </p:txBody>
-      </p:sp>
-      <p:sp>
-        <p:nvSpPr>
-          <p:cNvPr id="299" name="Rectangle 298"/>
-          <p:cNvSpPr/>
-          <p:nvPr/>
-        </p:nvSpPr>
-        <p:spPr>
-          <a:xfrm>
-            <a:off x="6838811" y="4514821"/>
-            <a:ext cx="533539" cy="400110"/>
-          </a:xfrm>
-          <a:prstGeom prst="rect">
-            <a:avLst/>
-          </a:prstGeom>
-        </p:spPr>
-        <p:txBody>
-          <a:bodyPr wrap="square">
-            <a:spAutoFit/>
-          </a:bodyPr>
-          <a:lstStyle/>
-          <a:p>
-            <a:r>
-              <a:rPr lang="en-GB" dirty="0">
-                <a:latin typeface="Candara" pitchFamily="34" charset="0"/>
-              </a:rPr>
-              <a:t>2</a:t>
-            </a:r>
-            <a:endParaRPr lang="en-GB" sz="4400" dirty="0"/>
-          </a:p>
-        </p:txBody>
-      </p:sp>
-      <p:sp>
-        <p:nvSpPr>
-          <p:cNvPr id="300" name="Rectangle 299"/>
-          <p:cNvSpPr/>
-          <p:nvPr/>
-        </p:nvSpPr>
-        <p:spPr>
-          <a:xfrm>
-            <a:off x="6810236" y="5067271"/>
-            <a:ext cx="533539" cy="400110"/>
-          </a:xfrm>
-          <a:prstGeom prst="rect">
-            <a:avLst/>
-          </a:prstGeom>
-        </p:spPr>
-        <p:txBody>
-          <a:bodyPr wrap="square">
-            <a:spAutoFit/>
-          </a:bodyPr>
-          <a:lstStyle/>
-          <a:p>
-            <a:r>
-              <a:rPr lang="en-GB" dirty="0">
-                <a:latin typeface="Candara" pitchFamily="34" charset="0"/>
-              </a:rPr>
-              <a:t>3</a:t>
-            </a:r>
-            <a:endParaRPr lang="en-GB" sz="4400" dirty="0"/>
-          </a:p>
-        </p:txBody>
-      </p:sp>
-      <p:sp>
-        <p:nvSpPr>
-          <p:cNvPr id="301" name="Rectangle 300"/>
-          <p:cNvSpPr/>
-          <p:nvPr/>
-        </p:nvSpPr>
-        <p:spPr>
-          <a:xfrm>
-            <a:off x="6734035" y="2733646"/>
-            <a:ext cx="724040" cy="400110"/>
-          </a:xfrm>
-          <a:prstGeom prst="rect">
-            <a:avLst/>
-          </a:prstGeom>
-        </p:spPr>
-        <p:txBody>
-          <a:bodyPr wrap="square">
-            <a:spAutoFit/>
-          </a:bodyPr>
-          <a:lstStyle/>
-          <a:p>
-            <a:r>
-              <a:rPr lang="en-GB" dirty="0">
-                <a:latin typeface="Candara" pitchFamily="34" charset="0"/>
-              </a:rPr>
-              <a:t>row</a:t>
-            </a:r>
-            <a:endParaRPr lang="en-GB" sz="4400" dirty="0"/>
-          </a:p>
-        </p:txBody>
-      </p:sp>
       <p:grpSp>
         <p:nvGrpSpPr>
-          <p:cNvPr id="128" name="Group 23">
+          <p:cNvPr id="6" name="Group 5">
             <a:extLst>
               <a:ext uri="{FF2B5EF4-FFF2-40B4-BE49-F238E27FC236}">
-                <a16:creationId xmlns:a16="http://schemas.microsoft.com/office/drawing/2014/main" id="{479E81D4-B2DE-48AF-AE6B-EC8B77B76C64}"/>
+                <a16:creationId xmlns:a16="http://schemas.microsoft.com/office/drawing/2014/main" id="{CB656A81-5F51-4FF4-96E7-50CEA5B715BB}"/>
               </a:ext>
             </a:extLst>
           </p:cNvPr>
@@ -46316,519 +46679,1268 @@
           <p:nvPr/>
         </p:nvGrpSpPr>
         <p:grpSpPr>
-          <a:xfrm>
-            <a:off x="822004" y="5180761"/>
-            <a:ext cx="2482218" cy="1507998"/>
-            <a:chOff x="1485900" y="1552575"/>
-            <a:chExt cx="2482218" cy="1507998"/>
+          <a:xfrm rot="21066522">
+            <a:off x="9066097" y="299677"/>
+            <a:ext cx="2665592" cy="1700160"/>
+            <a:chOff x="9032333" y="221928"/>
+            <a:chExt cx="2665592" cy="1700160"/>
           </a:xfrm>
         </p:grpSpPr>
-        <p:sp>
-          <p:nvSpPr>
-            <p:cNvPr id="129" name="Isosceles Triangle 128">
+        <p:grpSp>
+          <p:nvGrpSpPr>
+            <p:cNvPr id="220" name="Group 23">
               <a:extLst>
                 <a:ext uri="{FF2B5EF4-FFF2-40B4-BE49-F238E27FC236}">
-                  <a16:creationId xmlns:a16="http://schemas.microsoft.com/office/drawing/2014/main" id="{0822C82F-A4BE-4643-880F-0967CDA1C88F}"/>
+                  <a16:creationId xmlns:a16="http://schemas.microsoft.com/office/drawing/2014/main" id="{63135516-0AE0-418D-B2D1-2151EFEDA5BF}"/>
                 </a:ext>
               </a:extLst>
             </p:cNvPr>
-            <p:cNvSpPr/>
+            <p:cNvGrpSpPr/>
             <p:nvPr/>
-          </p:nvSpPr>
-          <p:spPr>
-            <a:xfrm rot="20249607">
-              <a:off x="1961270" y="1930564"/>
-              <a:ext cx="1586726" cy="858542"/>
+          </p:nvGrpSpPr>
+          <p:grpSpPr>
+            <a:xfrm>
+              <a:off x="9032333" y="221928"/>
+              <a:ext cx="1461724" cy="1112280"/>
+              <a:chOff x="1485900" y="1552575"/>
+              <a:chExt cx="2062096" cy="1507998"/>
             </a:xfrm>
-            <a:prstGeom prst="triangle">
-              <a:avLst>
-                <a:gd name="adj" fmla="val 50919"/>
-              </a:avLst>
-            </a:prstGeom>
-            <a:gradFill>
-              <a:gsLst>
-                <a:gs pos="0">
-                  <a:schemeClr val="accent1">
-                    <a:lumMod val="25000"/>
-                  </a:schemeClr>
-                </a:gs>
-                <a:gs pos="39999">
-                  <a:srgbClr val="85C2FF"/>
-                </a:gs>
-                <a:gs pos="70000">
-                  <a:srgbClr val="C4D6EB"/>
-                </a:gs>
-                <a:gs pos="100000">
-                  <a:srgbClr val="FFEBFA"/>
-                </a:gs>
-              </a:gsLst>
-              <a:lin ang="21594000" scaled="0"/>
-            </a:gradFill>
-            <a:ln>
-              <a:solidFill>
+          </p:grpSpPr>
+          <p:sp>
+            <p:nvSpPr>
+              <p:cNvPr id="221" name="Isosceles Triangle 220">
+                <a:extLst>
+                  <a:ext uri="{FF2B5EF4-FFF2-40B4-BE49-F238E27FC236}">
+                    <a16:creationId xmlns:a16="http://schemas.microsoft.com/office/drawing/2014/main" id="{E254FD2B-22BA-41F1-BF21-3845EDAA84C1}"/>
+                  </a:ext>
+                </a:extLst>
+              </p:cNvPr>
+              <p:cNvSpPr/>
+              <p:nvPr/>
+            </p:nvSpPr>
+            <p:spPr>
+              <a:xfrm rot="20249607">
+                <a:off x="1961270" y="1930564"/>
+                <a:ext cx="1586726" cy="858542"/>
+              </a:xfrm>
+              <a:prstGeom prst="triangle">
+                <a:avLst>
+                  <a:gd name="adj" fmla="val 50919"/>
+                </a:avLst>
+              </a:prstGeom>
+              <a:gradFill>
+                <a:gsLst>
+                  <a:gs pos="0">
+                    <a:schemeClr val="accent1">
+                      <a:lumMod val="25000"/>
+                    </a:schemeClr>
+                  </a:gs>
+                  <a:gs pos="39999">
+                    <a:srgbClr val="85C2FF"/>
+                  </a:gs>
+                  <a:gs pos="70000">
+                    <a:srgbClr val="C4D6EB"/>
+                  </a:gs>
+                  <a:gs pos="100000">
+                    <a:srgbClr val="FFEBFA"/>
+                  </a:gs>
+                </a:gsLst>
+                <a:lin ang="21594000" scaled="0"/>
+              </a:gradFill>
+              <a:ln>
+                <a:solidFill>
+                  <a:schemeClr val="tx1"/>
+                </a:solidFill>
+              </a:ln>
+            </p:spPr>
+            <p:style>
+              <a:lnRef idx="2">
+                <a:schemeClr val="accent1">
+                  <a:shade val="50000"/>
+                </a:schemeClr>
+              </a:lnRef>
+              <a:fillRef idx="1">
+                <a:schemeClr val="accent1"/>
+              </a:fillRef>
+              <a:effectRef idx="0">
+                <a:schemeClr val="accent1"/>
+              </a:effectRef>
+              <a:fontRef idx="minor">
+                <a:schemeClr val="lt1"/>
+              </a:fontRef>
+            </p:style>
+            <p:txBody>
+              <a:bodyPr rtlCol="0" anchor="ctr"/>
+              <a:lstStyle/>
+              <a:p>
+                <a:pPr algn="ctr"/>
+                <a:endParaRPr lang="en-GB"/>
+              </a:p>
+            </p:txBody>
+          </p:sp>
+          <p:sp>
+            <p:nvSpPr>
+              <p:cNvPr id="222" name="Isosceles Triangle 221">
+                <a:extLst>
+                  <a:ext uri="{FF2B5EF4-FFF2-40B4-BE49-F238E27FC236}">
+                    <a16:creationId xmlns:a16="http://schemas.microsoft.com/office/drawing/2014/main" id="{581AC06D-6C39-4C14-B018-13527D712920}"/>
+                  </a:ext>
+                </a:extLst>
+              </p:cNvPr>
+              <p:cNvSpPr/>
+              <p:nvPr/>
+            </p:nvSpPr>
+            <p:spPr>
+              <a:xfrm rot="3027863">
+                <a:off x="1967030" y="1940629"/>
+                <a:ext cx="757326" cy="1011766"/>
+              </a:xfrm>
+              <a:prstGeom prst="triangle">
+                <a:avLst>
+                  <a:gd name="adj" fmla="val 21130"/>
+                </a:avLst>
+              </a:prstGeom>
+              <a:gradFill flip="none" rotWithShape="0">
+                <a:gsLst>
+                  <a:gs pos="0">
+                    <a:schemeClr val="accent1">
+                      <a:lumMod val="25000"/>
+                    </a:schemeClr>
+                  </a:gs>
+                  <a:gs pos="39999">
+                    <a:srgbClr val="85C2FF"/>
+                  </a:gs>
+                  <a:gs pos="70000">
+                    <a:srgbClr val="C4D6EB"/>
+                  </a:gs>
+                  <a:gs pos="100000">
+                    <a:srgbClr val="FFEBFA"/>
+                  </a:gs>
+                </a:gsLst>
+                <a:lin ang="21594000" scaled="0"/>
+                <a:tileRect r="-100000" b="-100000"/>
+              </a:gradFill>
+              <a:ln>
+                <a:solidFill>
+                  <a:schemeClr val="tx1"/>
+                </a:solidFill>
+              </a:ln>
+            </p:spPr>
+            <p:style>
+              <a:lnRef idx="2">
+                <a:schemeClr val="accent1">
+                  <a:shade val="50000"/>
+                </a:schemeClr>
+              </a:lnRef>
+              <a:fillRef idx="1">
+                <a:schemeClr val="accent1"/>
+              </a:fillRef>
+              <a:effectRef idx="0">
+                <a:schemeClr val="accent1"/>
+              </a:effectRef>
+              <a:fontRef idx="minor">
+                <a:schemeClr val="lt1"/>
+              </a:fontRef>
+            </p:style>
+            <p:txBody>
+              <a:bodyPr rtlCol="0" anchor="ctr"/>
+              <a:lstStyle/>
+              <a:p>
+                <a:pPr algn="ctr"/>
+                <a:endParaRPr lang="en-GB"/>
+              </a:p>
+            </p:txBody>
+          </p:sp>
+          <p:cxnSp>
+            <p:nvCxnSpPr>
+              <p:cNvPr id="223" name="Straight Arrow Connector 222">
+                <a:extLst>
+                  <a:ext uri="{FF2B5EF4-FFF2-40B4-BE49-F238E27FC236}">
+                    <a16:creationId xmlns:a16="http://schemas.microsoft.com/office/drawing/2014/main" id="{BAAFFFA6-B680-44FF-97EA-FC993B847F24}"/>
+                  </a:ext>
+                </a:extLst>
+              </p:cNvPr>
+              <p:cNvCxnSpPr>
+                <a:stCxn id="222" idx="0"/>
+              </p:cNvCxnSpPr>
+              <p:nvPr/>
+            </p:nvCxnSpPr>
+            <p:spPr>
+              <a:xfrm flipV="1">
+                <a:off x="2596668" y="1552575"/>
+                <a:ext cx="13182" cy="403292"/>
+              </a:xfrm>
+              <a:prstGeom prst="straightConnector1">
+                <a:avLst/>
+              </a:prstGeom>
+              <a:ln w="19050">
+                <a:solidFill>
+                  <a:schemeClr val="tx1"/>
+                </a:solidFill>
+                <a:headEnd type="none" w="lg" len="lg"/>
+                <a:tailEnd type="triangle" w="lg" len="lg"/>
+              </a:ln>
+            </p:spPr>
+            <p:style>
+              <a:lnRef idx="1">
+                <a:schemeClr val="accent1"/>
+              </a:lnRef>
+              <a:fillRef idx="0">
+                <a:schemeClr val="accent1"/>
+              </a:fillRef>
+              <a:effectRef idx="0">
+                <a:schemeClr val="accent1"/>
+              </a:effectRef>
+              <a:fontRef idx="minor">
                 <a:schemeClr val="tx1"/>
-              </a:solidFill>
-            </a:ln>
-          </p:spPr>
-          <p:style>
-            <a:lnRef idx="2">
-              <a:schemeClr val="accent1">
-                <a:shade val="50000"/>
-              </a:schemeClr>
-            </a:lnRef>
-            <a:fillRef idx="1">
-              <a:schemeClr val="accent1"/>
-            </a:fillRef>
-            <a:effectRef idx="0">
-              <a:schemeClr val="accent1"/>
-            </a:effectRef>
-            <a:fontRef idx="minor">
-              <a:schemeClr val="lt1"/>
-            </a:fontRef>
-          </p:style>
-          <p:txBody>
-            <a:bodyPr rtlCol="0" anchor="ctr"/>
-            <a:lstStyle/>
-            <a:p>
-              <a:pPr algn="ctr"/>
-              <a:endParaRPr lang="en-GB"/>
-            </a:p>
-          </p:txBody>
-        </p:sp>
-        <p:sp>
-          <p:nvSpPr>
-            <p:cNvPr id="130" name="Isosceles Triangle 129">
+              </a:fontRef>
+            </p:style>
+          </p:cxnSp>
+          <p:cxnSp>
+            <p:nvCxnSpPr>
+              <p:cNvPr id="224" name="Straight Arrow Connector 223">
+                <a:extLst>
+                  <a:ext uri="{FF2B5EF4-FFF2-40B4-BE49-F238E27FC236}">
+                    <a16:creationId xmlns:a16="http://schemas.microsoft.com/office/drawing/2014/main" id="{BCF30448-DDA0-4B6C-99FE-59239033ACBA}"/>
+                  </a:ext>
+                </a:extLst>
+              </p:cNvPr>
+              <p:cNvCxnSpPr>
+                <a:stCxn id="222" idx="4"/>
+              </p:cNvCxnSpPr>
+              <p:nvPr/>
+            </p:nvCxnSpPr>
+            <p:spPr>
+              <a:xfrm rot="10800000">
+                <a:off x="2105026" y="2619376"/>
+                <a:ext cx="91557" cy="441197"/>
+              </a:xfrm>
+              <a:prstGeom prst="straightConnector1">
+                <a:avLst/>
+              </a:prstGeom>
+              <a:ln w="19050">
+                <a:solidFill>
+                  <a:schemeClr val="tx1"/>
+                </a:solidFill>
+                <a:headEnd type="none" w="lg" len="lg"/>
+                <a:tailEnd type="triangle" w="lg" len="lg"/>
+              </a:ln>
+            </p:spPr>
+            <p:style>
+              <a:lnRef idx="1">
+                <a:schemeClr val="accent1"/>
+              </a:lnRef>
+              <a:fillRef idx="0">
+                <a:schemeClr val="accent1"/>
+              </a:fillRef>
+              <a:effectRef idx="0">
+                <a:schemeClr val="accent1"/>
+              </a:effectRef>
+              <a:fontRef idx="minor">
+                <a:schemeClr val="tx1"/>
+              </a:fontRef>
+            </p:style>
+          </p:cxnSp>
+          <p:cxnSp>
+            <p:nvCxnSpPr>
+              <p:cNvPr id="225" name="Straight Arrow Connector 224">
+                <a:extLst>
+                  <a:ext uri="{FF2B5EF4-FFF2-40B4-BE49-F238E27FC236}">
+                    <a16:creationId xmlns:a16="http://schemas.microsoft.com/office/drawing/2014/main" id="{4E94A005-A76C-4C94-A1F8-F29A572F427B}"/>
+                  </a:ext>
+                </a:extLst>
+              </p:cNvPr>
+              <p:cNvCxnSpPr>
+                <a:stCxn id="222" idx="2"/>
+              </p:cNvCxnSpPr>
+              <p:nvPr/>
+            </p:nvCxnSpPr>
+            <p:spPr>
+              <a:xfrm rot="10800000">
+                <a:off x="1485900" y="1981200"/>
+                <a:ext cx="228600" cy="495300"/>
+              </a:xfrm>
+              <a:prstGeom prst="straightConnector1">
+                <a:avLst/>
+              </a:prstGeom>
+              <a:ln w="19050">
+                <a:solidFill>
+                  <a:schemeClr val="tx1"/>
+                </a:solidFill>
+                <a:headEnd type="none" w="lg" len="lg"/>
+                <a:tailEnd type="triangle" w="lg" len="lg"/>
+              </a:ln>
+            </p:spPr>
+            <p:style>
+              <a:lnRef idx="1">
+                <a:schemeClr val="accent1"/>
+              </a:lnRef>
+              <a:fillRef idx="0">
+                <a:schemeClr val="accent1"/>
+              </a:fillRef>
+              <a:effectRef idx="0">
+                <a:schemeClr val="accent1"/>
+              </a:effectRef>
+              <a:fontRef idx="minor">
+                <a:schemeClr val="tx1"/>
+              </a:fontRef>
+            </p:style>
+          </p:cxnSp>
+        </p:grpSp>
+        <p:grpSp>
+          <p:nvGrpSpPr>
+            <p:cNvPr id="226" name="Group 23">
               <a:extLst>
                 <a:ext uri="{FF2B5EF4-FFF2-40B4-BE49-F238E27FC236}">
-                  <a16:creationId xmlns:a16="http://schemas.microsoft.com/office/drawing/2014/main" id="{C003B48E-3791-4A8D-AE4A-AAF56D2A8D92}"/>
+                  <a16:creationId xmlns:a16="http://schemas.microsoft.com/office/drawing/2014/main" id="{52850F39-2C6A-49E5-BD12-B58A33FE30F2}"/>
                 </a:ext>
               </a:extLst>
             </p:cNvPr>
-            <p:cNvSpPr/>
+            <p:cNvGrpSpPr/>
             <p:nvPr/>
-          </p:nvSpPr>
-          <p:spPr>
-            <a:xfrm rot="3027863">
-              <a:off x="1967030" y="1940629"/>
-              <a:ext cx="757326" cy="1011766"/>
+          </p:nvGrpSpPr>
+          <p:grpSpPr>
+            <a:xfrm>
+              <a:off x="9670585" y="414090"/>
+              <a:ext cx="2027340" cy="1507998"/>
+              <a:chOff x="1839810" y="1552575"/>
+              <a:chExt cx="2027340" cy="1507998"/>
             </a:xfrm>
-            <a:prstGeom prst="triangle">
-              <a:avLst>
-                <a:gd name="adj" fmla="val 21130"/>
-              </a:avLst>
-            </a:prstGeom>
-            <a:gradFill flip="none" rotWithShape="0">
-              <a:gsLst>
-                <a:gs pos="0">
-                  <a:schemeClr val="accent1">
-                    <a:lumMod val="25000"/>
-                  </a:schemeClr>
-                </a:gs>
-                <a:gs pos="39999">
-                  <a:srgbClr val="85C2FF"/>
-                </a:gs>
-                <a:gs pos="70000">
-                  <a:srgbClr val="C4D6EB"/>
-                </a:gs>
-                <a:gs pos="100000">
-                  <a:srgbClr val="FFEBFA"/>
-                </a:gs>
-              </a:gsLst>
-              <a:lin ang="21594000" scaled="0"/>
-              <a:tileRect r="-100000" b="-100000"/>
-            </a:gradFill>
-            <a:ln>
-              <a:solidFill>
+          </p:grpSpPr>
+          <p:sp>
+            <p:nvSpPr>
+              <p:cNvPr id="227" name="Isosceles Triangle 226">
+                <a:extLst>
+                  <a:ext uri="{FF2B5EF4-FFF2-40B4-BE49-F238E27FC236}">
+                    <a16:creationId xmlns:a16="http://schemas.microsoft.com/office/drawing/2014/main" id="{7340A63B-1CDF-4FB9-A807-0161713D2B24}"/>
+                  </a:ext>
+                </a:extLst>
+              </p:cNvPr>
+              <p:cNvSpPr/>
+              <p:nvPr/>
+            </p:nvSpPr>
+            <p:spPr>
+              <a:xfrm rot="20249607">
+                <a:off x="1961270" y="1930564"/>
+                <a:ext cx="1586726" cy="858542"/>
+              </a:xfrm>
+              <a:prstGeom prst="triangle">
+                <a:avLst>
+                  <a:gd name="adj" fmla="val 50919"/>
+                </a:avLst>
+              </a:prstGeom>
+              <a:gradFill>
+                <a:gsLst>
+                  <a:gs pos="0">
+                    <a:schemeClr val="accent1">
+                      <a:lumMod val="25000"/>
+                    </a:schemeClr>
+                  </a:gs>
+                  <a:gs pos="39999">
+                    <a:srgbClr val="85C2FF"/>
+                  </a:gs>
+                  <a:gs pos="70000">
+                    <a:srgbClr val="C4D6EB"/>
+                  </a:gs>
+                  <a:gs pos="100000">
+                    <a:srgbClr val="FFEBFA"/>
+                  </a:gs>
+                </a:gsLst>
+                <a:lin ang="21594000" scaled="0"/>
+              </a:gradFill>
+              <a:ln>
+                <a:solidFill>
+                  <a:schemeClr val="tx1"/>
+                </a:solidFill>
+              </a:ln>
+            </p:spPr>
+            <p:style>
+              <a:lnRef idx="2">
+                <a:schemeClr val="accent1">
+                  <a:shade val="50000"/>
+                </a:schemeClr>
+              </a:lnRef>
+              <a:fillRef idx="1">
+                <a:schemeClr val="accent1"/>
+              </a:fillRef>
+              <a:effectRef idx="0">
+                <a:schemeClr val="accent1"/>
+              </a:effectRef>
+              <a:fontRef idx="minor">
+                <a:schemeClr val="lt1"/>
+              </a:fontRef>
+            </p:style>
+            <p:txBody>
+              <a:bodyPr rtlCol="0" anchor="ctr"/>
+              <a:lstStyle/>
+              <a:p>
+                <a:pPr algn="ctr"/>
+                <a:endParaRPr lang="en-GB"/>
+              </a:p>
+            </p:txBody>
+          </p:sp>
+          <p:sp>
+            <p:nvSpPr>
+              <p:cNvPr id="228" name="Isosceles Triangle 227">
+                <a:extLst>
+                  <a:ext uri="{FF2B5EF4-FFF2-40B4-BE49-F238E27FC236}">
+                    <a16:creationId xmlns:a16="http://schemas.microsoft.com/office/drawing/2014/main" id="{00668ED8-38D3-4510-A107-6EB8BABAD72B}"/>
+                  </a:ext>
+                </a:extLst>
+              </p:cNvPr>
+              <p:cNvSpPr/>
+              <p:nvPr/>
+            </p:nvSpPr>
+            <p:spPr>
+              <a:xfrm rot="3027863">
+                <a:off x="1967030" y="1940629"/>
+                <a:ext cx="757326" cy="1011766"/>
+              </a:xfrm>
+              <a:prstGeom prst="triangle">
+                <a:avLst>
+                  <a:gd name="adj" fmla="val 21130"/>
+                </a:avLst>
+              </a:prstGeom>
+              <a:gradFill flip="none" rotWithShape="0">
+                <a:gsLst>
+                  <a:gs pos="0">
+                    <a:schemeClr val="accent1">
+                      <a:lumMod val="25000"/>
+                    </a:schemeClr>
+                  </a:gs>
+                  <a:gs pos="39999">
+                    <a:srgbClr val="85C2FF"/>
+                  </a:gs>
+                  <a:gs pos="70000">
+                    <a:srgbClr val="C4D6EB"/>
+                  </a:gs>
+                  <a:gs pos="100000">
+                    <a:srgbClr val="FFEBFA"/>
+                  </a:gs>
+                </a:gsLst>
+                <a:lin ang="21594000" scaled="0"/>
+                <a:tileRect r="-100000" b="-100000"/>
+              </a:gradFill>
+              <a:ln>
+                <a:solidFill>
+                  <a:schemeClr val="tx1"/>
+                </a:solidFill>
+              </a:ln>
+            </p:spPr>
+            <p:style>
+              <a:lnRef idx="2">
+                <a:schemeClr val="accent1">
+                  <a:shade val="50000"/>
+                </a:schemeClr>
+              </a:lnRef>
+              <a:fillRef idx="1">
+                <a:schemeClr val="accent1"/>
+              </a:fillRef>
+              <a:effectRef idx="0">
+                <a:schemeClr val="accent1"/>
+              </a:effectRef>
+              <a:fontRef idx="minor">
+                <a:schemeClr val="lt1"/>
+              </a:fontRef>
+            </p:style>
+            <p:txBody>
+              <a:bodyPr rtlCol="0" anchor="ctr"/>
+              <a:lstStyle/>
+              <a:p>
+                <a:pPr algn="ctr"/>
+                <a:endParaRPr lang="en-GB"/>
+              </a:p>
+            </p:txBody>
+          </p:sp>
+          <p:cxnSp>
+            <p:nvCxnSpPr>
+              <p:cNvPr id="229" name="Straight Arrow Connector 228">
+                <a:extLst>
+                  <a:ext uri="{FF2B5EF4-FFF2-40B4-BE49-F238E27FC236}">
+                    <a16:creationId xmlns:a16="http://schemas.microsoft.com/office/drawing/2014/main" id="{A0A5F9AE-2E2F-4FFF-97D4-E74CD1DFA64A}"/>
+                  </a:ext>
+                </a:extLst>
+              </p:cNvPr>
+              <p:cNvCxnSpPr>
+                <a:stCxn id="227" idx="4"/>
+              </p:cNvCxnSpPr>
+              <p:nvPr/>
+            </p:nvCxnSpPr>
+            <p:spPr>
+              <a:xfrm rot="5400000" flipH="1" flipV="1">
+                <a:off x="3552335" y="2137905"/>
+                <a:ext cx="414370" cy="215260"/>
+              </a:xfrm>
+              <a:prstGeom prst="straightConnector1">
+                <a:avLst/>
+              </a:prstGeom>
+              <a:ln w="19050">
+                <a:solidFill>
+                  <a:schemeClr val="tx1"/>
+                </a:solidFill>
+                <a:headEnd type="none" w="lg" len="lg"/>
+                <a:tailEnd type="triangle" w="lg" len="lg"/>
+              </a:ln>
+            </p:spPr>
+            <p:style>
+              <a:lnRef idx="1">
+                <a:schemeClr val="accent1"/>
+              </a:lnRef>
+              <a:fillRef idx="0">
+                <a:schemeClr val="accent1"/>
+              </a:fillRef>
+              <a:effectRef idx="0">
+                <a:schemeClr val="accent1"/>
+              </a:effectRef>
+              <a:fontRef idx="minor">
                 <a:schemeClr val="tx1"/>
-              </a:solidFill>
-            </a:ln>
-          </p:spPr>
-          <p:style>
-            <a:lnRef idx="2">
-              <a:schemeClr val="accent1">
-                <a:shade val="50000"/>
-              </a:schemeClr>
-            </a:lnRef>
-            <a:fillRef idx="1">
-              <a:schemeClr val="accent1"/>
-            </a:fillRef>
-            <a:effectRef idx="0">
-              <a:schemeClr val="accent1"/>
-            </a:effectRef>
-            <a:fontRef idx="minor">
-              <a:schemeClr val="lt1"/>
-            </a:fontRef>
-          </p:style>
-          <p:txBody>
-            <a:bodyPr rtlCol="0" anchor="ctr"/>
-            <a:lstStyle/>
-            <a:p>
-              <a:pPr algn="ctr"/>
-              <a:endParaRPr lang="en-GB"/>
-            </a:p>
-          </p:txBody>
-        </p:sp>
-        <p:cxnSp>
-          <p:nvCxnSpPr>
-            <p:cNvPr id="131" name="Straight Arrow Connector 130">
+              </a:fontRef>
+            </p:style>
+          </p:cxnSp>
+          <p:cxnSp>
+            <p:nvCxnSpPr>
+              <p:cNvPr id="230" name="Straight Arrow Connector 229">
+                <a:extLst>
+                  <a:ext uri="{FF2B5EF4-FFF2-40B4-BE49-F238E27FC236}">
+                    <a16:creationId xmlns:a16="http://schemas.microsoft.com/office/drawing/2014/main" id="{88707659-C38E-433E-88A9-3B5205AAD2A8}"/>
+                  </a:ext>
+                </a:extLst>
+              </p:cNvPr>
+              <p:cNvCxnSpPr>
+                <a:stCxn id="228" idx="0"/>
+              </p:cNvCxnSpPr>
+              <p:nvPr/>
+            </p:nvCxnSpPr>
+            <p:spPr>
+              <a:xfrm flipV="1">
+                <a:off x="2596668" y="1552575"/>
+                <a:ext cx="13182" cy="403292"/>
+              </a:xfrm>
+              <a:prstGeom prst="straightConnector1">
+                <a:avLst/>
+              </a:prstGeom>
+              <a:ln w="19050">
+                <a:solidFill>
+                  <a:schemeClr val="tx1"/>
+                </a:solidFill>
+                <a:headEnd type="none" w="lg" len="lg"/>
+                <a:tailEnd type="triangle" w="lg" len="lg"/>
+              </a:ln>
+            </p:spPr>
+            <p:style>
+              <a:lnRef idx="1">
+                <a:schemeClr val="accent1"/>
+              </a:lnRef>
+              <a:fillRef idx="0">
+                <a:schemeClr val="accent1"/>
+              </a:fillRef>
+              <a:effectRef idx="0">
+                <a:schemeClr val="accent1"/>
+              </a:effectRef>
+              <a:fontRef idx="minor">
+                <a:schemeClr val="tx1"/>
+              </a:fontRef>
+            </p:style>
+          </p:cxnSp>
+          <p:cxnSp>
+            <p:nvCxnSpPr>
+              <p:cNvPr id="231" name="Straight Arrow Connector 230">
+                <a:extLst>
+                  <a:ext uri="{FF2B5EF4-FFF2-40B4-BE49-F238E27FC236}">
+                    <a16:creationId xmlns:a16="http://schemas.microsoft.com/office/drawing/2014/main" id="{2BB7CD9A-C5BA-4AD7-9939-03B724B96F2F}"/>
+                  </a:ext>
+                </a:extLst>
+              </p:cNvPr>
+              <p:cNvCxnSpPr>
+                <a:stCxn id="228" idx="4"/>
+              </p:cNvCxnSpPr>
+              <p:nvPr/>
+            </p:nvCxnSpPr>
+            <p:spPr>
+              <a:xfrm rot="10800000">
+                <a:off x="2105026" y="2619376"/>
+                <a:ext cx="91557" cy="441197"/>
+              </a:xfrm>
+              <a:prstGeom prst="straightConnector1">
+                <a:avLst/>
+              </a:prstGeom>
+              <a:ln w="19050">
+                <a:solidFill>
+                  <a:schemeClr val="tx1"/>
+                </a:solidFill>
+                <a:headEnd type="none" w="lg" len="lg"/>
+                <a:tailEnd type="triangle" w="lg" len="lg"/>
+              </a:ln>
+            </p:spPr>
+            <p:style>
+              <a:lnRef idx="1">
+                <a:schemeClr val="accent1"/>
+              </a:lnRef>
+              <a:fillRef idx="0">
+                <a:schemeClr val="accent1"/>
+              </a:fillRef>
+              <a:effectRef idx="0">
+                <a:schemeClr val="accent1"/>
+              </a:effectRef>
+              <a:fontRef idx="minor">
+                <a:schemeClr val="tx1"/>
+              </a:fontRef>
+            </p:style>
+          </p:cxnSp>
+        </p:grpSp>
+      </p:grpSp>
+      <p:grpSp>
+        <p:nvGrpSpPr>
+          <p:cNvPr id="7" name="Group 6">
+            <a:extLst>
+              <a:ext uri="{FF2B5EF4-FFF2-40B4-BE49-F238E27FC236}">
+                <a16:creationId xmlns:a16="http://schemas.microsoft.com/office/drawing/2014/main" id="{82D5C1E3-76C1-468F-8874-1FEF98BB77B3}"/>
+              </a:ext>
+            </a:extLst>
+          </p:cNvPr>
+          <p:cNvGrpSpPr/>
+          <p:nvPr/>
+        </p:nvGrpSpPr>
+        <p:grpSpPr>
+          <a:xfrm rot="760128">
+            <a:off x="7626362" y="940757"/>
+            <a:ext cx="2413146" cy="1700160"/>
+            <a:chOff x="7664120" y="878060"/>
+            <a:chExt cx="2413146" cy="1700160"/>
+          </a:xfrm>
+        </p:grpSpPr>
+        <p:grpSp>
+          <p:nvGrpSpPr>
+            <p:cNvPr id="210" name="Group 23">
               <a:extLst>
                 <a:ext uri="{FF2B5EF4-FFF2-40B4-BE49-F238E27FC236}">
-                  <a16:creationId xmlns:a16="http://schemas.microsoft.com/office/drawing/2014/main" id="{3D0D3FD9-D327-4D30-B168-6C994FBD4920}"/>
+                  <a16:creationId xmlns:a16="http://schemas.microsoft.com/office/drawing/2014/main" id="{7539F0DE-EC95-4FD6-B104-C819AA04A752}"/>
                 </a:ext>
               </a:extLst>
             </p:cNvPr>
-            <p:cNvCxnSpPr>
-              <a:stCxn id="129" idx="4"/>
-            </p:cNvCxnSpPr>
+            <p:cNvGrpSpPr/>
             <p:nvPr/>
-          </p:nvCxnSpPr>
-          <p:spPr>
-            <a:xfrm rot="5400000" flipH="1" flipV="1">
-              <a:off x="3552335" y="2137905"/>
-              <a:ext cx="414370" cy="215260"/>
+          </p:nvGrpSpPr>
+          <p:grpSpPr>
+            <a:xfrm>
+              <a:off x="7664120" y="878060"/>
+              <a:ext cx="1461724" cy="1112280"/>
+              <a:chOff x="1485900" y="1552575"/>
+              <a:chExt cx="2062096" cy="1507998"/>
             </a:xfrm>
-            <a:prstGeom prst="straightConnector1">
-              <a:avLst/>
-            </a:prstGeom>
-            <a:ln w="19050">
-              <a:solidFill>
+          </p:grpSpPr>
+          <p:sp>
+            <p:nvSpPr>
+              <p:cNvPr id="211" name="Isosceles Triangle 210">
+                <a:extLst>
+                  <a:ext uri="{FF2B5EF4-FFF2-40B4-BE49-F238E27FC236}">
+                    <a16:creationId xmlns:a16="http://schemas.microsoft.com/office/drawing/2014/main" id="{18755BD8-B825-4FA1-904C-441BD72236AC}"/>
+                  </a:ext>
+                </a:extLst>
+              </p:cNvPr>
+              <p:cNvSpPr/>
+              <p:nvPr/>
+            </p:nvSpPr>
+            <p:spPr>
+              <a:xfrm rot="20249607">
+                <a:off x="1961270" y="1930564"/>
+                <a:ext cx="1586726" cy="858542"/>
+              </a:xfrm>
+              <a:prstGeom prst="triangle">
+                <a:avLst>
+                  <a:gd name="adj" fmla="val 50919"/>
+                </a:avLst>
+              </a:prstGeom>
+              <a:gradFill>
+                <a:gsLst>
+                  <a:gs pos="0">
+                    <a:schemeClr val="accent1">
+                      <a:lumMod val="25000"/>
+                    </a:schemeClr>
+                  </a:gs>
+                  <a:gs pos="39999">
+                    <a:srgbClr val="85C2FF"/>
+                  </a:gs>
+                  <a:gs pos="70000">
+                    <a:srgbClr val="C4D6EB"/>
+                  </a:gs>
+                  <a:gs pos="100000">
+                    <a:srgbClr val="FFEBFA"/>
+                  </a:gs>
+                </a:gsLst>
+                <a:lin ang="21594000" scaled="0"/>
+              </a:gradFill>
+              <a:ln>
+                <a:solidFill>
+                  <a:schemeClr val="tx1"/>
+                </a:solidFill>
+              </a:ln>
+            </p:spPr>
+            <p:style>
+              <a:lnRef idx="2">
+                <a:schemeClr val="accent1">
+                  <a:shade val="50000"/>
+                </a:schemeClr>
+              </a:lnRef>
+              <a:fillRef idx="1">
+                <a:schemeClr val="accent1"/>
+              </a:fillRef>
+              <a:effectRef idx="0">
+                <a:schemeClr val="accent1"/>
+              </a:effectRef>
+              <a:fontRef idx="minor">
+                <a:schemeClr val="lt1"/>
+              </a:fontRef>
+            </p:style>
+            <p:txBody>
+              <a:bodyPr rtlCol="0" anchor="ctr"/>
+              <a:lstStyle/>
+              <a:p>
+                <a:pPr algn="ctr"/>
+                <a:endParaRPr lang="en-GB"/>
+              </a:p>
+            </p:txBody>
+          </p:sp>
+          <p:sp>
+            <p:nvSpPr>
+              <p:cNvPr id="212" name="Isosceles Triangle 211">
+                <a:extLst>
+                  <a:ext uri="{FF2B5EF4-FFF2-40B4-BE49-F238E27FC236}">
+                    <a16:creationId xmlns:a16="http://schemas.microsoft.com/office/drawing/2014/main" id="{B49CBE15-11DB-4CA5-BBA9-2F6FC377048E}"/>
+                  </a:ext>
+                </a:extLst>
+              </p:cNvPr>
+              <p:cNvSpPr/>
+              <p:nvPr/>
+            </p:nvSpPr>
+            <p:spPr>
+              <a:xfrm rot="3027863">
+                <a:off x="1967030" y="1940629"/>
+                <a:ext cx="757326" cy="1011766"/>
+              </a:xfrm>
+              <a:prstGeom prst="triangle">
+                <a:avLst>
+                  <a:gd name="adj" fmla="val 21130"/>
+                </a:avLst>
+              </a:prstGeom>
+              <a:gradFill flip="none" rotWithShape="0">
+                <a:gsLst>
+                  <a:gs pos="0">
+                    <a:schemeClr val="accent1">
+                      <a:lumMod val="25000"/>
+                    </a:schemeClr>
+                  </a:gs>
+                  <a:gs pos="39999">
+                    <a:srgbClr val="85C2FF"/>
+                  </a:gs>
+                  <a:gs pos="70000">
+                    <a:srgbClr val="C4D6EB"/>
+                  </a:gs>
+                  <a:gs pos="100000">
+                    <a:srgbClr val="FFEBFA"/>
+                  </a:gs>
+                </a:gsLst>
+                <a:lin ang="21594000" scaled="0"/>
+                <a:tileRect r="-100000" b="-100000"/>
+              </a:gradFill>
+              <a:ln>
+                <a:solidFill>
+                  <a:schemeClr val="tx1"/>
+                </a:solidFill>
+              </a:ln>
+            </p:spPr>
+            <p:style>
+              <a:lnRef idx="2">
+                <a:schemeClr val="accent1">
+                  <a:shade val="50000"/>
+                </a:schemeClr>
+              </a:lnRef>
+              <a:fillRef idx="1">
+                <a:schemeClr val="accent1"/>
+              </a:fillRef>
+              <a:effectRef idx="0">
+                <a:schemeClr val="accent1"/>
+              </a:effectRef>
+              <a:fontRef idx="minor">
+                <a:schemeClr val="lt1"/>
+              </a:fontRef>
+            </p:style>
+            <p:txBody>
+              <a:bodyPr rtlCol="0" anchor="ctr"/>
+              <a:lstStyle/>
+              <a:p>
+                <a:pPr algn="ctr"/>
+                <a:endParaRPr lang="en-GB"/>
+              </a:p>
+            </p:txBody>
+          </p:sp>
+          <p:cxnSp>
+            <p:nvCxnSpPr>
+              <p:cNvPr id="214" name="Straight Arrow Connector 213">
+                <a:extLst>
+                  <a:ext uri="{FF2B5EF4-FFF2-40B4-BE49-F238E27FC236}">
+                    <a16:creationId xmlns:a16="http://schemas.microsoft.com/office/drawing/2014/main" id="{44E3C1A2-029F-4899-80C2-3713F4C65EF0}"/>
+                  </a:ext>
+                </a:extLst>
+              </p:cNvPr>
+              <p:cNvCxnSpPr>
+                <a:stCxn id="212" idx="0"/>
+              </p:cNvCxnSpPr>
+              <p:nvPr/>
+            </p:nvCxnSpPr>
+            <p:spPr>
+              <a:xfrm flipV="1">
+                <a:off x="2596668" y="1552575"/>
+                <a:ext cx="13182" cy="403292"/>
+              </a:xfrm>
+              <a:prstGeom prst="straightConnector1">
+                <a:avLst/>
+              </a:prstGeom>
+              <a:ln w="19050">
+                <a:solidFill>
+                  <a:schemeClr val="tx1"/>
+                </a:solidFill>
+                <a:headEnd type="none" w="lg" len="lg"/>
+                <a:tailEnd type="triangle" w="lg" len="lg"/>
+              </a:ln>
+            </p:spPr>
+            <p:style>
+              <a:lnRef idx="1">
+                <a:schemeClr val="accent1"/>
+              </a:lnRef>
+              <a:fillRef idx="0">
+                <a:schemeClr val="accent1"/>
+              </a:fillRef>
+              <a:effectRef idx="0">
+                <a:schemeClr val="accent1"/>
+              </a:effectRef>
+              <a:fontRef idx="minor">
                 <a:schemeClr val="tx1"/>
-              </a:solidFill>
-              <a:headEnd type="none" w="lg" len="lg"/>
-              <a:tailEnd type="triangle" w="lg" len="lg"/>
-            </a:ln>
-          </p:spPr>
-          <p:style>
-            <a:lnRef idx="1">
-              <a:schemeClr val="accent1"/>
-            </a:lnRef>
-            <a:fillRef idx="0">
-              <a:schemeClr val="accent1"/>
-            </a:fillRef>
-            <a:effectRef idx="0">
-              <a:schemeClr val="accent1"/>
-            </a:effectRef>
-            <a:fontRef idx="minor">
-              <a:schemeClr val="tx1"/>
-            </a:fontRef>
-          </p:style>
-        </p:cxnSp>
-        <p:cxnSp>
-          <p:nvCxnSpPr>
-            <p:cNvPr id="132" name="Straight Arrow Connector 131">
+              </a:fontRef>
+            </p:style>
+          </p:cxnSp>
+          <p:cxnSp>
+            <p:nvCxnSpPr>
+              <p:cNvPr id="215" name="Straight Arrow Connector 214">
+                <a:extLst>
+                  <a:ext uri="{FF2B5EF4-FFF2-40B4-BE49-F238E27FC236}">
+                    <a16:creationId xmlns:a16="http://schemas.microsoft.com/office/drawing/2014/main" id="{7D79A05B-C4C6-43C1-BC7F-1C2E6AC2A9CC}"/>
+                  </a:ext>
+                </a:extLst>
+              </p:cNvPr>
+              <p:cNvCxnSpPr>
+                <a:stCxn id="212" idx="4"/>
+              </p:cNvCxnSpPr>
+              <p:nvPr/>
+            </p:nvCxnSpPr>
+            <p:spPr>
+              <a:xfrm rot="10800000">
+                <a:off x="2105026" y="2619376"/>
+                <a:ext cx="91557" cy="441197"/>
+              </a:xfrm>
+              <a:prstGeom prst="straightConnector1">
+                <a:avLst/>
+              </a:prstGeom>
+              <a:ln w="19050">
+                <a:solidFill>
+                  <a:schemeClr val="tx1"/>
+                </a:solidFill>
+                <a:headEnd type="none" w="lg" len="lg"/>
+                <a:tailEnd type="triangle" w="lg" len="lg"/>
+              </a:ln>
+            </p:spPr>
+            <p:style>
+              <a:lnRef idx="1">
+                <a:schemeClr val="accent1"/>
+              </a:lnRef>
+              <a:fillRef idx="0">
+                <a:schemeClr val="accent1"/>
+              </a:fillRef>
+              <a:effectRef idx="0">
+                <a:schemeClr val="accent1"/>
+              </a:effectRef>
+              <a:fontRef idx="minor">
+                <a:schemeClr val="tx1"/>
+              </a:fontRef>
+            </p:style>
+          </p:cxnSp>
+          <p:cxnSp>
+            <p:nvCxnSpPr>
+              <p:cNvPr id="217" name="Straight Arrow Connector 216">
+                <a:extLst>
+                  <a:ext uri="{FF2B5EF4-FFF2-40B4-BE49-F238E27FC236}">
+                    <a16:creationId xmlns:a16="http://schemas.microsoft.com/office/drawing/2014/main" id="{14874838-31C4-4B21-BD2F-CEA6981C278B}"/>
+                  </a:ext>
+                </a:extLst>
+              </p:cNvPr>
+              <p:cNvCxnSpPr>
+                <a:stCxn id="212" idx="2"/>
+              </p:cNvCxnSpPr>
+              <p:nvPr/>
+            </p:nvCxnSpPr>
+            <p:spPr>
+              <a:xfrm rot="10800000">
+                <a:off x="1485900" y="1981200"/>
+                <a:ext cx="228600" cy="495300"/>
+              </a:xfrm>
+              <a:prstGeom prst="straightConnector1">
+                <a:avLst/>
+              </a:prstGeom>
+              <a:ln w="19050">
+                <a:solidFill>
+                  <a:schemeClr val="tx1"/>
+                </a:solidFill>
+                <a:headEnd type="none" w="lg" len="lg"/>
+                <a:tailEnd type="triangle" w="lg" len="lg"/>
+              </a:ln>
+            </p:spPr>
+            <p:style>
+              <a:lnRef idx="1">
+                <a:schemeClr val="accent1"/>
+              </a:lnRef>
+              <a:fillRef idx="0">
+                <a:schemeClr val="accent1"/>
+              </a:fillRef>
+              <a:effectRef idx="0">
+                <a:schemeClr val="accent1"/>
+              </a:effectRef>
+              <a:fontRef idx="minor">
+                <a:schemeClr val="tx1"/>
+              </a:fontRef>
+            </p:style>
+          </p:cxnSp>
+        </p:grpSp>
+        <p:grpSp>
+          <p:nvGrpSpPr>
+            <p:cNvPr id="128" name="Group 23">
               <a:extLst>
                 <a:ext uri="{FF2B5EF4-FFF2-40B4-BE49-F238E27FC236}">
-                  <a16:creationId xmlns:a16="http://schemas.microsoft.com/office/drawing/2014/main" id="{0CC76351-2570-436B-B6AE-B9EF10D66658}"/>
+                  <a16:creationId xmlns:a16="http://schemas.microsoft.com/office/drawing/2014/main" id="{479E81D4-B2DE-48AF-AE6B-EC8B77B76C64}"/>
                 </a:ext>
               </a:extLst>
             </p:cNvPr>
-            <p:cNvCxnSpPr>
-              <a:stCxn id="130" idx="0"/>
-            </p:cNvCxnSpPr>
+            <p:cNvGrpSpPr/>
             <p:nvPr/>
-          </p:nvCxnSpPr>
-          <p:spPr>
-            <a:xfrm flipV="1">
-              <a:off x="2596668" y="1552575"/>
-              <a:ext cx="13182" cy="403292"/>
+          </p:nvGrpSpPr>
+          <p:grpSpPr>
+            <a:xfrm>
+              <a:off x="8302372" y="1129968"/>
+              <a:ext cx="1774894" cy="1448252"/>
+              <a:chOff x="1839810" y="1612321"/>
+              <a:chExt cx="1774894" cy="1448252"/>
             </a:xfrm>
-            <a:prstGeom prst="straightConnector1">
-              <a:avLst/>
-            </a:prstGeom>
-            <a:ln w="19050">
-              <a:solidFill>
+          </p:grpSpPr>
+          <p:sp>
+            <p:nvSpPr>
+              <p:cNvPr id="129" name="Isosceles Triangle 128">
+                <a:extLst>
+                  <a:ext uri="{FF2B5EF4-FFF2-40B4-BE49-F238E27FC236}">
+                    <a16:creationId xmlns:a16="http://schemas.microsoft.com/office/drawing/2014/main" id="{0822C82F-A4BE-4643-880F-0967CDA1C88F}"/>
+                  </a:ext>
+                </a:extLst>
+              </p:cNvPr>
+              <p:cNvSpPr/>
+              <p:nvPr/>
+            </p:nvSpPr>
+            <p:spPr>
+              <a:xfrm rot="20249607">
+                <a:off x="1961270" y="1930564"/>
+                <a:ext cx="1586726" cy="858542"/>
+              </a:xfrm>
+              <a:prstGeom prst="triangle">
+                <a:avLst>
+                  <a:gd name="adj" fmla="val 50919"/>
+                </a:avLst>
+              </a:prstGeom>
+              <a:gradFill>
+                <a:gsLst>
+                  <a:gs pos="0">
+                    <a:schemeClr val="accent1">
+                      <a:lumMod val="25000"/>
+                    </a:schemeClr>
+                  </a:gs>
+                  <a:gs pos="39999">
+                    <a:srgbClr val="85C2FF"/>
+                  </a:gs>
+                  <a:gs pos="70000">
+                    <a:srgbClr val="C4D6EB"/>
+                  </a:gs>
+                  <a:gs pos="100000">
+                    <a:srgbClr val="FFEBFA"/>
+                  </a:gs>
+                </a:gsLst>
+                <a:lin ang="21594000" scaled="0"/>
+              </a:gradFill>
+              <a:ln>
+                <a:solidFill>
+                  <a:schemeClr val="tx1"/>
+                </a:solidFill>
+              </a:ln>
+            </p:spPr>
+            <p:style>
+              <a:lnRef idx="2">
+                <a:schemeClr val="accent1">
+                  <a:shade val="50000"/>
+                </a:schemeClr>
+              </a:lnRef>
+              <a:fillRef idx="1">
+                <a:schemeClr val="accent1"/>
+              </a:fillRef>
+              <a:effectRef idx="0">
+                <a:schemeClr val="accent1"/>
+              </a:effectRef>
+              <a:fontRef idx="minor">
+                <a:schemeClr val="lt1"/>
+              </a:fontRef>
+            </p:style>
+            <p:txBody>
+              <a:bodyPr rtlCol="0" anchor="ctr"/>
+              <a:lstStyle/>
+              <a:p>
+                <a:pPr algn="ctr"/>
+                <a:endParaRPr lang="en-GB"/>
+              </a:p>
+            </p:txBody>
+          </p:sp>
+          <p:sp>
+            <p:nvSpPr>
+              <p:cNvPr id="130" name="Isosceles Triangle 129">
+                <a:extLst>
+                  <a:ext uri="{FF2B5EF4-FFF2-40B4-BE49-F238E27FC236}">
+                    <a16:creationId xmlns:a16="http://schemas.microsoft.com/office/drawing/2014/main" id="{C003B48E-3791-4A8D-AE4A-AAF56D2A8D92}"/>
+                  </a:ext>
+                </a:extLst>
+              </p:cNvPr>
+              <p:cNvSpPr/>
+              <p:nvPr/>
+            </p:nvSpPr>
+            <p:spPr>
+              <a:xfrm rot="3027863">
+                <a:off x="1967030" y="1940629"/>
+                <a:ext cx="757326" cy="1011766"/>
+              </a:xfrm>
+              <a:prstGeom prst="triangle">
+                <a:avLst>
+                  <a:gd name="adj" fmla="val 21130"/>
+                </a:avLst>
+              </a:prstGeom>
+              <a:gradFill flip="none" rotWithShape="0">
+                <a:gsLst>
+                  <a:gs pos="0">
+                    <a:schemeClr val="accent1">
+                      <a:lumMod val="25000"/>
+                    </a:schemeClr>
+                  </a:gs>
+                  <a:gs pos="39999">
+                    <a:srgbClr val="85C2FF"/>
+                  </a:gs>
+                  <a:gs pos="70000">
+                    <a:srgbClr val="C4D6EB"/>
+                  </a:gs>
+                  <a:gs pos="100000">
+                    <a:srgbClr val="FFEBFA"/>
+                  </a:gs>
+                </a:gsLst>
+                <a:lin ang="21594000" scaled="0"/>
+                <a:tileRect r="-100000" b="-100000"/>
+              </a:gradFill>
+              <a:ln>
+                <a:solidFill>
+                  <a:schemeClr val="tx1"/>
+                </a:solidFill>
+              </a:ln>
+            </p:spPr>
+            <p:style>
+              <a:lnRef idx="2">
+                <a:schemeClr val="accent1">
+                  <a:shade val="50000"/>
+                </a:schemeClr>
+              </a:lnRef>
+              <a:fillRef idx="1">
+                <a:schemeClr val="accent1"/>
+              </a:fillRef>
+              <a:effectRef idx="0">
+                <a:schemeClr val="accent1"/>
+              </a:effectRef>
+              <a:fontRef idx="minor">
+                <a:schemeClr val="lt1"/>
+              </a:fontRef>
+            </p:style>
+            <p:txBody>
+              <a:bodyPr rtlCol="0" anchor="ctr"/>
+              <a:lstStyle/>
+              <a:p>
+                <a:pPr algn="ctr"/>
+                <a:endParaRPr lang="en-GB"/>
+              </a:p>
+            </p:txBody>
+          </p:sp>
+          <p:cxnSp>
+            <p:nvCxnSpPr>
+              <p:cNvPr id="131" name="Straight Arrow Connector 130">
+                <a:extLst>
+                  <a:ext uri="{FF2B5EF4-FFF2-40B4-BE49-F238E27FC236}">
+                    <a16:creationId xmlns:a16="http://schemas.microsoft.com/office/drawing/2014/main" id="{3D0D3FD9-D327-4D30-B168-6C994FBD4920}"/>
+                  </a:ext>
+                </a:extLst>
+              </p:cNvPr>
+              <p:cNvCxnSpPr>
+                <a:cxnSpLocks/>
+                <a:stCxn id="129" idx="4"/>
+              </p:cNvCxnSpPr>
+              <p:nvPr/>
+            </p:nvCxnSpPr>
+            <p:spPr>
+              <a:xfrm rot="20839872" flipH="1" flipV="1">
+                <a:off x="3565353" y="2117733"/>
+                <a:ext cx="49351" cy="344594"/>
+              </a:xfrm>
+              <a:prstGeom prst="straightConnector1">
+                <a:avLst/>
+              </a:prstGeom>
+              <a:ln w="19050">
+                <a:solidFill>
+                  <a:schemeClr val="tx1"/>
+                </a:solidFill>
+                <a:headEnd type="none" w="lg" len="lg"/>
+                <a:tailEnd type="triangle" w="lg" len="lg"/>
+              </a:ln>
+            </p:spPr>
+            <p:style>
+              <a:lnRef idx="1">
+                <a:schemeClr val="accent1"/>
+              </a:lnRef>
+              <a:fillRef idx="0">
+                <a:schemeClr val="accent1"/>
+              </a:fillRef>
+              <a:effectRef idx="0">
+                <a:schemeClr val="accent1"/>
+              </a:effectRef>
+              <a:fontRef idx="minor">
                 <a:schemeClr val="tx1"/>
-              </a:solidFill>
-              <a:headEnd type="none" w="lg" len="lg"/>
-              <a:tailEnd type="triangle" w="lg" len="lg"/>
-            </a:ln>
-          </p:spPr>
-          <p:style>
-            <a:lnRef idx="1">
-              <a:schemeClr val="accent1"/>
-            </a:lnRef>
-            <a:fillRef idx="0">
-              <a:schemeClr val="accent1"/>
-            </a:fillRef>
-            <a:effectRef idx="0">
-              <a:schemeClr val="accent1"/>
-            </a:effectRef>
-            <a:fontRef idx="minor">
-              <a:schemeClr val="tx1"/>
-            </a:fontRef>
-          </p:style>
-        </p:cxnSp>
-        <p:cxnSp>
-          <p:nvCxnSpPr>
-            <p:cNvPr id="133" name="Straight Arrow Connector 132">
-              <a:extLst>
-                <a:ext uri="{FF2B5EF4-FFF2-40B4-BE49-F238E27FC236}">
-                  <a16:creationId xmlns:a16="http://schemas.microsoft.com/office/drawing/2014/main" id="{3674E140-4985-4162-B289-7F5AD7314190}"/>
-                </a:ext>
-              </a:extLst>
-            </p:cNvPr>
-            <p:cNvCxnSpPr>
-              <a:stCxn id="130" idx="4"/>
-            </p:cNvCxnSpPr>
-            <p:nvPr/>
-          </p:nvCxnSpPr>
-          <p:spPr>
-            <a:xfrm rot="10800000">
-              <a:off x="2105026" y="2619376"/>
-              <a:ext cx="91557" cy="441197"/>
-            </a:xfrm>
-            <a:prstGeom prst="straightConnector1">
-              <a:avLst/>
-            </a:prstGeom>
-            <a:ln w="19050">
-              <a:solidFill>
+              </a:fontRef>
+            </p:style>
+          </p:cxnSp>
+          <p:cxnSp>
+            <p:nvCxnSpPr>
+              <p:cNvPr id="132" name="Straight Arrow Connector 131">
+                <a:extLst>
+                  <a:ext uri="{FF2B5EF4-FFF2-40B4-BE49-F238E27FC236}">
+                    <a16:creationId xmlns:a16="http://schemas.microsoft.com/office/drawing/2014/main" id="{0CC76351-2570-436B-B6AE-B9EF10D66658}"/>
+                  </a:ext>
+                </a:extLst>
+              </p:cNvPr>
+              <p:cNvCxnSpPr>
+                <a:cxnSpLocks/>
+                <a:stCxn id="130" idx="0"/>
+              </p:cNvCxnSpPr>
+              <p:nvPr/>
+            </p:nvCxnSpPr>
+            <p:spPr>
+              <a:xfrm rot="20839872" flipH="1" flipV="1">
+                <a:off x="2525842" y="1612321"/>
+                <a:ext cx="32689" cy="351408"/>
+              </a:xfrm>
+              <a:prstGeom prst="straightConnector1">
+                <a:avLst/>
+              </a:prstGeom>
+              <a:ln w="19050">
+                <a:solidFill>
+                  <a:schemeClr val="tx1"/>
+                </a:solidFill>
+                <a:headEnd type="none" w="lg" len="lg"/>
+                <a:tailEnd type="triangle" w="lg" len="lg"/>
+              </a:ln>
+            </p:spPr>
+            <p:style>
+              <a:lnRef idx="1">
+                <a:schemeClr val="accent1"/>
+              </a:lnRef>
+              <a:fillRef idx="0">
+                <a:schemeClr val="accent1"/>
+              </a:fillRef>
+              <a:effectRef idx="0">
+                <a:schemeClr val="accent1"/>
+              </a:effectRef>
+              <a:fontRef idx="minor">
                 <a:schemeClr val="tx1"/>
-              </a:solidFill>
-              <a:headEnd type="none" w="lg" len="lg"/>
-              <a:tailEnd type="triangle" w="lg" len="lg"/>
-            </a:ln>
-          </p:spPr>
-          <p:style>
-            <a:lnRef idx="1">
-              <a:schemeClr val="accent1"/>
-            </a:lnRef>
-            <a:fillRef idx="0">
-              <a:schemeClr val="accent1"/>
-            </a:fillRef>
-            <a:effectRef idx="0">
-              <a:schemeClr val="accent1"/>
-            </a:effectRef>
-            <a:fontRef idx="minor">
-              <a:schemeClr val="tx1"/>
-            </a:fontRef>
-          </p:style>
-        </p:cxnSp>
-        <p:cxnSp>
-          <p:nvCxnSpPr>
-            <p:cNvPr id="134" name="Straight Arrow Connector 133">
-              <a:extLst>
-                <a:ext uri="{FF2B5EF4-FFF2-40B4-BE49-F238E27FC236}">
-                  <a16:creationId xmlns:a16="http://schemas.microsoft.com/office/drawing/2014/main" id="{2B1ABF95-CAC3-4234-A675-86105CE895F7}"/>
-                </a:ext>
-              </a:extLst>
-            </p:cNvPr>
-            <p:cNvCxnSpPr>
-              <a:stCxn id="130" idx="2"/>
-            </p:cNvCxnSpPr>
-            <p:nvPr/>
-          </p:nvCxnSpPr>
-          <p:spPr>
-            <a:xfrm rot="10800000">
-              <a:off x="1485900" y="1981200"/>
-              <a:ext cx="228600" cy="495300"/>
-            </a:xfrm>
-            <a:prstGeom prst="straightConnector1">
-              <a:avLst/>
-            </a:prstGeom>
-            <a:ln w="19050">
-              <a:solidFill>
+              </a:fontRef>
+            </p:style>
+          </p:cxnSp>
+          <p:cxnSp>
+            <p:nvCxnSpPr>
+              <p:cNvPr id="133" name="Straight Arrow Connector 132">
+                <a:extLst>
+                  <a:ext uri="{FF2B5EF4-FFF2-40B4-BE49-F238E27FC236}">
+                    <a16:creationId xmlns:a16="http://schemas.microsoft.com/office/drawing/2014/main" id="{3674E140-4985-4162-B289-7F5AD7314190}"/>
+                  </a:ext>
+                </a:extLst>
+              </p:cNvPr>
+              <p:cNvCxnSpPr>
+                <a:stCxn id="130" idx="4"/>
+              </p:cNvCxnSpPr>
+              <p:nvPr/>
+            </p:nvCxnSpPr>
+            <p:spPr>
+              <a:xfrm rot="10800000">
+                <a:off x="2105026" y="2619376"/>
+                <a:ext cx="91557" cy="441197"/>
+              </a:xfrm>
+              <a:prstGeom prst="straightConnector1">
+                <a:avLst/>
+              </a:prstGeom>
+              <a:ln w="19050">
+                <a:solidFill>
+                  <a:schemeClr val="tx1"/>
+                </a:solidFill>
+                <a:headEnd type="none" w="lg" len="lg"/>
+                <a:tailEnd type="triangle" w="lg" len="lg"/>
+              </a:ln>
+            </p:spPr>
+            <p:style>
+              <a:lnRef idx="1">
+                <a:schemeClr val="accent1"/>
+              </a:lnRef>
+              <a:fillRef idx="0">
+                <a:schemeClr val="accent1"/>
+              </a:fillRef>
+              <a:effectRef idx="0">
+                <a:schemeClr val="accent1"/>
+              </a:effectRef>
+              <a:fontRef idx="minor">
                 <a:schemeClr val="tx1"/>
-              </a:solidFill>
-              <a:headEnd type="none" w="lg" len="lg"/>
-              <a:tailEnd type="triangle" w="lg" len="lg"/>
-            </a:ln>
-          </p:spPr>
-          <p:style>
-            <a:lnRef idx="1">
-              <a:schemeClr val="accent1"/>
-            </a:lnRef>
-            <a:fillRef idx="0">
-              <a:schemeClr val="accent1"/>
-            </a:fillRef>
-            <a:effectRef idx="0">
-              <a:schemeClr val="accent1"/>
-            </a:effectRef>
-            <a:fontRef idx="minor">
-              <a:schemeClr val="tx1"/>
-            </a:fontRef>
-          </p:style>
-        </p:cxnSp>
-        <p:cxnSp>
-          <p:nvCxnSpPr>
-            <p:cNvPr id="136" name="Straight Arrow Connector 135">
-              <a:extLst>
-                <a:ext uri="{FF2B5EF4-FFF2-40B4-BE49-F238E27FC236}">
-                  <a16:creationId xmlns:a16="http://schemas.microsoft.com/office/drawing/2014/main" id="{8E6AE46B-5EEA-42AB-B9EB-0BD692356981}"/>
-                </a:ext>
-              </a:extLst>
-            </p:cNvPr>
-            <p:cNvCxnSpPr/>
-            <p:nvPr/>
-          </p:nvCxnSpPr>
-          <p:spPr>
-            <a:xfrm rot="10800000" flipV="1">
-              <a:off x="3253741" y="1609723"/>
-              <a:ext cx="714377" cy="495301"/>
-            </a:xfrm>
-            <a:prstGeom prst="straightConnector1">
-              <a:avLst/>
-            </a:prstGeom>
-            <a:ln w="19050">
-              <a:solidFill>
-                <a:srgbClr val="FFFF00"/>
-              </a:solidFill>
-              <a:headEnd type="oval" w="lg" len="lg"/>
-              <a:tailEnd type="triangle" w="lg" len="lg"/>
-            </a:ln>
-          </p:spPr>
-          <p:style>
-            <a:lnRef idx="1">
-              <a:schemeClr val="accent1"/>
-            </a:lnRef>
-            <a:fillRef idx="0">
-              <a:schemeClr val="accent1"/>
-            </a:fillRef>
-            <a:effectRef idx="0">
-              <a:schemeClr val="accent1"/>
-            </a:effectRef>
-            <a:fontRef idx="minor">
-              <a:schemeClr val="tx1"/>
-            </a:fontRef>
-          </p:style>
-        </p:cxnSp>
+              </a:fontRef>
+            </p:style>
+          </p:cxnSp>
+        </p:grpSp>
       </p:grpSp>
-      <p:sp>
-        <p:nvSpPr>
-          <p:cNvPr id="137" name="Isosceles Triangle 136">
+      <p:cxnSp>
+        <p:nvCxnSpPr>
+          <p:cNvPr id="232" name="Straight Arrow Connector 231">
             <a:extLst>
               <a:ext uri="{FF2B5EF4-FFF2-40B4-BE49-F238E27FC236}">
-                <a16:creationId xmlns:a16="http://schemas.microsoft.com/office/drawing/2014/main" id="{C8A27F9C-953A-4BA3-B311-249A3D3B6C70}"/>
+                <a16:creationId xmlns:a16="http://schemas.microsoft.com/office/drawing/2014/main" id="{801CC17C-7536-4D4B-86CC-430A6AC55E7F}"/>
               </a:ext>
             </a:extLst>
           </p:cNvPr>
-          <p:cNvSpPr/>
-          <p:nvPr/>
-        </p:nvSpPr>
-        <p:spPr>
-          <a:xfrm rot="20249607">
-            <a:off x="9890918" y="5590815"/>
-            <a:ext cx="1586726" cy="858542"/>
-          </a:xfrm>
-          <a:prstGeom prst="triangle">
-            <a:avLst>
-              <a:gd name="adj" fmla="val 50919"/>
-            </a:avLst>
-          </a:prstGeom>
-          <a:ln>
-            <a:solidFill>
-              <a:schemeClr val="tx1"/>
-            </a:solidFill>
-          </a:ln>
-        </p:spPr>
-        <p:style>
-          <a:lnRef idx="2">
-            <a:schemeClr val="accent1">
-              <a:shade val="50000"/>
-            </a:schemeClr>
-          </a:lnRef>
-          <a:fillRef idx="1">
-            <a:schemeClr val="accent1"/>
-          </a:fillRef>
-          <a:effectRef idx="0">
-            <a:schemeClr val="accent1"/>
-          </a:effectRef>
-          <a:fontRef idx="minor">
-            <a:schemeClr val="lt1"/>
-          </a:fontRef>
-        </p:style>
-        <p:txBody>
-          <a:bodyPr rtlCol="0" anchor="ctr"/>
-          <a:lstStyle/>
-          <a:p>
-            <a:pPr algn="ctr"/>
-            <a:endParaRPr lang="en-GB"/>
-          </a:p>
-        </p:txBody>
-      </p:sp>
-      <p:sp>
-        <p:nvSpPr>
-          <p:cNvPr id="138" name="Isosceles Triangle 137">
-            <a:extLst>
-              <a:ext uri="{FF2B5EF4-FFF2-40B4-BE49-F238E27FC236}">
-                <a16:creationId xmlns:a16="http://schemas.microsoft.com/office/drawing/2014/main" id="{12954500-F7BE-4B01-BFD5-2633CED17084}"/>
-              </a:ext>
-            </a:extLst>
-          </p:cNvPr>
-          <p:cNvSpPr/>
-          <p:nvPr/>
-        </p:nvSpPr>
-        <p:spPr>
-          <a:xfrm rot="3027863">
-            <a:off x="9896678" y="5600880"/>
-            <a:ext cx="757326" cy="1011766"/>
-          </a:xfrm>
-          <a:prstGeom prst="triangle">
-            <a:avLst>
-              <a:gd name="adj" fmla="val 21130"/>
-            </a:avLst>
-          </a:prstGeom>
-          <a:solidFill>
-            <a:schemeClr val="accent1">
-              <a:lumMod val="75000"/>
-            </a:schemeClr>
-          </a:solidFill>
-          <a:ln>
-            <a:solidFill>
-              <a:schemeClr val="tx1"/>
-            </a:solidFill>
-          </a:ln>
-        </p:spPr>
-        <p:style>
-          <a:lnRef idx="2">
-            <a:schemeClr val="accent1">
-              <a:shade val="50000"/>
-            </a:schemeClr>
-          </a:lnRef>
-          <a:fillRef idx="1">
-            <a:schemeClr val="accent1"/>
-          </a:fillRef>
-          <a:effectRef idx="0">
-            <a:schemeClr val="accent1"/>
-          </a:effectRef>
-          <a:fontRef idx="minor">
-            <a:schemeClr val="lt1"/>
-          </a:fontRef>
-        </p:style>
-        <p:txBody>
-          <a:bodyPr rtlCol="0" anchor="ctr"/>
-          <a:lstStyle/>
-          <a:p>
-            <a:pPr algn="ctr"/>
-            <a:endParaRPr lang="en-GB"/>
-          </a:p>
-        </p:txBody>
-      </p:sp>
-      <p:cxnSp>
-        <p:nvCxnSpPr>
-          <p:cNvPr id="139" name="Straight Arrow Connector 138">
-            <a:extLst>
-              <a:ext uri="{FF2B5EF4-FFF2-40B4-BE49-F238E27FC236}">
-                <a16:creationId xmlns:a16="http://schemas.microsoft.com/office/drawing/2014/main" id="{6434EB92-5B43-44D5-BFDF-8A445E7F6440}"/>
-              </a:ext>
-            </a:extLst>
-          </p:cNvPr>
-          <p:cNvCxnSpPr/>
+          <p:cNvCxnSpPr>
+            <a:cxnSpLocks/>
+          </p:cNvCxnSpPr>
           <p:nvPr/>
         </p:nvCxnSpPr>
         <p:spPr>
-          <a:xfrm rot="5400000" flipH="1" flipV="1">
-            <a:off x="10434233" y="5302856"/>
-            <a:ext cx="414370" cy="215260"/>
+          <a:xfrm flipH="1" flipV="1">
+            <a:off x="8981583" y="428539"/>
+            <a:ext cx="506776" cy="347456"/>
           </a:xfrm>
           <a:prstGeom prst="straightConnector1">
             <a:avLst/>
           </a:prstGeom>
           <a:ln w="19050">
             <a:solidFill>
-              <a:schemeClr val="tx1"/>
+              <a:srgbClr val="0070C0"/>
             </a:solidFill>
-            <a:headEnd type="none" w="lg" len="lg"/>
-            <a:tailEnd type="triangle" w="lg" len="lg"/>
+            <a:tailEnd type="arrow"/>
           </a:ln>
         </p:spPr>
         <p:style>
@@ -46848,30 +47960,167 @@
       </p:cxnSp>
       <p:cxnSp>
         <p:nvCxnSpPr>
-          <p:cNvPr id="140" name="Straight Arrow Connector 139">
+          <p:cNvPr id="233" name="Straight Arrow Connector 232">
             <a:extLst>
               <a:ext uri="{FF2B5EF4-FFF2-40B4-BE49-F238E27FC236}">
-                <a16:creationId xmlns:a16="http://schemas.microsoft.com/office/drawing/2014/main" id="{37B3E3C9-F2DE-495C-8E69-F434B5CD3808}"/>
+                <a16:creationId xmlns:a16="http://schemas.microsoft.com/office/drawing/2014/main" id="{C43A0926-58D9-475E-BC95-D3544B649B07}"/>
               </a:ext>
             </a:extLst>
           </p:cNvPr>
-          <p:cNvCxnSpPr/>
+          <p:cNvCxnSpPr>
+            <a:cxnSpLocks/>
+          </p:cNvCxnSpPr>
           <p:nvPr/>
         </p:nvCxnSpPr>
         <p:spPr>
-          <a:xfrm rot="10800000">
-            <a:off x="10434725" y="5184253"/>
-            <a:ext cx="91557" cy="441197"/>
+          <a:xfrm flipH="1" flipV="1">
+            <a:off x="7970197" y="637691"/>
+            <a:ext cx="268554" cy="467211"/>
           </a:xfrm>
           <a:prstGeom prst="straightConnector1">
             <a:avLst/>
           </a:prstGeom>
           <a:ln w="19050">
             <a:solidFill>
+              <a:srgbClr val="0070C0"/>
+            </a:solidFill>
+            <a:tailEnd type="arrow"/>
+          </a:ln>
+        </p:spPr>
+        <p:style>
+          <a:lnRef idx="1">
+            <a:schemeClr val="accent1"/>
+          </a:lnRef>
+          <a:fillRef idx="0">
+            <a:schemeClr val="accent1"/>
+          </a:fillRef>
+          <a:effectRef idx="0">
+            <a:schemeClr val="accent1"/>
+          </a:effectRef>
+          <a:fontRef idx="minor">
+            <a:schemeClr val="tx1"/>
+          </a:fontRef>
+        </p:style>
+      </p:cxnSp>
+      <p:sp>
+        <p:nvSpPr>
+          <p:cNvPr id="13" name="Right Brace 12">
+            <a:extLst>
+              <a:ext uri="{FF2B5EF4-FFF2-40B4-BE49-F238E27FC236}">
+                <a16:creationId xmlns:a16="http://schemas.microsoft.com/office/drawing/2014/main" id="{123C10A6-3111-4866-819D-7EB556FB53C9}"/>
+              </a:ext>
+            </a:extLst>
+          </p:cNvPr>
+          <p:cNvSpPr/>
+          <p:nvPr/>
+        </p:nvSpPr>
+        <p:spPr>
+          <a:xfrm rot="2795191">
+            <a:off x="10124171" y="2131313"/>
+            <a:ext cx="231487" cy="386078"/>
+          </a:xfrm>
+          <a:prstGeom prst="rightBrace">
+            <a:avLst/>
+          </a:prstGeom>
+          <a:ln>
+            <a:solidFill>
               <a:schemeClr val="tx1"/>
             </a:solidFill>
-            <a:headEnd type="none" w="lg" len="lg"/>
-            <a:tailEnd type="triangle" w="lg" len="lg"/>
+          </a:ln>
+        </p:spPr>
+        <p:style>
+          <a:lnRef idx="1">
+            <a:schemeClr val="accent1"/>
+          </a:lnRef>
+          <a:fillRef idx="0">
+            <a:schemeClr val="accent1"/>
+          </a:fillRef>
+          <a:effectRef idx="0">
+            <a:schemeClr val="accent1"/>
+          </a:effectRef>
+          <a:fontRef idx="minor">
+            <a:schemeClr val="tx1"/>
+          </a:fontRef>
+        </p:style>
+        <p:txBody>
+          <a:bodyPr rtlCol="0" anchor="ctr"/>
+          <a:lstStyle/>
+          <a:p>
+            <a:pPr algn="ctr"/>
+            <a:endParaRPr lang="en-GB"/>
+          </a:p>
+        </p:txBody>
+      </p:sp>
+      <p:sp>
+        <p:nvSpPr>
+          <p:cNvPr id="14" name="Rectangle 13">
+            <a:extLst>
+              <a:ext uri="{FF2B5EF4-FFF2-40B4-BE49-F238E27FC236}">
+                <a16:creationId xmlns:a16="http://schemas.microsoft.com/office/drawing/2014/main" id="{8BF76AE1-5AC1-4C6F-B966-63384528EE78}"/>
+              </a:ext>
+            </a:extLst>
+          </p:cNvPr>
+          <p:cNvSpPr/>
+          <p:nvPr/>
+        </p:nvSpPr>
+        <p:spPr>
+          <a:xfrm>
+            <a:off x="10321330" y="2436062"/>
+            <a:ext cx="1870670" cy="1169551"/>
+          </a:xfrm>
+          <a:prstGeom prst="rect">
+            <a:avLst/>
+          </a:prstGeom>
+        </p:spPr>
+        <p:txBody>
+          <a:bodyPr wrap="square">
+            <a:spAutoFit/>
+          </a:bodyPr>
+          <a:lstStyle/>
+          <a:p>
+            <a:r>
+              <a:rPr lang="en-GB" sz="1400" dirty="0"/>
+              <a:t>These </a:t>
+            </a:r>
+            <a:r>
+              <a:rPr lang="en-GB" sz="1400" dirty="0" err="1"/>
+              <a:t>normals</a:t>
+            </a:r>
+            <a:r>
+              <a:rPr lang="en-GB" sz="1400" dirty="0"/>
+              <a:t> need to be identical to appear “smooth” (gap added for illustration purposes)</a:t>
+            </a:r>
+          </a:p>
+        </p:txBody>
+      </p:sp>
+      <p:cxnSp>
+        <p:nvCxnSpPr>
+          <p:cNvPr id="243" name="Straight Arrow Connector 242">
+            <a:extLst>
+              <a:ext uri="{FF2B5EF4-FFF2-40B4-BE49-F238E27FC236}">
+                <a16:creationId xmlns:a16="http://schemas.microsoft.com/office/drawing/2014/main" id="{461AC104-E5FE-4B35-9384-F1BC4422EEED}"/>
+              </a:ext>
+            </a:extLst>
+          </p:cNvPr>
+          <p:cNvCxnSpPr>
+            <a:cxnSpLocks/>
+          </p:cNvCxnSpPr>
+          <p:nvPr/>
+        </p:nvCxnSpPr>
+        <p:spPr>
+          <a:xfrm flipV="1">
+            <a:off x="9181495" y="1556429"/>
+            <a:ext cx="352761" cy="21018"/>
+          </a:xfrm>
+          <a:prstGeom prst="straightConnector1">
+            <a:avLst/>
+          </a:prstGeom>
+          <a:ln>
+            <a:solidFill>
+              <a:schemeClr val="tx1"/>
+            </a:solidFill>
+            <a:prstDash val="sysDash"/>
+            <a:tailEnd type="none"/>
           </a:ln>
         </p:spPr>
         <p:style>
@@ -46891,30 +48140,32 @@
       </p:cxnSp>
       <p:cxnSp>
         <p:nvCxnSpPr>
-          <p:cNvPr id="141" name="Straight Arrow Connector 140">
+          <p:cNvPr id="244" name="Straight Arrow Connector 243">
             <a:extLst>
               <a:ext uri="{FF2B5EF4-FFF2-40B4-BE49-F238E27FC236}">
-                <a16:creationId xmlns:a16="http://schemas.microsoft.com/office/drawing/2014/main" id="{AC0321A6-938C-477D-B532-08687D3FFF0D}"/>
+                <a16:creationId xmlns:a16="http://schemas.microsoft.com/office/drawing/2014/main" id="{47745D98-A6E4-4D76-AF6F-12DBB5300108}"/>
               </a:ext>
             </a:extLst>
           </p:cNvPr>
-          <p:cNvCxnSpPr/>
+          <p:cNvCxnSpPr>
+            <a:cxnSpLocks/>
+          </p:cNvCxnSpPr>
           <p:nvPr/>
         </p:nvCxnSpPr>
         <p:spPr>
-          <a:xfrm rot="10800000" flipV="1">
-            <a:off x="11183390" y="5269975"/>
-            <a:ext cx="714377" cy="495301"/>
+          <a:xfrm>
+            <a:off x="8659870" y="1152168"/>
+            <a:ext cx="484130" cy="30320"/>
           </a:xfrm>
           <a:prstGeom prst="straightConnector1">
             <a:avLst/>
           </a:prstGeom>
-          <a:ln w="19050">
+          <a:ln>
             <a:solidFill>
-              <a:srgbClr val="FFFF00"/>
+              <a:schemeClr val="tx1"/>
             </a:solidFill>
-            <a:headEnd type="oval" w="lg" len="lg"/>
-            <a:tailEnd type="triangle" w="lg" len="lg"/>
+            <a:prstDash val="sysDash"/>
+            <a:tailEnd type="none"/>
           </a:ln>
         </p:spPr>
         <p:style>
@@ -46934,30 +48185,32 @@
       </p:cxnSp>
       <p:cxnSp>
         <p:nvCxnSpPr>
-          <p:cNvPr id="142" name="Straight Arrow Connector 141">
+          <p:cNvPr id="302" name="Straight Arrow Connector 301">
             <a:extLst>
               <a:ext uri="{FF2B5EF4-FFF2-40B4-BE49-F238E27FC236}">
-                <a16:creationId xmlns:a16="http://schemas.microsoft.com/office/drawing/2014/main" id="{B781ECCB-7B8B-4CA2-83D8-88DFB74774D7}"/>
+                <a16:creationId xmlns:a16="http://schemas.microsoft.com/office/drawing/2014/main" id="{F95F154F-65F0-4E4D-A53F-A72222B62500}"/>
               </a:ext>
             </a:extLst>
           </p:cNvPr>
-          <p:cNvCxnSpPr/>
+          <p:cNvCxnSpPr>
+            <a:cxnSpLocks/>
+          </p:cNvCxnSpPr>
           <p:nvPr/>
         </p:nvCxnSpPr>
         <p:spPr>
-          <a:xfrm rot="5400000" flipH="1" flipV="1">
-            <a:off x="11472458" y="5807681"/>
-            <a:ext cx="414370" cy="215260"/>
+          <a:xfrm flipV="1">
+            <a:off x="10029964" y="2106259"/>
+            <a:ext cx="71715" cy="66980"/>
           </a:xfrm>
           <a:prstGeom prst="straightConnector1">
             <a:avLst/>
           </a:prstGeom>
-          <a:ln w="19050">
+          <a:ln>
             <a:solidFill>
               <a:schemeClr val="tx1"/>
             </a:solidFill>
-            <a:headEnd type="none" w="lg" len="lg"/>
-            <a:tailEnd type="triangle" w="lg" len="lg"/>
+            <a:prstDash val="sysDash"/>
+            <a:tailEnd type="none"/>
           </a:ln>
         </p:spPr>
         <p:style>
@@ -46975,135 +48228,109 @@
           </a:fontRef>
         </p:style>
       </p:cxnSp>
-      <p:cxnSp>
-        <p:nvCxnSpPr>
-          <p:cNvPr id="143" name="Straight Arrow Connector 142">
+      <p:sp>
+        <p:nvSpPr>
+          <p:cNvPr id="304" name="Rectangle 303">
             <a:extLst>
               <a:ext uri="{FF2B5EF4-FFF2-40B4-BE49-F238E27FC236}">
-                <a16:creationId xmlns:a16="http://schemas.microsoft.com/office/drawing/2014/main" id="{93E929B2-896C-4D84-9476-A080187C24F3}"/>
+                <a16:creationId xmlns:a16="http://schemas.microsoft.com/office/drawing/2014/main" id="{5A483918-7C90-4FA8-9C53-D9B4E39D296D}"/>
               </a:ext>
             </a:extLst>
           </p:cNvPr>
-          <p:cNvCxnSpPr/>
+          <p:cNvSpPr/>
           <p:nvPr/>
-        </p:nvCxnSpPr>
-        <p:spPr>
-          <a:xfrm rot="5400000" flipH="1" flipV="1">
-            <a:off x="10034183" y="6407756"/>
-            <a:ext cx="414370" cy="215260"/>
-          </a:xfrm>
-          <a:prstGeom prst="straightConnector1">
+        </p:nvSpPr>
+        <p:spPr>
+          <a:xfrm>
+            <a:off x="6808385" y="5307140"/>
+            <a:ext cx="533539" cy="400110"/>
+          </a:xfrm>
+          <a:prstGeom prst="rect">
             <a:avLst/>
           </a:prstGeom>
-          <a:ln w="19050">
-            <a:solidFill>
-              <a:schemeClr val="tx1"/>
-            </a:solidFill>
-            <a:headEnd type="none" w="lg" len="lg"/>
-            <a:tailEnd type="triangle" w="lg" len="lg"/>
-          </a:ln>
-        </p:spPr>
-        <p:style>
-          <a:lnRef idx="1">
-            <a:schemeClr val="accent1"/>
-          </a:lnRef>
-          <a:fillRef idx="0">
-            <a:schemeClr val="accent1"/>
-          </a:fillRef>
-          <a:effectRef idx="0">
-            <a:schemeClr val="accent1"/>
-          </a:effectRef>
-          <a:fontRef idx="minor">
-            <a:schemeClr val="tx1"/>
-          </a:fontRef>
-        </p:style>
-      </p:cxnSp>
-      <p:cxnSp>
-        <p:nvCxnSpPr>
-          <p:cNvPr id="144" name="Straight Arrow Connector 143">
+        </p:spPr>
+        <p:txBody>
+          <a:bodyPr wrap="square">
+            <a:spAutoFit/>
+          </a:bodyPr>
+          <a:lstStyle/>
+          <a:p>
+            <a:r>
+              <a:rPr lang="en-GB" dirty="0">
+                <a:latin typeface="Candara" pitchFamily="34" charset="0"/>
+              </a:rPr>
+              <a:t>4</a:t>
+            </a:r>
+            <a:endParaRPr lang="en-GB" sz="4400" dirty="0"/>
+          </a:p>
+        </p:txBody>
+      </p:sp>
+      <p:sp>
+        <p:nvSpPr>
+          <p:cNvPr id="305" name="Rounded Rectangular Callout 4">
             <a:extLst>
               <a:ext uri="{FF2B5EF4-FFF2-40B4-BE49-F238E27FC236}">
-                <a16:creationId xmlns:a16="http://schemas.microsoft.com/office/drawing/2014/main" id="{AA83006E-C383-44DE-BF6F-73B1E7C3CB9C}"/>
+                <a16:creationId xmlns:a16="http://schemas.microsoft.com/office/drawing/2014/main" id="{20830E2D-9DDE-4D7A-B09C-82846F05834B}"/>
               </a:ext>
             </a:extLst>
           </p:cNvPr>
-          <p:cNvCxnSpPr/>
+          <p:cNvSpPr/>
           <p:nvPr/>
-        </p:nvCxnSpPr>
-        <p:spPr>
-          <a:xfrm rot="10800000">
-            <a:off x="9548900" y="5689078"/>
-            <a:ext cx="91557" cy="441197"/>
-          </a:xfrm>
-          <a:prstGeom prst="straightConnector1">
-            <a:avLst/>
+        </p:nvSpPr>
+        <p:spPr>
+          <a:xfrm>
+            <a:off x="7593986" y="6048301"/>
+            <a:ext cx="3273966" cy="625128"/>
+          </a:xfrm>
+          <a:prstGeom prst="wedgeRoundRectCallout">
+            <a:avLst>
+              <a:gd name="adj1" fmla="val -95803"/>
+              <a:gd name="adj2" fmla="val 22141"/>
+              <a:gd name="adj3" fmla="val 16667"/>
+            </a:avLst>
           </a:prstGeom>
-          <a:ln w="19050">
+          <a:solidFill>
+            <a:schemeClr val="accent3"/>
+          </a:solidFill>
+          <a:ln>
             <a:solidFill>
-              <a:schemeClr val="tx1"/>
+              <a:schemeClr val="tx2"/>
             </a:solidFill>
-            <a:headEnd type="none" w="lg" len="lg"/>
-            <a:tailEnd type="triangle" w="lg" len="lg"/>
           </a:ln>
         </p:spPr>
         <p:style>
-          <a:lnRef idx="1">
-            <a:schemeClr val="accent1"/>
+          <a:lnRef idx="2">
+            <a:schemeClr val="accent1">
+              <a:shade val="50000"/>
+            </a:schemeClr>
           </a:lnRef>
-          <a:fillRef idx="0">
+          <a:fillRef idx="1">
             <a:schemeClr val="accent1"/>
           </a:fillRef>
           <a:effectRef idx="0">
             <a:schemeClr val="accent1"/>
           </a:effectRef>
           <a:fontRef idx="minor">
-            <a:schemeClr val="tx1"/>
+            <a:schemeClr val="lt1"/>
           </a:fontRef>
         </p:style>
-      </p:cxnSp>
-      <p:cxnSp>
-        <p:nvCxnSpPr>
-          <p:cNvPr id="147" name="Straight Arrow Connector 146">
-            <a:extLst>
-              <a:ext uri="{FF2B5EF4-FFF2-40B4-BE49-F238E27FC236}">
-                <a16:creationId xmlns:a16="http://schemas.microsoft.com/office/drawing/2014/main" id="{EE1E2765-0022-450E-AEC6-C3789FD0F4BD}"/>
-              </a:ext>
-            </a:extLst>
-          </p:cNvPr>
-          <p:cNvCxnSpPr/>
-          <p:nvPr/>
-        </p:nvCxnSpPr>
-        <p:spPr>
-          <a:xfrm rot="10800000">
-            <a:off x="10034675" y="6251053"/>
-            <a:ext cx="91557" cy="441197"/>
-          </a:xfrm>
-          <a:prstGeom prst="straightConnector1">
-            <a:avLst/>
-          </a:prstGeom>
-          <a:ln w="19050">
-            <a:solidFill>
-              <a:schemeClr val="tx1"/>
-            </a:solidFill>
-            <a:headEnd type="none" w="lg" len="lg"/>
-            <a:tailEnd type="triangle" w="lg" len="lg"/>
-          </a:ln>
-        </p:spPr>
-        <p:style>
-          <a:lnRef idx="1">
-            <a:schemeClr val="accent1"/>
-          </a:lnRef>
-          <a:fillRef idx="0">
-            <a:schemeClr val="accent1"/>
-          </a:fillRef>
-          <a:effectRef idx="0">
-            <a:schemeClr val="accent1"/>
-          </a:effectRef>
-          <a:fontRef idx="minor">
-            <a:schemeClr val="tx1"/>
-          </a:fontRef>
-        </p:style>
-      </p:cxnSp>
+        <p:txBody>
+          <a:bodyPr rtlCol="0" anchor="ctr"/>
+          <a:lstStyle/>
+          <a:p>
+            <a:pPr marL="0" lvl="2" algn="ctr"/>
+            <a:r>
+              <a:rPr lang="en-GB" dirty="0">
+                <a:solidFill>
+                  <a:schemeClr val="tx1"/>
+                </a:solidFill>
+              </a:rPr>
+              <a:t>You’ll need to cope with edge cases (e.g. v=0, v&gt;20)</a:t>
+            </a:r>
+            <a:endParaRPr lang="en-GB" dirty="0"/>
+          </a:p>
+        </p:txBody>
+      </p:sp>
     </p:spTree>
   </p:cSld>
   <p:clrMapOvr>
@@ -47324,6 +48551,921 @@
     <p:extLst>
       <p:ext uri="{BB962C8B-B14F-4D97-AF65-F5344CB8AC3E}">
         <p14:creationId xmlns:p14="http://schemas.microsoft.com/office/powerpoint/2010/main" val="2235714605"/>
+      </p:ext>
+    </p:extLst>
+  </p:cSld>
+  <p:clrMapOvr>
+    <a:masterClrMapping/>
+  </p:clrMapOvr>
+</p:sld>
+</file>
+
+<file path=ppt/slides/slide49.xml><?xml version="1.0" encoding="utf-8"?>
+<p:sld xmlns:a="http://schemas.openxmlformats.org/drawingml/2006/main" xmlns:r="http://schemas.openxmlformats.org/officeDocument/2006/relationships" xmlns:p="http://schemas.openxmlformats.org/presentationml/2006/main">
+  <p:cSld>
+    <p:spTree>
+      <p:nvGrpSpPr>
+        <p:cNvPr id="1" name=""/>
+        <p:cNvGrpSpPr/>
+        <p:nvPr/>
+      </p:nvGrpSpPr>
+      <p:grpSpPr>
+        <a:xfrm>
+          <a:off x="0" y="0"/>
+          <a:ext cx="0" cy="0"/>
+          <a:chOff x="0" y="0"/>
+          <a:chExt cx="0" cy="0"/>
+        </a:xfrm>
+      </p:grpSpPr>
+      <p:sp>
+        <p:nvSpPr>
+          <p:cNvPr id="3" name="Content Placeholder 2"/>
+          <p:cNvSpPr>
+            <a:spLocks noGrp="1"/>
+          </p:cNvSpPr>
+          <p:nvPr>
+            <p:ph idx="1"/>
+          </p:nvPr>
+        </p:nvSpPr>
+        <p:spPr>
+          <a:xfrm>
+            <a:off x="1854437" y="1600201"/>
+            <a:ext cx="8575439" cy="4867275"/>
+          </a:xfrm>
+        </p:spPr>
+        <p:txBody>
+          <a:bodyPr/>
+          <a:lstStyle/>
+          <a:p>
+            <a:pPr lvl="0">
+              <a:defRPr/>
+            </a:pPr>
+            <a:r>
+              <a:rPr lang="en-GB" dirty="0">
+                <a:latin typeface="Candara" pitchFamily="34" charset="0"/>
+              </a:rPr>
+              <a:t>Heightmap.cpp</a:t>
+            </a:r>
+          </a:p>
+          <a:p>
+            <a:pPr lvl="1">
+              <a:buClr>
+                <a:srgbClr val="002060"/>
+              </a:buClr>
+              <a:defRPr/>
+            </a:pPr>
+            <a:r>
+              <a:rPr lang="en-GB" dirty="0">
+                <a:latin typeface="Candara" pitchFamily="34" charset="0"/>
+              </a:rPr>
+              <a:t>Bug in </a:t>
+            </a:r>
+            <a:r>
+              <a:rPr lang="en-GB" dirty="0" err="1"/>
+              <a:t>LoadHeightMap</a:t>
+            </a:r>
+            <a:endParaRPr lang="en-GB" b="0" u="sng" dirty="0">
+              <a:latin typeface="Candara" pitchFamily="34" charset="0"/>
+            </a:endParaRPr>
+          </a:p>
+          <a:p>
+            <a:pPr lvl="2"/>
+            <a:r>
+              <a:rPr lang="en-GB" dirty="0"/>
+              <a:t>What we’ve told you about clockwise winding </a:t>
+            </a:r>
+            <a:br>
+              <a:rPr lang="en-GB" dirty="0"/>
+            </a:br>
+            <a:r>
+              <a:rPr lang="en-GB" dirty="0"/>
+              <a:t>orders is correct....</a:t>
+            </a:r>
+          </a:p>
+          <a:p>
+            <a:pPr lvl="2"/>
+            <a:r>
+              <a:rPr lang="en-GB" dirty="0"/>
+              <a:t>But there is a bug in </a:t>
+            </a:r>
+            <a:r>
+              <a:rPr lang="en-GB" dirty="0" err="1"/>
+              <a:t>LoadHeightMap</a:t>
+            </a:r>
+            <a:r>
+              <a:rPr lang="en-GB" dirty="0"/>
+              <a:t>!</a:t>
+            </a:r>
+          </a:p>
+          <a:p>
+            <a:pPr lvl="2"/>
+            <a:r>
+              <a:rPr lang="en-GB" dirty="0"/>
+              <a:t>Bitmaps store data from bottom to top!</a:t>
+            </a:r>
+          </a:p>
+          <a:p>
+            <a:pPr lvl="2"/>
+            <a:r>
+              <a:rPr lang="en-GB" dirty="0"/>
+              <a:t>So the entire mesh needs to be flipped: </a:t>
+            </a:r>
+          </a:p>
+          <a:p>
+            <a:pPr lvl="2"/>
+            <a:endParaRPr lang="en-GB" dirty="0"/>
+          </a:p>
+          <a:p>
+            <a:pPr lvl="2"/>
+            <a:endParaRPr lang="en-GB" dirty="0"/>
+          </a:p>
+          <a:p>
+            <a:pPr lvl="3">
+              <a:buNone/>
+            </a:pPr>
+            <a:endParaRPr lang="en-GB" dirty="0"/>
+          </a:p>
+          <a:p>
+            <a:pPr lvl="3">
+              <a:buNone/>
+            </a:pPr>
+            <a:endParaRPr lang="en-GB" dirty="0"/>
+          </a:p>
+          <a:p>
+            <a:pPr lvl="2"/>
+            <a:endParaRPr lang="en-GB" dirty="0"/>
+          </a:p>
+          <a:p>
+            <a:pPr lvl="2"/>
+            <a:endParaRPr lang="en-GB" dirty="0"/>
+          </a:p>
+          <a:p>
+            <a:pPr lvl="2"/>
+            <a:endParaRPr lang="en-GB" dirty="0"/>
+          </a:p>
+          <a:p>
+            <a:pPr lvl="2"/>
+            <a:endParaRPr lang="en-GB" dirty="0">
+              <a:solidFill>
+                <a:srgbClr val="006600"/>
+              </a:solidFill>
+              <a:latin typeface="Consolas" pitchFamily="49" charset="0"/>
+              <a:cs typeface="Consolas" pitchFamily="49" charset="0"/>
+            </a:endParaRPr>
+          </a:p>
+          <a:p>
+            <a:pPr lvl="3"/>
+            <a:endParaRPr lang="en-GB" dirty="0">
+              <a:solidFill>
+                <a:srgbClr val="006600"/>
+              </a:solidFill>
+              <a:latin typeface="Consolas" pitchFamily="49" charset="0"/>
+              <a:cs typeface="Consolas" pitchFamily="49" charset="0"/>
+            </a:endParaRPr>
+          </a:p>
+          <a:p>
+            <a:pPr lvl="3"/>
+            <a:endParaRPr lang="en-GB" dirty="0">
+              <a:solidFill>
+                <a:srgbClr val="006600"/>
+              </a:solidFill>
+              <a:latin typeface="Consolas" pitchFamily="49" charset="0"/>
+              <a:cs typeface="Consolas" pitchFamily="49" charset="0"/>
+            </a:endParaRPr>
+          </a:p>
+          <a:p>
+            <a:pPr lvl="2">
+              <a:buNone/>
+            </a:pPr>
+            <a:endParaRPr lang="en-GB" dirty="0"/>
+          </a:p>
+        </p:txBody>
+      </p:sp>
+      <p:sp>
+        <p:nvSpPr>
+          <p:cNvPr id="2" name="Title 1"/>
+          <p:cNvSpPr>
+            <a:spLocks noGrp="1"/>
+          </p:cNvSpPr>
+          <p:nvPr>
+            <p:ph type="title"/>
+          </p:nvPr>
+        </p:nvSpPr>
+        <p:spPr>
+          <a:xfrm>
+            <a:off x="1854437" y="274638"/>
+            <a:ext cx="10072520" cy="1143000"/>
+          </a:xfrm>
+        </p:spPr>
+        <p:txBody>
+          <a:bodyPr/>
+          <a:lstStyle/>
+          <a:p>
+            <a:r>
+              <a:rPr lang="en-GB" dirty="0"/>
+              <a:t>Tutorial Code Errata</a:t>
+            </a:r>
+          </a:p>
+        </p:txBody>
+      </p:sp>
+      <p:pic>
+        <p:nvPicPr>
+          <p:cNvPr id="19" name="Picture 18">
+            <a:extLst>
+              <a:ext uri="{FF2B5EF4-FFF2-40B4-BE49-F238E27FC236}">
+                <a16:creationId xmlns:a16="http://schemas.microsoft.com/office/drawing/2014/main" id="{46A94C36-DB35-4C2B-B31E-ABF457A95BA5}"/>
+              </a:ext>
+            </a:extLst>
+          </p:cNvPr>
+          <p:cNvPicPr>
+            <a:picLocks noChangeAspect="1"/>
+          </p:cNvPicPr>
+          <p:nvPr/>
+        </p:nvPicPr>
+        <p:blipFill>
+          <a:blip r:embed="rId2"/>
+          <a:stretch>
+            <a:fillRect/>
+          </a:stretch>
+        </p:blipFill>
+        <p:spPr>
+          <a:xfrm flipV="1">
+            <a:off x="7278970" y="1600201"/>
+            <a:ext cx="4716476" cy="3375601"/>
+          </a:xfrm>
+          <a:prstGeom prst="rect">
+            <a:avLst/>
+          </a:prstGeom>
+        </p:spPr>
+      </p:pic>
+      <p:sp>
+        <p:nvSpPr>
+          <p:cNvPr id="24" name="Rectangle 23">
+            <a:extLst>
+              <a:ext uri="{FF2B5EF4-FFF2-40B4-BE49-F238E27FC236}">
+                <a16:creationId xmlns:a16="http://schemas.microsoft.com/office/drawing/2014/main" id="{13075FA0-BA7A-4FE3-BF14-0F21804EAE78}"/>
+              </a:ext>
+            </a:extLst>
+          </p:cNvPr>
+          <p:cNvSpPr/>
+          <p:nvPr/>
+        </p:nvSpPr>
+        <p:spPr>
+          <a:xfrm>
+            <a:off x="1762124" y="4395787"/>
+            <a:ext cx="8762288" cy="2462213"/>
+          </a:xfrm>
+          <a:prstGeom prst="rect">
+            <a:avLst/>
+          </a:prstGeom>
+        </p:spPr>
+        <p:txBody>
+          <a:bodyPr wrap="square">
+            <a:spAutoFit/>
+          </a:bodyPr>
+          <a:lstStyle/>
+          <a:p>
+            <a:r>
+              <a:rPr lang="en-GB" sz="1400" dirty="0">
+                <a:solidFill>
+                  <a:srgbClr val="0000FF"/>
+                </a:solidFill>
+                <a:latin typeface="Consolas" panose="020B0609020204030204" pitchFamily="49" charset="0"/>
+              </a:rPr>
+              <a:t>for</a:t>
+            </a:r>
+            <a:r>
+              <a:rPr lang="en-GB" sz="1400" dirty="0">
+                <a:solidFill>
+                  <a:srgbClr val="000000"/>
+                </a:solidFill>
+                <a:latin typeface="Consolas" panose="020B0609020204030204" pitchFamily="49" charset="0"/>
+              </a:rPr>
+              <a:t>(j = m_HeightMapLength-1; j &gt;= 0 ; j--) {</a:t>
+            </a:r>
+          </a:p>
+          <a:p>
+            <a:r>
+              <a:rPr lang="nn-NO" sz="1400" dirty="0">
+                <a:solidFill>
+                  <a:srgbClr val="0000FF"/>
+                </a:solidFill>
+                <a:latin typeface="Consolas" panose="020B0609020204030204" pitchFamily="49" charset="0"/>
+              </a:rPr>
+              <a:t>    for</a:t>
+            </a:r>
+            <a:r>
+              <a:rPr lang="nn-NO" sz="1400" dirty="0">
+                <a:solidFill>
+                  <a:srgbClr val="000000"/>
+                </a:solidFill>
+                <a:latin typeface="Consolas" panose="020B0609020204030204" pitchFamily="49" charset="0"/>
+              </a:rPr>
+              <a:t>(i = 0; i &lt; m_HeightMapWidth; i++)</a:t>
+            </a:r>
+            <a:r>
+              <a:rPr lang="en-GB" sz="1400" dirty="0">
+                <a:solidFill>
+                  <a:srgbClr val="000000"/>
+                </a:solidFill>
+                <a:latin typeface="Consolas" panose="020B0609020204030204" pitchFamily="49" charset="0"/>
+              </a:rPr>
+              <a:t> {</a:t>
+            </a:r>
+            <a:br>
+              <a:rPr lang="en-GB" sz="1400" dirty="0">
+                <a:solidFill>
+                  <a:srgbClr val="000000"/>
+                </a:solidFill>
+                <a:latin typeface="Consolas" panose="020B0609020204030204" pitchFamily="49" charset="0"/>
+              </a:rPr>
+            </a:br>
+            <a:endParaRPr lang="en-GB" sz="1400" dirty="0">
+              <a:solidFill>
+                <a:srgbClr val="000000"/>
+              </a:solidFill>
+              <a:latin typeface="Consolas" panose="020B0609020204030204" pitchFamily="49" charset="0"/>
+            </a:endParaRPr>
+          </a:p>
+          <a:p>
+            <a:r>
+              <a:rPr lang="en-GB" sz="1400" dirty="0">
+                <a:solidFill>
+                  <a:srgbClr val="000000"/>
+                </a:solidFill>
+                <a:latin typeface="Consolas" panose="020B0609020204030204" pitchFamily="49" charset="0"/>
+              </a:rPr>
+              <a:t>        height = </a:t>
+            </a:r>
+            <a:r>
+              <a:rPr lang="en-GB" sz="1400" dirty="0" err="1">
+                <a:solidFill>
+                  <a:srgbClr val="000000"/>
+                </a:solidFill>
+                <a:latin typeface="Consolas" panose="020B0609020204030204" pitchFamily="49" charset="0"/>
+              </a:rPr>
+              <a:t>bitmapImage</a:t>
+            </a:r>
+            <a:r>
+              <a:rPr lang="en-GB" sz="1400" dirty="0">
+                <a:solidFill>
+                  <a:srgbClr val="000000"/>
+                </a:solidFill>
+                <a:latin typeface="Consolas" panose="020B0609020204030204" pitchFamily="49" charset="0"/>
+              </a:rPr>
+              <a:t>[k];</a:t>
+            </a:r>
+          </a:p>
+          <a:p>
+            <a:r>
+              <a:rPr lang="en-GB" sz="1400" dirty="0">
+                <a:solidFill>
+                  <a:srgbClr val="000000"/>
+                </a:solidFill>
+                <a:latin typeface="Consolas" panose="020B0609020204030204" pitchFamily="49" charset="0"/>
+              </a:rPr>
+              <a:t>        index = (</a:t>
+            </a:r>
+            <a:r>
+              <a:rPr lang="en-GB" sz="1400" dirty="0" err="1">
+                <a:solidFill>
+                  <a:srgbClr val="000000"/>
+                </a:solidFill>
+                <a:latin typeface="Consolas" panose="020B0609020204030204" pitchFamily="49" charset="0"/>
+              </a:rPr>
+              <a:t>m_HeightMapLength</a:t>
+            </a:r>
+            <a:r>
+              <a:rPr lang="en-GB" sz="1400" dirty="0">
+                <a:solidFill>
+                  <a:srgbClr val="000000"/>
+                </a:solidFill>
+                <a:latin typeface="Consolas" panose="020B0609020204030204" pitchFamily="49" charset="0"/>
+              </a:rPr>
+              <a:t> * j) + </a:t>
+            </a:r>
+            <a:r>
+              <a:rPr lang="en-GB" sz="1400" dirty="0" err="1">
+                <a:solidFill>
+                  <a:srgbClr val="000000"/>
+                </a:solidFill>
+                <a:latin typeface="Consolas" panose="020B0609020204030204" pitchFamily="49" charset="0"/>
+              </a:rPr>
+              <a:t>i</a:t>
+            </a:r>
+            <a:r>
+              <a:rPr lang="en-GB" sz="1400" dirty="0">
+                <a:solidFill>
+                  <a:srgbClr val="000000"/>
+                </a:solidFill>
+                <a:latin typeface="Consolas" panose="020B0609020204030204" pitchFamily="49" charset="0"/>
+              </a:rPr>
+              <a:t>;</a:t>
+            </a:r>
+          </a:p>
+          <a:p>
+            <a:r>
+              <a:rPr lang="en-GB" sz="1400" dirty="0">
+                <a:solidFill>
+                  <a:srgbClr val="000000"/>
+                </a:solidFill>
+                <a:latin typeface="Consolas" panose="020B0609020204030204" pitchFamily="49" charset="0"/>
+              </a:rPr>
+              <a:t>        </a:t>
+            </a:r>
+            <a:r>
+              <a:rPr lang="en-GB" sz="1400" dirty="0" err="1">
+                <a:solidFill>
+                  <a:srgbClr val="000000"/>
+                </a:solidFill>
+                <a:latin typeface="Consolas" panose="020B0609020204030204" pitchFamily="49" charset="0"/>
+              </a:rPr>
+              <a:t>m_pHeightMap</a:t>
+            </a:r>
+            <a:r>
+              <a:rPr lang="en-GB" sz="1400" dirty="0">
+                <a:solidFill>
+                  <a:srgbClr val="000000"/>
+                </a:solidFill>
+                <a:latin typeface="Consolas" panose="020B0609020204030204" pitchFamily="49" charset="0"/>
+              </a:rPr>
+              <a:t>[index].x = (</a:t>
+            </a:r>
+            <a:r>
+              <a:rPr lang="en-GB" sz="1400" dirty="0">
+                <a:solidFill>
+                  <a:srgbClr val="0000FF"/>
+                </a:solidFill>
+                <a:latin typeface="Consolas" panose="020B0609020204030204" pitchFamily="49" charset="0"/>
+              </a:rPr>
+              <a:t>float</a:t>
+            </a:r>
+            <a:r>
+              <a:rPr lang="en-GB" sz="1400" dirty="0">
+                <a:solidFill>
+                  <a:srgbClr val="000000"/>
+                </a:solidFill>
+                <a:latin typeface="Consolas" panose="020B0609020204030204" pitchFamily="49" charset="0"/>
+              </a:rPr>
+              <a:t>)(</a:t>
+            </a:r>
+            <a:r>
+              <a:rPr lang="en-GB" sz="1400" dirty="0" err="1">
+                <a:solidFill>
+                  <a:srgbClr val="000000"/>
+                </a:solidFill>
+                <a:latin typeface="Consolas" panose="020B0609020204030204" pitchFamily="49" charset="0"/>
+              </a:rPr>
+              <a:t>i</a:t>
+            </a:r>
+            <a:r>
+              <a:rPr lang="en-GB" sz="1400" dirty="0">
+                <a:solidFill>
+                  <a:srgbClr val="000000"/>
+                </a:solidFill>
+                <a:latin typeface="Consolas" panose="020B0609020204030204" pitchFamily="49" charset="0"/>
+              </a:rPr>
+              <a:t> - (</a:t>
+            </a:r>
+            <a:r>
+              <a:rPr lang="en-GB" sz="1400" dirty="0" err="1">
+                <a:solidFill>
+                  <a:srgbClr val="000000"/>
+                </a:solidFill>
+                <a:latin typeface="Consolas" panose="020B0609020204030204" pitchFamily="49" charset="0"/>
+              </a:rPr>
+              <a:t>m_HeightMapWidth</a:t>
+            </a:r>
+            <a:r>
+              <a:rPr lang="en-GB" sz="1400" dirty="0">
+                <a:solidFill>
+                  <a:srgbClr val="000000"/>
+                </a:solidFill>
+                <a:latin typeface="Consolas" panose="020B0609020204030204" pitchFamily="49" charset="0"/>
+              </a:rPr>
+              <a:t> / 2)) * </a:t>
+            </a:r>
+            <a:r>
+              <a:rPr lang="en-GB" sz="1400" dirty="0" err="1">
+                <a:solidFill>
+                  <a:srgbClr val="808080"/>
+                </a:solidFill>
+                <a:latin typeface="Consolas" panose="020B0609020204030204" pitchFamily="49" charset="0"/>
+              </a:rPr>
+              <a:t>gridSize</a:t>
+            </a:r>
+            <a:r>
+              <a:rPr lang="en-GB" sz="1400" dirty="0">
+                <a:solidFill>
+                  <a:srgbClr val="000000"/>
+                </a:solidFill>
+                <a:latin typeface="Consolas" panose="020B0609020204030204" pitchFamily="49" charset="0"/>
+              </a:rPr>
+              <a:t>;</a:t>
+            </a:r>
+          </a:p>
+          <a:p>
+            <a:r>
+              <a:rPr lang="en-GB" sz="1400" dirty="0">
+                <a:solidFill>
+                  <a:srgbClr val="000000"/>
+                </a:solidFill>
+                <a:latin typeface="Consolas" panose="020B0609020204030204" pitchFamily="49" charset="0"/>
+              </a:rPr>
+              <a:t>        </a:t>
+            </a:r>
+            <a:r>
+              <a:rPr lang="en-GB" sz="1400" dirty="0" err="1">
+                <a:solidFill>
+                  <a:srgbClr val="000000"/>
+                </a:solidFill>
+                <a:latin typeface="Consolas" panose="020B0609020204030204" pitchFamily="49" charset="0"/>
+              </a:rPr>
+              <a:t>m_pHeightMap</a:t>
+            </a:r>
+            <a:r>
+              <a:rPr lang="en-GB" sz="1400" dirty="0">
+                <a:solidFill>
+                  <a:srgbClr val="000000"/>
+                </a:solidFill>
+                <a:latin typeface="Consolas" panose="020B0609020204030204" pitchFamily="49" charset="0"/>
+              </a:rPr>
+              <a:t>[index].y = (</a:t>
+            </a:r>
+            <a:r>
+              <a:rPr lang="en-GB" sz="1400" dirty="0">
+                <a:solidFill>
+                  <a:srgbClr val="0000FF"/>
+                </a:solidFill>
+                <a:latin typeface="Consolas" panose="020B0609020204030204" pitchFamily="49" charset="0"/>
+              </a:rPr>
+              <a:t>float</a:t>
+            </a:r>
+            <a:r>
+              <a:rPr lang="en-GB" sz="1400" dirty="0">
+                <a:solidFill>
+                  <a:srgbClr val="000000"/>
+                </a:solidFill>
+                <a:latin typeface="Consolas" panose="020B0609020204030204" pitchFamily="49" charset="0"/>
+              </a:rPr>
+              <a:t>)height / 16 * </a:t>
+            </a:r>
+            <a:r>
+              <a:rPr lang="en-GB" sz="1400" dirty="0" err="1">
+                <a:solidFill>
+                  <a:srgbClr val="808080"/>
+                </a:solidFill>
+                <a:latin typeface="Consolas" panose="020B0609020204030204" pitchFamily="49" charset="0"/>
+              </a:rPr>
+              <a:t>gridSize</a:t>
+            </a:r>
+            <a:r>
+              <a:rPr lang="en-GB" sz="1400" dirty="0">
+                <a:solidFill>
+                  <a:srgbClr val="000000"/>
+                </a:solidFill>
+                <a:latin typeface="Consolas" panose="020B0609020204030204" pitchFamily="49" charset="0"/>
+              </a:rPr>
+              <a:t>;</a:t>
+            </a:r>
+          </a:p>
+          <a:p>
+            <a:r>
+              <a:rPr lang="en-GB" sz="1400" dirty="0">
+                <a:solidFill>
+                  <a:srgbClr val="000000"/>
+                </a:solidFill>
+                <a:latin typeface="Consolas" panose="020B0609020204030204" pitchFamily="49" charset="0"/>
+              </a:rPr>
+              <a:t>        </a:t>
+            </a:r>
+            <a:r>
+              <a:rPr lang="en-GB" sz="1400" dirty="0" err="1">
+                <a:solidFill>
+                  <a:srgbClr val="000000"/>
+                </a:solidFill>
+                <a:latin typeface="Consolas" panose="020B0609020204030204" pitchFamily="49" charset="0"/>
+              </a:rPr>
+              <a:t>m_pHeightMap</a:t>
+            </a:r>
+            <a:r>
+              <a:rPr lang="en-GB" sz="1400" dirty="0">
+                <a:solidFill>
+                  <a:srgbClr val="000000"/>
+                </a:solidFill>
+                <a:latin typeface="Consolas" panose="020B0609020204030204" pitchFamily="49" charset="0"/>
+              </a:rPr>
+              <a:t>[index].z = (</a:t>
+            </a:r>
+            <a:r>
+              <a:rPr lang="en-GB" sz="1400" dirty="0">
+                <a:solidFill>
+                  <a:srgbClr val="0000FF"/>
+                </a:solidFill>
+                <a:latin typeface="Consolas" panose="020B0609020204030204" pitchFamily="49" charset="0"/>
+              </a:rPr>
+              <a:t>float</a:t>
+            </a:r>
+            <a:r>
+              <a:rPr lang="en-GB" sz="1400" dirty="0">
+                <a:solidFill>
+                  <a:srgbClr val="000000"/>
+                </a:solidFill>
+                <a:latin typeface="Consolas" panose="020B0609020204030204" pitchFamily="49" charset="0"/>
+              </a:rPr>
+              <a:t>)((</a:t>
+            </a:r>
+            <a:r>
+              <a:rPr lang="en-GB" sz="1400" dirty="0" err="1">
+                <a:solidFill>
+                  <a:srgbClr val="000000"/>
+                </a:solidFill>
+                <a:latin typeface="Consolas" panose="020B0609020204030204" pitchFamily="49" charset="0"/>
+              </a:rPr>
+              <a:t>m_HeightMapLength</a:t>
+            </a:r>
+            <a:r>
+              <a:rPr lang="en-GB" sz="1400" dirty="0">
+                <a:solidFill>
+                  <a:srgbClr val="000000"/>
+                </a:solidFill>
+                <a:latin typeface="Consolas" panose="020B0609020204030204" pitchFamily="49" charset="0"/>
+              </a:rPr>
+              <a:t> / 2) - j) * </a:t>
+            </a:r>
+            <a:r>
+              <a:rPr lang="en-GB" sz="1400" dirty="0" err="1">
+                <a:solidFill>
+                  <a:srgbClr val="808080"/>
+                </a:solidFill>
+                <a:latin typeface="Consolas" panose="020B0609020204030204" pitchFamily="49" charset="0"/>
+              </a:rPr>
+              <a:t>gridSize</a:t>
+            </a:r>
+            <a:r>
+              <a:rPr lang="en-GB" sz="1400" dirty="0">
+                <a:solidFill>
+                  <a:srgbClr val="000000"/>
+                </a:solidFill>
+                <a:latin typeface="Consolas" panose="020B0609020204030204" pitchFamily="49" charset="0"/>
+              </a:rPr>
+              <a:t>;</a:t>
+            </a:r>
+          </a:p>
+          <a:p>
+            <a:r>
+              <a:rPr lang="en-GB" sz="1400" dirty="0">
+                <a:solidFill>
+                  <a:srgbClr val="000000"/>
+                </a:solidFill>
+                <a:latin typeface="Consolas" panose="020B0609020204030204" pitchFamily="49" charset="0"/>
+              </a:rPr>
+              <a:t>        k += 3;</a:t>
+            </a:r>
+          </a:p>
+          <a:p>
+            <a:r>
+              <a:rPr lang="en-GB" sz="1400" dirty="0">
+                <a:solidFill>
+                  <a:srgbClr val="000000"/>
+                </a:solidFill>
+                <a:latin typeface="Consolas" panose="020B0609020204030204" pitchFamily="49" charset="0"/>
+              </a:rPr>
+              <a:t>    }</a:t>
+            </a:r>
+          </a:p>
+          <a:p>
+            <a:r>
+              <a:rPr lang="en-GB" sz="1400" dirty="0">
+                <a:solidFill>
+                  <a:srgbClr val="000000"/>
+                </a:solidFill>
+                <a:latin typeface="Consolas" panose="020B0609020204030204" pitchFamily="49" charset="0"/>
+              </a:rPr>
+              <a:t>}</a:t>
+            </a:r>
+            <a:endParaRPr lang="en-GB" dirty="0"/>
+          </a:p>
+        </p:txBody>
+      </p:sp>
+      <p:sp>
+        <p:nvSpPr>
+          <p:cNvPr id="158" name="Rounded Rectangular Callout 4">
+            <a:extLst>
+              <a:ext uri="{FF2B5EF4-FFF2-40B4-BE49-F238E27FC236}">
+                <a16:creationId xmlns:a16="http://schemas.microsoft.com/office/drawing/2014/main" id="{FAF7783D-08E5-45A1-A5C1-A58A5000DA87}"/>
+              </a:ext>
+            </a:extLst>
+          </p:cNvPr>
+          <p:cNvSpPr/>
+          <p:nvPr/>
+        </p:nvSpPr>
+        <p:spPr>
+          <a:xfrm>
+            <a:off x="9853301" y="5096510"/>
+            <a:ext cx="2260826" cy="1637575"/>
+          </a:xfrm>
+          <a:prstGeom prst="wedgeRoundRectCallout">
+            <a:avLst>
+              <a:gd name="adj1" fmla="val -123411"/>
+              <a:gd name="adj2" fmla="val -92356"/>
+              <a:gd name="adj3" fmla="val 16667"/>
+            </a:avLst>
+          </a:prstGeom>
+          <a:solidFill>
+            <a:schemeClr val="accent3"/>
+          </a:solidFill>
+          <a:ln>
+            <a:solidFill>
+              <a:schemeClr val="tx2"/>
+            </a:solidFill>
+          </a:ln>
+        </p:spPr>
+        <p:style>
+          <a:lnRef idx="2">
+            <a:schemeClr val="accent1">
+              <a:shade val="50000"/>
+            </a:schemeClr>
+          </a:lnRef>
+          <a:fillRef idx="1">
+            <a:schemeClr val="accent1"/>
+          </a:fillRef>
+          <a:effectRef idx="0">
+            <a:schemeClr val="accent1"/>
+          </a:effectRef>
+          <a:fontRef idx="minor">
+            <a:schemeClr val="lt1"/>
+          </a:fontRef>
+        </p:style>
+        <p:txBody>
+          <a:bodyPr rtlCol="0" anchor="ctr"/>
+          <a:lstStyle/>
+          <a:p>
+            <a:pPr marL="0" lvl="2" algn="ctr"/>
+            <a:r>
+              <a:rPr lang="en-GB" dirty="0">
+                <a:solidFill>
+                  <a:schemeClr val="tx1"/>
+                </a:solidFill>
+              </a:rPr>
+              <a:t>The inverted mesh data turns clockwise into anti-clockwise!</a:t>
+            </a:r>
+            <a:endParaRPr lang="en-GB" dirty="0"/>
+          </a:p>
+        </p:txBody>
+      </p:sp>
+      <p:sp>
+        <p:nvSpPr>
+          <p:cNvPr id="159" name="Rounded Rectangular Callout 4">
+            <a:extLst>
+              <a:ext uri="{FF2B5EF4-FFF2-40B4-BE49-F238E27FC236}">
+                <a16:creationId xmlns:a16="http://schemas.microsoft.com/office/drawing/2014/main" id="{47D36091-D5B6-4429-B9BB-CCF2E2152AB6}"/>
+              </a:ext>
+            </a:extLst>
+          </p:cNvPr>
+          <p:cNvSpPr/>
+          <p:nvPr/>
+        </p:nvSpPr>
+        <p:spPr>
+          <a:xfrm>
+            <a:off x="97945" y="2401368"/>
+            <a:ext cx="2115415" cy="1727810"/>
+          </a:xfrm>
+          <a:prstGeom prst="wedgeRoundRectCallout">
+            <a:avLst>
+              <a:gd name="adj1" fmla="val 50988"/>
+              <a:gd name="adj2" fmla="val 67271"/>
+              <a:gd name="adj3" fmla="val 16667"/>
+            </a:avLst>
+          </a:prstGeom>
+          <a:solidFill>
+            <a:schemeClr val="accent3"/>
+          </a:solidFill>
+          <a:ln>
+            <a:solidFill>
+              <a:schemeClr val="tx2"/>
+            </a:solidFill>
+          </a:ln>
+        </p:spPr>
+        <p:style>
+          <a:lnRef idx="2">
+            <a:schemeClr val="accent1">
+              <a:shade val="50000"/>
+            </a:schemeClr>
+          </a:lnRef>
+          <a:fillRef idx="1">
+            <a:schemeClr val="accent1"/>
+          </a:fillRef>
+          <a:effectRef idx="0">
+            <a:schemeClr val="accent1"/>
+          </a:effectRef>
+          <a:fontRef idx="minor">
+            <a:schemeClr val="lt1"/>
+          </a:fontRef>
+        </p:style>
+        <p:txBody>
+          <a:bodyPr rtlCol="0" anchor="ctr"/>
+          <a:lstStyle/>
+          <a:p>
+            <a:pPr marL="0" lvl="2" algn="ctr"/>
+            <a:r>
+              <a:rPr lang="en-GB" dirty="0">
+                <a:solidFill>
+                  <a:schemeClr val="tx1"/>
+                </a:solidFill>
+              </a:rPr>
+              <a:t>We should process the bitmap from bottom to top and flip in z</a:t>
+            </a:r>
+            <a:endParaRPr lang="en-GB" dirty="0"/>
+          </a:p>
+        </p:txBody>
+      </p:sp>
+      <p:sp>
+        <p:nvSpPr>
+          <p:cNvPr id="160" name="Rounded Rectangular Callout 4">
+            <a:extLst>
+              <a:ext uri="{FF2B5EF4-FFF2-40B4-BE49-F238E27FC236}">
+                <a16:creationId xmlns:a16="http://schemas.microsoft.com/office/drawing/2014/main" id="{AC7177D4-679D-420B-95A3-54A1A0D91757}"/>
+              </a:ext>
+            </a:extLst>
+          </p:cNvPr>
+          <p:cNvSpPr/>
+          <p:nvPr/>
+        </p:nvSpPr>
+        <p:spPr>
+          <a:xfrm>
+            <a:off x="179462" y="202297"/>
+            <a:ext cx="4247259" cy="1007380"/>
+          </a:xfrm>
+          <a:prstGeom prst="wedgeRoundRectCallout">
+            <a:avLst>
+              <a:gd name="adj1" fmla="val 60907"/>
+              <a:gd name="adj2" fmla="val 16399"/>
+              <a:gd name="adj3" fmla="val 16667"/>
+            </a:avLst>
+          </a:prstGeom>
+          <a:solidFill>
+            <a:schemeClr val="accent3"/>
+          </a:solidFill>
+          <a:ln>
+            <a:solidFill>
+              <a:schemeClr val="tx2"/>
+            </a:solidFill>
+          </a:ln>
+        </p:spPr>
+        <p:style>
+          <a:lnRef idx="2">
+            <a:schemeClr val="accent1">
+              <a:shade val="50000"/>
+            </a:schemeClr>
+          </a:lnRef>
+          <a:fillRef idx="1">
+            <a:schemeClr val="accent1"/>
+          </a:fillRef>
+          <a:effectRef idx="0">
+            <a:schemeClr val="accent1"/>
+          </a:effectRef>
+          <a:fontRef idx="minor">
+            <a:schemeClr val="lt1"/>
+          </a:fontRef>
+        </p:style>
+        <p:txBody>
+          <a:bodyPr rtlCol="0" anchor="ctr"/>
+          <a:lstStyle/>
+          <a:p>
+            <a:pPr marL="0" lvl="2" algn="ctr"/>
+            <a:r>
+              <a:rPr lang="en-GB" dirty="0">
+                <a:solidFill>
+                  <a:schemeClr val="tx1"/>
+                </a:solidFill>
+              </a:rPr>
+              <a:t>This only makes any difference when you turn </a:t>
+            </a:r>
+            <a:r>
+              <a:rPr lang="en-GB" dirty="0" err="1">
+                <a:solidFill>
+                  <a:schemeClr val="tx1"/>
+                </a:solidFill>
+              </a:rPr>
+              <a:t>backface</a:t>
+            </a:r>
+            <a:r>
+              <a:rPr lang="en-GB" dirty="0">
+                <a:solidFill>
+                  <a:schemeClr val="tx1"/>
+                </a:solidFill>
+              </a:rPr>
+              <a:t> culling on, but for the sake of completeness...</a:t>
+            </a:r>
+            <a:endParaRPr lang="en-GB" dirty="0"/>
+          </a:p>
+        </p:txBody>
+      </p:sp>
+    </p:spTree>
+    <p:extLst>
+      <p:ext uri="{BB962C8B-B14F-4D97-AF65-F5344CB8AC3E}">
+        <p14:creationId xmlns:p14="http://schemas.microsoft.com/office/powerpoint/2010/main" val="2201463131"/>
       </p:ext>
     </p:extLst>
   </p:cSld>
